--- a/doc/9주차 ppt.pptx
+++ b/doc/9주차 ppt.pptx
@@ -112,6 +112,11 @@
       </a:defRPr>
     </a:lvl9pPr>
   </p:defaultTextStyle>
+  <p:extLst>
+    <p:ext uri="{EFAFB233-063F-42B5-8137-9DF3F51BA10A}">
+      <p15:sldGuideLst xmlns:p15="http://schemas.microsoft.com/office/powerpoint/2012/main"/>
+    </p:ext>
+  </p:extLst>
 </p:presentation>
 </file>
 
@@ -1284,7 +1289,6 @@
             <a:rPr lang="ko-KR" altLang="en-US" dirty="0" smtClean="0"/>
             <a:t>이 추천 됨</a:t>
           </a:r>
-          <a:endParaRPr lang="ko-KR" altLang="en-US" dirty="0" smtClean="0"/>
         </a:p>
       </dgm:t>
     </dgm:pt>
@@ -1340,7 +1344,6 @@
             <a:rPr lang="ko-KR" altLang="en-US" dirty="0" smtClean="0"/>
             <a:t>의 평점을 예측</a:t>
           </a:r>
-          <a:endParaRPr lang="ko-KR" altLang="en-US" dirty="0" smtClean="0"/>
         </a:p>
       </dgm:t>
     </dgm:pt>
@@ -1392,7 +1395,6 @@
             <a:rPr lang="ko-KR" altLang="en-US" dirty="0" smtClean="0"/>
             <a:t>등이 사용 됨</a:t>
           </a:r>
-          <a:endParaRPr lang="ko-KR" altLang="en-US" dirty="0" smtClean="0"/>
         </a:p>
       </dgm:t>
     </dgm:pt>
@@ -1429,6 +1431,14 @@
         </dgm:presLayoutVars>
       </dgm:prSet>
       <dgm:spPr/>
+      <dgm:t>
+        <a:bodyPr/>
+        <a:lstStyle/>
+        <a:p>
+          <a:pPr latinLnBrk="1"/>
+          <a:endParaRPr lang="ko-KR" altLang="en-US"/>
+        </a:p>
+      </dgm:t>
     </dgm:pt>
     <dgm:pt modelId="{B887AF05-EBE4-497B-9552-C8F4F3C9338A}" type="pres">
       <dgm:prSet presAssocID="{DD9E6232-02E7-46B8-9DBB-E70A03544E78}" presName="linNode" presStyleCnt="0"/>
@@ -1551,27 +1561,27 @@
     </dgm:pt>
   </dgm:ptLst>
   <dgm:cxnLst>
+    <dgm:cxn modelId="{E0696FDA-ECED-4271-8B63-95B20E062FDA}" type="presOf" srcId="{99CE02CF-CA8B-4F65-82A4-400D86875C09}" destId="{C0C7C6DD-D43E-4D85-9701-EC66D1A47C70}" srcOrd="0" destOrd="0" presId="urn:microsoft.com/office/officeart/2005/8/layout/vList5"/>
+    <dgm:cxn modelId="{EF816C16-0A0C-4BA3-B3D6-F46D780DD72A}" type="presOf" srcId="{B1B6C0C3-BB04-4FD2-8B12-19FC2FB6D4FD}" destId="{75996E9B-2CB0-493C-80F1-7B13203B9FE6}" srcOrd="0" destOrd="0" presId="urn:microsoft.com/office/officeart/2005/8/layout/vList5"/>
+    <dgm:cxn modelId="{4755A85D-C0A2-412F-B178-75285836EDF3}" srcId="{DD9E6232-02E7-46B8-9DBB-E70A03544E78}" destId="{649D25EB-15F0-45DF-BA7C-27EBB7A40722}" srcOrd="0" destOrd="0" parTransId="{696623D9-44A6-41D6-8E07-C05DDA1E2BCC}" sibTransId="{946E5549-AFDE-42CD-A32D-0B69122C90E1}"/>
+    <dgm:cxn modelId="{AE0BEE16-4356-453C-A375-2673302318FB}" srcId="{73B54767-25F3-4DA9-AB05-B94904BC6CB1}" destId="{7A9F2E1D-023F-4465-96A3-BC0BE94D57CF}" srcOrd="2" destOrd="0" parTransId="{7CA7CECC-2373-456E-B887-0B40E2F6FDBA}" sibTransId="{D51FC6C2-FEA9-47E6-9BDF-5A3F173B7613}"/>
+    <dgm:cxn modelId="{6A065FA1-C189-45D3-9B2D-1B760C28AF16}" srcId="{A100909C-1068-48EE-858C-AABB8AD629EE}" destId="{D3C623BE-F1EC-495D-9451-5DD0AF6447F6}" srcOrd="0" destOrd="0" parTransId="{325DF145-9790-4302-B507-35ECD9E7AEB8}" sibTransId="{0EC25733-B273-4950-A9BD-F66BDDC93DAC}"/>
+    <dgm:cxn modelId="{FFFE1E11-F5C6-423B-8F7B-DBB2DF1352F2}" type="presOf" srcId="{72948DDC-5047-4DB8-9A3C-599EB5E10610}" destId="{8B32F828-946F-4B10-BE39-01D12EEE6747}" srcOrd="0" destOrd="1" presId="urn:microsoft.com/office/officeart/2005/8/layout/vList5"/>
+    <dgm:cxn modelId="{602561DE-0957-4437-ABD2-DFD729E210D0}" srcId="{B1B6C0C3-BB04-4FD2-8B12-19FC2FB6D4FD}" destId="{73B54767-25F3-4DA9-AB05-B94904BC6CB1}" srcOrd="1" destOrd="0" parTransId="{D67A6E5D-3C37-418A-B36C-B7498E42A8CA}" sibTransId="{5556D414-8532-41C3-A5CC-8A13FFCBFE18}"/>
+    <dgm:cxn modelId="{5B43E142-A576-4792-AD1E-4A6DFF86C73A}" type="presOf" srcId="{722C19F2-C514-4C9B-9D32-CF9F7E3C064F}" destId="{C0C7C6DD-D43E-4D85-9701-EC66D1A47C70}" srcOrd="0" destOrd="1" presId="urn:microsoft.com/office/officeart/2005/8/layout/vList5"/>
+    <dgm:cxn modelId="{66CFBF59-6353-4E4B-8A85-409399BE6934}" srcId="{B1B6C0C3-BB04-4FD2-8B12-19FC2FB6D4FD}" destId="{A100909C-1068-48EE-858C-AABB8AD629EE}" srcOrd="2" destOrd="0" parTransId="{A023B1FF-D796-4BFA-8BE3-92EF88C00999}" sibTransId="{48BA7432-B240-47B5-A41D-AB34A436EB51}"/>
+    <dgm:cxn modelId="{4F6A7BD9-B5AD-4F44-8B5E-18195D276E30}" type="presOf" srcId="{31C785C0-5F1B-4E5C-828B-AB7D122B153A}" destId="{82A70855-A831-47F3-A4C7-955D4405897A}" srcOrd="0" destOrd="1" presId="urn:microsoft.com/office/officeart/2005/8/layout/vList5"/>
+    <dgm:cxn modelId="{EC682AF8-ED1B-41C4-86F3-C6CF2268BC23}" srcId="{A100909C-1068-48EE-858C-AABB8AD629EE}" destId="{31C785C0-5F1B-4E5C-828B-AB7D122B153A}" srcOrd="1" destOrd="0" parTransId="{38B53830-5D75-418C-80A6-116999F236C4}" sibTransId="{72126A1B-880E-4D64-A728-B47C28C93589}"/>
+    <dgm:cxn modelId="{B16BC347-B562-4156-9A21-2264B6676FB8}" type="presOf" srcId="{DD9E6232-02E7-46B8-9DBB-E70A03544E78}" destId="{70962E26-C5C5-40C6-8B16-E7E3E4A5DF80}" srcOrd="0" destOrd="0" presId="urn:microsoft.com/office/officeart/2005/8/layout/vList5"/>
+    <dgm:cxn modelId="{A6581812-D4D4-456A-BCA2-C3F71CE0D1FE}" srcId="{B1B6C0C3-BB04-4FD2-8B12-19FC2FB6D4FD}" destId="{DD9E6232-02E7-46B8-9DBB-E70A03544E78}" srcOrd="0" destOrd="0" parTransId="{A5E7E428-6EA6-4731-BEA9-27D63EAE64C4}" sibTransId="{19711C0D-42D4-4CC8-BDF3-90B0FBBEB526}"/>
+    <dgm:cxn modelId="{FFD8B841-E00C-49AD-842E-83370A451C6E}" type="presOf" srcId="{649D25EB-15F0-45DF-BA7C-27EBB7A40722}" destId="{8B32F828-946F-4B10-BE39-01D12EEE6747}" srcOrd="0" destOrd="0" presId="urn:microsoft.com/office/officeart/2005/8/layout/vList5"/>
+    <dgm:cxn modelId="{022CCB93-3D17-4EE0-9D13-F7A04D023EA8}" srcId="{73B54767-25F3-4DA9-AB05-B94904BC6CB1}" destId="{722C19F2-C514-4C9B-9D32-CF9F7E3C064F}" srcOrd="1" destOrd="0" parTransId="{AB9247CE-C3C2-4B2E-A9DD-2B93F6764491}" sibTransId="{6A4D1D6D-1218-4F44-9EA8-926B2B8AD415}"/>
+    <dgm:cxn modelId="{18ACE3CD-C832-4130-88EF-B028E0874CE9}" type="presOf" srcId="{D3C623BE-F1EC-495D-9451-5DD0AF6447F6}" destId="{82A70855-A831-47F3-A4C7-955D4405897A}" srcOrd="0" destOrd="0" presId="urn:microsoft.com/office/officeart/2005/8/layout/vList5"/>
+    <dgm:cxn modelId="{D849B774-9B68-406C-AAFC-F5A04DF517C2}" type="presOf" srcId="{73B54767-25F3-4DA9-AB05-B94904BC6CB1}" destId="{E3AB3ACD-3736-49E3-81B9-9C3C20B8A411}" srcOrd="0" destOrd="0" presId="urn:microsoft.com/office/officeart/2005/8/layout/vList5"/>
     <dgm:cxn modelId="{CE35B9CE-BE54-4DBA-A19C-3C83B916E690}" srcId="{DD9E6232-02E7-46B8-9DBB-E70A03544E78}" destId="{72948DDC-5047-4DB8-9A3C-599EB5E10610}" srcOrd="1" destOrd="0" parTransId="{50819D0D-26B8-42D7-ABE7-641B8CF139F5}" sibTransId="{8C6F77D1-9675-4143-8168-FBC455EC1D82}"/>
-    <dgm:cxn modelId="{022CCB93-3D17-4EE0-9D13-F7A04D023EA8}" srcId="{73B54767-25F3-4DA9-AB05-B94904BC6CB1}" destId="{722C19F2-C514-4C9B-9D32-CF9F7E3C064F}" srcOrd="1" destOrd="0" parTransId="{AB9247CE-C3C2-4B2E-A9DD-2B93F6764491}" sibTransId="{6A4D1D6D-1218-4F44-9EA8-926B2B8AD415}"/>
-    <dgm:cxn modelId="{6A065FA1-C189-45D3-9B2D-1B760C28AF16}" srcId="{A100909C-1068-48EE-858C-AABB8AD629EE}" destId="{D3C623BE-F1EC-495D-9451-5DD0AF6447F6}" srcOrd="0" destOrd="0" parTransId="{325DF145-9790-4302-B507-35ECD9E7AEB8}" sibTransId="{0EC25733-B273-4950-A9BD-F66BDDC93DAC}"/>
-    <dgm:cxn modelId="{18ACE3CD-C832-4130-88EF-B028E0874CE9}" type="presOf" srcId="{D3C623BE-F1EC-495D-9451-5DD0AF6447F6}" destId="{82A70855-A831-47F3-A4C7-955D4405897A}" srcOrd="0" destOrd="0" presId="urn:microsoft.com/office/officeart/2005/8/layout/vList5"/>
-    <dgm:cxn modelId="{B16BC347-B562-4156-9A21-2264B6676FB8}" type="presOf" srcId="{DD9E6232-02E7-46B8-9DBB-E70A03544E78}" destId="{70962E26-C5C5-40C6-8B16-E7E3E4A5DF80}" srcOrd="0" destOrd="0" presId="urn:microsoft.com/office/officeart/2005/8/layout/vList5"/>
-    <dgm:cxn modelId="{EC682AF8-ED1B-41C4-86F3-C6CF2268BC23}" srcId="{A100909C-1068-48EE-858C-AABB8AD629EE}" destId="{31C785C0-5F1B-4E5C-828B-AB7D122B153A}" srcOrd="1" destOrd="0" parTransId="{38B53830-5D75-418C-80A6-116999F236C4}" sibTransId="{72126A1B-880E-4D64-A728-B47C28C93589}"/>
-    <dgm:cxn modelId="{A6581812-D4D4-456A-BCA2-C3F71CE0D1FE}" srcId="{B1B6C0C3-BB04-4FD2-8B12-19FC2FB6D4FD}" destId="{DD9E6232-02E7-46B8-9DBB-E70A03544E78}" srcOrd="0" destOrd="0" parTransId="{A5E7E428-6EA6-4731-BEA9-27D63EAE64C4}" sibTransId="{19711C0D-42D4-4CC8-BDF3-90B0FBBEB526}"/>
-    <dgm:cxn modelId="{AE0BEE16-4356-453C-A375-2673302318FB}" srcId="{73B54767-25F3-4DA9-AB05-B94904BC6CB1}" destId="{7A9F2E1D-023F-4465-96A3-BC0BE94D57CF}" srcOrd="2" destOrd="0" parTransId="{7CA7CECC-2373-456E-B887-0B40E2F6FDBA}" sibTransId="{D51FC6C2-FEA9-47E6-9BDF-5A3F173B7613}"/>
     <dgm:cxn modelId="{3C327E5F-7379-42F9-A8E5-670797AA0F78}" type="presOf" srcId="{7A9F2E1D-023F-4465-96A3-BC0BE94D57CF}" destId="{C0C7C6DD-D43E-4D85-9701-EC66D1A47C70}" srcOrd="0" destOrd="2" presId="urn:microsoft.com/office/officeart/2005/8/layout/vList5"/>
-    <dgm:cxn modelId="{4755A85D-C0A2-412F-B178-75285836EDF3}" srcId="{DD9E6232-02E7-46B8-9DBB-E70A03544E78}" destId="{649D25EB-15F0-45DF-BA7C-27EBB7A40722}" srcOrd="0" destOrd="0" parTransId="{696623D9-44A6-41D6-8E07-C05DDA1E2BCC}" sibTransId="{946E5549-AFDE-42CD-A32D-0B69122C90E1}"/>
-    <dgm:cxn modelId="{4F6A7BD9-B5AD-4F44-8B5E-18195D276E30}" type="presOf" srcId="{31C785C0-5F1B-4E5C-828B-AB7D122B153A}" destId="{82A70855-A831-47F3-A4C7-955D4405897A}" srcOrd="0" destOrd="1" presId="urn:microsoft.com/office/officeart/2005/8/layout/vList5"/>
-    <dgm:cxn modelId="{66CFBF59-6353-4E4B-8A85-409399BE6934}" srcId="{B1B6C0C3-BB04-4FD2-8B12-19FC2FB6D4FD}" destId="{A100909C-1068-48EE-858C-AABB8AD629EE}" srcOrd="2" destOrd="0" parTransId="{A023B1FF-D796-4BFA-8BE3-92EF88C00999}" sibTransId="{48BA7432-B240-47B5-A41D-AB34A436EB51}"/>
-    <dgm:cxn modelId="{FFD8B841-E00C-49AD-842E-83370A451C6E}" type="presOf" srcId="{649D25EB-15F0-45DF-BA7C-27EBB7A40722}" destId="{8B32F828-946F-4B10-BE39-01D12EEE6747}" srcOrd="0" destOrd="0" presId="urn:microsoft.com/office/officeart/2005/8/layout/vList5"/>
-    <dgm:cxn modelId="{D849B774-9B68-406C-AAFC-F5A04DF517C2}" type="presOf" srcId="{73B54767-25F3-4DA9-AB05-B94904BC6CB1}" destId="{E3AB3ACD-3736-49E3-81B9-9C3C20B8A411}" srcOrd="0" destOrd="0" presId="urn:microsoft.com/office/officeart/2005/8/layout/vList5"/>
-    <dgm:cxn modelId="{E0696FDA-ECED-4271-8B63-95B20E062FDA}" type="presOf" srcId="{99CE02CF-CA8B-4F65-82A4-400D86875C09}" destId="{C0C7C6DD-D43E-4D85-9701-EC66D1A47C70}" srcOrd="0" destOrd="0" presId="urn:microsoft.com/office/officeart/2005/8/layout/vList5"/>
-    <dgm:cxn modelId="{5B43E142-A576-4792-AD1E-4A6DFF86C73A}" type="presOf" srcId="{722C19F2-C514-4C9B-9D32-CF9F7E3C064F}" destId="{C0C7C6DD-D43E-4D85-9701-EC66D1A47C70}" srcOrd="0" destOrd="1" presId="urn:microsoft.com/office/officeart/2005/8/layout/vList5"/>
+    <dgm:cxn modelId="{AAE4741C-AEBD-4B73-882C-940E8FD6D6D3}" type="presOf" srcId="{A100909C-1068-48EE-858C-AABB8AD629EE}" destId="{027CA82A-9F6F-4B63-9C5A-D1330AD49A07}" srcOrd="0" destOrd="0" presId="urn:microsoft.com/office/officeart/2005/8/layout/vList5"/>
     <dgm:cxn modelId="{505A3379-D72F-4CD1-88F2-BA561EBA5EA5}" srcId="{73B54767-25F3-4DA9-AB05-B94904BC6CB1}" destId="{99CE02CF-CA8B-4F65-82A4-400D86875C09}" srcOrd="0" destOrd="0" parTransId="{91031168-ED4F-4911-838A-A194D6ECFA83}" sibTransId="{D4DB8E7B-74F8-48D2-91F7-1FD0D06C1792}"/>
-    <dgm:cxn modelId="{602561DE-0957-4437-ABD2-DFD729E210D0}" srcId="{B1B6C0C3-BB04-4FD2-8B12-19FC2FB6D4FD}" destId="{73B54767-25F3-4DA9-AB05-B94904BC6CB1}" srcOrd="1" destOrd="0" parTransId="{D67A6E5D-3C37-418A-B36C-B7498E42A8CA}" sibTransId="{5556D414-8532-41C3-A5CC-8A13FFCBFE18}"/>
-    <dgm:cxn modelId="{EF816C16-0A0C-4BA3-B3D6-F46D780DD72A}" type="presOf" srcId="{B1B6C0C3-BB04-4FD2-8B12-19FC2FB6D4FD}" destId="{75996E9B-2CB0-493C-80F1-7B13203B9FE6}" srcOrd="0" destOrd="0" presId="urn:microsoft.com/office/officeart/2005/8/layout/vList5"/>
-    <dgm:cxn modelId="{FFFE1E11-F5C6-423B-8F7B-DBB2DF1352F2}" type="presOf" srcId="{72948DDC-5047-4DB8-9A3C-599EB5E10610}" destId="{8B32F828-946F-4B10-BE39-01D12EEE6747}" srcOrd="0" destOrd="1" presId="urn:microsoft.com/office/officeart/2005/8/layout/vList5"/>
-    <dgm:cxn modelId="{AAE4741C-AEBD-4B73-882C-940E8FD6D6D3}" type="presOf" srcId="{A100909C-1068-48EE-858C-AABB8AD629EE}" destId="{027CA82A-9F6F-4B63-9C5A-D1330AD49A07}" srcOrd="0" destOrd="0" presId="urn:microsoft.com/office/officeart/2005/8/layout/vList5"/>
     <dgm:cxn modelId="{BBE46269-B984-4CED-BA09-69EF25966DBC}" type="presParOf" srcId="{75996E9B-2CB0-493C-80F1-7B13203B9FE6}" destId="{B887AF05-EBE4-497B-9552-C8F4F3C9338A}" srcOrd="0" destOrd="0" presId="urn:microsoft.com/office/officeart/2005/8/layout/vList5"/>
     <dgm:cxn modelId="{D97E16FF-A50D-4A0E-9333-E26B0A59BEE5}" type="presParOf" srcId="{B887AF05-EBE4-497B-9552-C8F4F3C9338A}" destId="{70962E26-C5C5-40C6-8B16-E7E3E4A5DF80}" srcOrd="0" destOrd="0" presId="urn:microsoft.com/office/officeart/2005/8/layout/vList5"/>
     <dgm:cxn modelId="{6EE04F93-7050-48C5-B5BB-A7249AB36CD7}" type="presParOf" srcId="{B887AF05-EBE4-497B-9552-C8F4F3C9338A}" destId="{8B32F828-946F-4B10-BE39-01D12EEE6747}" srcOrd="1" destOrd="0" presId="urn:microsoft.com/office/officeart/2005/8/layout/vList5"/>
@@ -1718,7 +1728,6 @@
             <a:rPr lang="ko-KR" altLang="en-US" sz="1400" kern="1200" dirty="0" smtClean="0"/>
             <a:t>이 추천 됨</a:t>
           </a:r>
-          <a:endParaRPr lang="ko-KR" altLang="en-US" sz="1400" kern="1200" dirty="0" smtClean="0"/>
         </a:p>
       </dsp:txBody>
       <dsp:txXfrm rot="-5400000">
@@ -1957,7 +1966,6 @@
             <a:rPr lang="ko-KR" altLang="en-US" sz="1400" kern="1200" dirty="0" smtClean="0"/>
             <a:t>의 평점을 예측</a:t>
           </a:r>
-          <a:endParaRPr lang="ko-KR" altLang="en-US" sz="1400" kern="1200" dirty="0" smtClean="0"/>
         </a:p>
         <a:p>
           <a:pPr marL="114300" lvl="1" indent="-114300" algn="l" defTabSz="622300" latinLnBrk="1">
@@ -2214,7 +2222,6 @@
             <a:rPr lang="ko-KR" altLang="en-US" sz="1400" kern="1200" dirty="0" smtClean="0"/>
             <a:t>등이 사용 됨</a:t>
           </a:r>
-          <a:endParaRPr lang="ko-KR" altLang="en-US" sz="1400" kern="1200" dirty="0" smtClean="0"/>
         </a:p>
       </dsp:txBody>
       <dsp:txXfrm rot="-5400000">
@@ -6473,12 +6480,16 @@
               <a:t> </a:t>
             </a:r>
             <a:r>
-              <a:rPr lang="en-US" altLang="ko-KR" b="1" dirty="0" err="1"/>
+              <a:rPr lang="en-US" altLang="ko-KR" b="1" dirty="0" err="1" smtClean="0"/>
               <a:t>coordy</a:t>
             </a:r>
             <a:r>
+              <a:rPr lang="en-US" altLang="ko-KR" b="1" dirty="0" smtClean="0"/>
+              <a:t> </a:t>
+            </a:r>
+            <a:r>
               <a:rPr lang="en-US" altLang="ko-KR" b="1" dirty="0"/>
-              <a:t> </a:t>
+              <a:t/>
             </a:r>
             <a:br>
               <a:rPr lang="en-US" altLang="ko-KR" b="1" dirty="0"/>
@@ -6804,8 +6815,8 @@
           <a:p>
             <a:pPr algn="ctr"/>
             <a:r>
-              <a:rPr lang="ko-KR" altLang="en-US" sz="2800" dirty="0" err="1" smtClean="0"/>
-              <a:t>발표순서</a:t>
+              <a:rPr lang="ko-KR" altLang="en-US" sz="2800" dirty="0" smtClean="0"/>
+              <a:t>발표 순서</a:t>
             </a:r>
             <a:endParaRPr lang="ko-KR" altLang="en-US" sz="2800" dirty="0"/>
           </a:p>
@@ -6965,103 +6976,117 @@
           <a:lstStyle/>
           <a:p>
             <a:r>
-              <a:rPr lang="en-US" altLang="ko-KR" dirty="0" smtClean="0"/>
-              <a:t>FCMW </a:t>
-            </a:r>
-            <a:r>
-              <a:rPr lang="ko-KR" altLang="en-US" dirty="0" smtClean="0"/>
-              <a:t>웹 피드백</a:t>
-            </a:r>
-            <a:r>
-              <a:rPr lang="en-US" altLang="ko-KR" dirty="0" smtClean="0"/>
-              <a:t>(</a:t>
-            </a:r>
-            <a:r>
-              <a:rPr lang="en-US" altLang="ko-KR" dirty="0" smtClean="0">
-                <a:latin typeface="Microsoft GothicNeo" panose="020B0503020000020004" pitchFamily="34" charset="-127"/>
-              </a:rPr>
-              <a:t>sqlite3)</a:t>
-            </a:r>
-          </a:p>
-          <a:p>
-            <a:endParaRPr lang="en-US" altLang="ko-KR" dirty="0" smtClean="0">
-              <a:latin typeface="Microsoft GothicNeo" panose="020B0503020000020004" pitchFamily="34" charset="-127"/>
-            </a:endParaRPr>
-          </a:p>
-          <a:p>
-            <a:r>
-              <a:rPr lang="en-US" altLang="ko-KR" dirty="0">
-                <a:latin typeface="Microsoft GothicNeo" panose="020B0503020000020004" pitchFamily="34" charset="-127"/>
+              <a:rPr lang="en-US" altLang="ko-KR" sz="3000" dirty="0" smtClean="0">
+                <a:latin typeface="+mj-lt"/>
               </a:rPr>
               <a:t>FCMW </a:t>
             </a:r>
             <a:r>
-              <a:rPr lang="ko-KR" altLang="en-US" dirty="0">
-                <a:latin typeface="Microsoft GothicNeo" panose="020B0503020000020004" pitchFamily="34" charset="-127"/>
+              <a:rPr lang="ko-KR" altLang="en-US" sz="3000" dirty="0" smtClean="0">
+                <a:latin typeface="+mj-lt"/>
               </a:rPr>
-              <a:t>프로젝트 진행 </a:t>
-            </a:r>
-            <a:r>
-              <a:rPr lang="ko-KR" altLang="en-US" dirty="0" smtClean="0">
-                <a:latin typeface="Microsoft GothicNeo" panose="020B0503020000020004" pitchFamily="34" charset="-127"/>
+              <a:t>웹 피드백</a:t>
+            </a:r>
+            <a:r>
+              <a:rPr lang="en-US" altLang="ko-KR" sz="3000" dirty="0" smtClean="0">
+                <a:latin typeface="+mj-lt"/>
               </a:rPr>
-              <a:t>상황</a:t>
-            </a:r>
-            <a:endParaRPr lang="en-US" altLang="ko-KR" dirty="0" smtClean="0">
-              <a:latin typeface="Microsoft GothicNeo" panose="020B0503020000020004" pitchFamily="34" charset="-127"/>
+              <a:t>(sqlite3)</a:t>
+            </a:r>
+          </a:p>
+          <a:p>
+            <a:endParaRPr lang="en-US" altLang="ko-KR" sz="3000" dirty="0" smtClean="0">
+              <a:latin typeface="+mj-lt"/>
             </a:endParaRPr>
           </a:p>
           <a:p>
-            <a:endParaRPr lang="en-US" altLang="ko-KR" dirty="0">
-              <a:latin typeface="Microsoft GothicNeo" panose="020B0503020000020004" pitchFamily="34" charset="-127"/>
+            <a:r>
+              <a:rPr lang="en-US" altLang="ko-KR" sz="3000" dirty="0">
+                <a:latin typeface="+mj-lt"/>
+              </a:rPr>
+              <a:t>FCMW </a:t>
+            </a:r>
+            <a:r>
+              <a:rPr lang="ko-KR" altLang="en-US" sz="3000" dirty="0" smtClean="0">
+                <a:latin typeface="+mj-lt"/>
+              </a:rPr>
+              <a:t>프로젝트</a:t>
+            </a:r>
+            <a:r>
+              <a:rPr lang="ko-KR" altLang="en-US" sz="3000" dirty="0" smtClean="0">
+                <a:latin typeface="+mj-lt"/>
+              </a:rPr>
+              <a:t>와 기존 웹사이트 비교</a:t>
+            </a:r>
+            <a:endParaRPr lang="en-US" altLang="ko-KR" sz="3000" dirty="0" smtClean="0">
+              <a:latin typeface="+mj-lt"/>
             </a:endParaRPr>
           </a:p>
           <a:p>
-            <a:r>
-              <a:rPr lang="ko-KR" altLang="en-US" dirty="0" smtClean="0"/>
-              <a:t>추천 </a:t>
-            </a:r>
-            <a:r>
-              <a:rPr lang="ko-KR" altLang="en-US" dirty="0" smtClean="0"/>
-              <a:t>시스템 개요</a:t>
-            </a:r>
-            <a:endParaRPr lang="en-US" altLang="ko-KR" dirty="0" smtClean="0"/>
-          </a:p>
-          <a:p>
-            <a:endParaRPr lang="en-US" altLang="ko-KR" dirty="0" smtClean="0"/>
-          </a:p>
-          <a:p>
-            <a:r>
-              <a:rPr lang="en-US" altLang="ko-KR" dirty="0" smtClean="0"/>
+            <a:endParaRPr lang="en-US" altLang="ko-KR" sz="3000" dirty="0">
+              <a:latin typeface="+mj-lt"/>
+            </a:endParaRPr>
+          </a:p>
+          <a:p>
+            <a:r>
+              <a:rPr lang="ko-KR" altLang="en-US" sz="3000" dirty="0" smtClean="0">
+                <a:latin typeface="+mj-lt"/>
+              </a:rPr>
+              <a:t>추천 시스템 개요</a:t>
+            </a:r>
+            <a:endParaRPr lang="en-US" altLang="ko-KR" sz="3000" dirty="0" smtClean="0">
+              <a:latin typeface="+mj-lt"/>
+            </a:endParaRPr>
+          </a:p>
+          <a:p>
+            <a:endParaRPr lang="en-US" altLang="ko-KR" sz="3000" dirty="0" smtClean="0">
+              <a:latin typeface="+mj-lt"/>
+            </a:endParaRPr>
+          </a:p>
+          <a:p>
+            <a:r>
+              <a:rPr lang="en-US" altLang="ko-KR" sz="3000" dirty="0" smtClean="0">
+                <a:latin typeface="+mj-lt"/>
+              </a:rPr>
               <a:t>surprise </a:t>
             </a:r>
             <a:r>
-              <a:rPr lang="ko-KR" altLang="en-US" dirty="0" smtClean="0"/>
+              <a:rPr lang="ko-KR" altLang="en-US" sz="3000" dirty="0" smtClean="0">
+                <a:latin typeface="+mj-lt"/>
+              </a:rPr>
               <a:t>패키지의 </a:t>
             </a:r>
             <a:r>
-              <a:rPr lang="en-US" altLang="ko-KR" dirty="0" smtClean="0"/>
+              <a:rPr lang="en-US" altLang="ko-KR" sz="3000" dirty="0" smtClean="0">
+                <a:latin typeface="+mj-lt"/>
+              </a:rPr>
               <a:t>SVD </a:t>
             </a:r>
             <a:r>
-              <a:rPr lang="ko-KR" altLang="en-US" dirty="0" smtClean="0"/>
+              <a:rPr lang="ko-KR" altLang="en-US" sz="3000" dirty="0" smtClean="0">
+                <a:latin typeface="+mj-lt"/>
+              </a:rPr>
               <a:t>알고리즘</a:t>
             </a:r>
-            <a:endParaRPr lang="en-US" altLang="ko-KR" dirty="0" smtClean="0"/>
-          </a:p>
-          <a:p>
-            <a:endParaRPr lang="en-US" altLang="ko-KR" dirty="0" smtClean="0"/>
-          </a:p>
-          <a:p>
-            <a:r>
-              <a:rPr lang="ko-KR" altLang="en-US" dirty="0">
-                <a:latin typeface="Microsoft GothicNeo" panose="020B0503020000020004" pitchFamily="34" charset="-127"/>
+            <a:endParaRPr lang="en-US" altLang="ko-KR" sz="3000" dirty="0" smtClean="0">
+              <a:latin typeface="+mj-lt"/>
+            </a:endParaRPr>
+          </a:p>
+          <a:p>
+            <a:endParaRPr lang="en-US" altLang="ko-KR" sz="3000" dirty="0" smtClean="0">
+              <a:latin typeface="+mj-lt"/>
+            </a:endParaRPr>
+          </a:p>
+          <a:p>
+            <a:r>
+              <a:rPr lang="ko-KR" altLang="en-US" sz="3000" dirty="0">
+                <a:latin typeface="+mj-lt"/>
               </a:rPr>
               <a:t>향후 개발 목표</a:t>
             </a:r>
             <a:r>
-              <a:rPr lang="en-US" altLang="ko-KR" dirty="0">
-                <a:latin typeface="Microsoft GothicNeo" panose="020B0503020000020004" pitchFamily="34" charset="-127"/>
+              <a:rPr lang="en-US" altLang="ko-KR" sz="3000" dirty="0">
+                <a:latin typeface="+mj-lt"/>
               </a:rPr>
               <a:t> </a:t>
             </a:r>
@@ -7126,22 +7151,28 @@
         </p:nvSpPr>
         <p:spPr/>
         <p:txBody>
-          <a:bodyPr/>
+          <a:bodyPr>
+            <a:normAutofit/>
+          </a:bodyPr>
           <a:lstStyle/>
           <a:p>
             <a:r>
-              <a:rPr lang="ko-KR" altLang="en-US" dirty="0" smtClean="0">
-                <a:latin typeface="Microsoft GothicNeo" panose="020B0503020000020004" pitchFamily="34" charset="-127"/>
-              </a:rPr>
+              <a:rPr lang="ko-KR" altLang="en-US" sz="4000" dirty="0" smtClean="0"/>
               <a:t>빅데이터 저장 </a:t>
             </a:r>
             <a:r>
-              <a:rPr lang="en-US" altLang="ko-KR" dirty="0" smtClean="0">
-                <a:latin typeface="Microsoft GothicNeo" panose="020B0503020000020004" pitchFamily="34" charset="-127"/>
-              </a:rPr>
-              <a:t>-sqlite3</a:t>
-            </a:r>
-            <a:endParaRPr lang="ko-KR" altLang="en-US" dirty="0"/>
+              <a:rPr lang="en-US" altLang="ko-KR" sz="4000" dirty="0" smtClean="0"/>
+              <a:t>-</a:t>
+            </a:r>
+            <a:r>
+              <a:rPr lang="en-US" altLang="ko-KR" sz="4000" dirty="0" smtClean="0"/>
+              <a:t>sqlite3 </a:t>
+            </a:r>
+            <a:r>
+              <a:rPr lang="ko-KR" altLang="en-US" sz="4000" dirty="0" smtClean="0"/>
+              <a:t>쓰는 이유</a:t>
+            </a:r>
+            <a:endParaRPr lang="ko-KR" altLang="en-US" sz="4000" dirty="0"/>
           </a:p>
         </p:txBody>
       </p:sp>
@@ -7271,14 +7302,20 @@
         </p:nvSpPr>
         <p:spPr/>
         <p:txBody>
-          <a:bodyPr/>
+          <a:bodyPr>
+            <a:normAutofit/>
+          </a:bodyPr>
           <a:lstStyle/>
           <a:p>
             <a:r>
-              <a:rPr lang="ko-KR" altLang="en-US" dirty="0" smtClean="0"/>
-              <a:t>진행 상황</a:t>
-            </a:r>
-            <a:endParaRPr lang="ko-KR" altLang="en-US" dirty="0"/>
+              <a:rPr lang="en-US" altLang="ko-KR" sz="4000" dirty="0"/>
+              <a:t>FCMW </a:t>
+            </a:r>
+            <a:r>
+              <a:rPr lang="ko-KR" altLang="en-US" sz="4000" dirty="0"/>
+              <a:t>프로젝트와 기존 웹사이트 비교</a:t>
+            </a:r>
+            <a:endParaRPr lang="en-US" altLang="ko-KR" sz="4000" dirty="0"/>
           </a:p>
         </p:txBody>
       </p:sp>
@@ -7292,23 +7329,854 @@
             <p:ph idx="1"/>
           </p:nvPr>
         </p:nvSpPr>
-        <p:spPr/>
+        <p:spPr>
+          <a:xfrm>
+            <a:off x="838200" y="1825625"/>
+            <a:ext cx="10869706" cy="4351338"/>
+          </a:xfrm>
+        </p:spPr>
         <p:txBody>
           <a:bodyPr/>
           <a:lstStyle/>
           <a:p>
-            <a:r>
-              <a:rPr lang="en-US" altLang="ko-KR" dirty="0" smtClean="0"/>
-              <a:t>5/7</a:t>
-            </a:r>
-            <a:r>
-              <a:rPr lang="ko-KR" altLang="en-US" dirty="0" smtClean="0"/>
-              <a:t>일 중앙도서관 스터디룸에서 회의</a:t>
-            </a:r>
+            <a:pPr marL="0" indent="0">
+              <a:buNone/>
+            </a:pPr>
             <a:endParaRPr lang="en-US" altLang="ko-KR" dirty="0" smtClean="0"/>
           </a:p>
           <a:p>
             <a:endParaRPr lang="ko-KR" altLang="en-US" dirty="0"/>
+          </a:p>
+        </p:txBody>
+      </p:sp>
+      <p:sp>
+        <p:nvSpPr>
+          <p:cNvPr id="14" name="Rectangle 17"/>
+          <p:cNvSpPr>
+            <a:spLocks noChangeArrowheads="1"/>
+          </p:cNvSpPr>
+          <p:nvPr/>
+        </p:nvSpPr>
+        <p:spPr bwMode="auto">
+          <a:xfrm>
+            <a:off x="654423" y="1084729"/>
+            <a:ext cx="12192000" cy="457200"/>
+          </a:xfrm>
+          <a:prstGeom prst="rect">
+            <a:avLst/>
+          </a:prstGeom>
+          <a:noFill/>
+          <a:ln>
+            <a:noFill/>
+          </a:ln>
+          <a:effectLst/>
+          <a:extLst>
+            <a:ext uri="{909E8E84-426E-40DD-AFC4-6F175D3DCCD1}">
+              <a14:hiddenFill xmlns:a14="http://schemas.microsoft.com/office/drawing/2010/main">
+                <a:solidFill>
+                  <a:schemeClr val="accent1"/>
+                </a:solidFill>
+              </a14:hiddenFill>
+            </a:ext>
+            <a:ext uri="{91240B29-F687-4F45-9708-019B960494DF}">
+              <a14:hiddenLine xmlns:a14="http://schemas.microsoft.com/office/drawing/2010/main" w="9525">
+                <a:solidFill>
+                  <a:schemeClr val="tx1"/>
+                </a:solidFill>
+                <a:miter lim="800000"/>
+                <a:headEnd/>
+                <a:tailEnd/>
+              </a14:hiddenLine>
+            </a:ext>
+            <a:ext uri="{AF507438-7753-43E0-B8FC-AC1667EBCBE1}">
+              <a14:hiddenEffects xmlns:a14="http://schemas.microsoft.com/office/drawing/2010/main">
+                <a:effectLst>
+                  <a:outerShdw dist="35921" dir="2700000" algn="ctr" rotWithShape="0">
+                    <a:schemeClr val="bg2"/>
+                  </a:outerShdw>
+                </a:effectLst>
+              </a14:hiddenEffects>
+            </a:ext>
+          </a:extLst>
+        </p:spPr>
+        <p:txBody>
+          <a:bodyPr vert="horz" wrap="none" lIns="91440" tIns="45720" rIns="91440" bIns="45720" numCol="1" anchor="ctr" anchorCtr="0" compatLnSpc="1">
+            <a:prstTxWarp prst="textNoShape">
+              <a:avLst/>
+            </a:prstTxWarp>
+            <a:spAutoFit/>
+          </a:bodyPr>
+          <a:lstStyle/>
+          <a:p>
+            <a:endParaRPr lang="ko-KR" altLang="en-US"/>
+          </a:p>
+        </p:txBody>
+      </p:sp>
+      <p:pic>
+        <p:nvPicPr>
+          <p:cNvPr id="1040" name="_x47605400" descr="EMB000018d80ac1"/>
+          <p:cNvPicPr>
+            <a:picLocks noChangeAspect="1" noChangeArrowheads="1"/>
+          </p:cNvPicPr>
+          <p:nvPr/>
+        </p:nvPicPr>
+        <p:blipFill>
+          <a:blip r:embed="rId2" cstate="print">
+            <a:extLst>
+              <a:ext uri="{28A0092B-C50C-407E-A947-70E740481C1C}">
+                <a14:useLocalDpi xmlns:a14="http://schemas.microsoft.com/office/drawing/2010/main" val="0"/>
+              </a:ext>
+            </a:extLst>
+          </a:blip>
+          <a:srcRect/>
+          <a:stretch>
+            <a:fillRect/>
+          </a:stretch>
+        </p:blipFill>
+        <p:spPr bwMode="auto">
+          <a:xfrm>
+            <a:off x="838201" y="1541929"/>
+            <a:ext cx="1171654" cy="1084546"/>
+          </a:xfrm>
+          <a:prstGeom prst="rect">
+            <a:avLst/>
+          </a:prstGeom>
+          <a:noFill/>
+          <a:extLst>
+            <a:ext uri="{909E8E84-426E-40DD-AFC4-6F175D3DCCD1}">
+              <a14:hiddenFill xmlns:a14="http://schemas.microsoft.com/office/drawing/2010/main">
+                <a:solidFill>
+                  <a:srgbClr val="FFFFFF"/>
+                </a:solidFill>
+              </a14:hiddenFill>
+            </a:ext>
+          </a:extLst>
+        </p:spPr>
+      </p:pic>
+      <p:sp>
+        <p:nvSpPr>
+          <p:cNvPr id="15" name="직사각형 14"/>
+          <p:cNvSpPr/>
+          <p:nvPr/>
+        </p:nvSpPr>
+        <p:spPr>
+          <a:xfrm>
+            <a:off x="2043953" y="1676866"/>
+            <a:ext cx="9092455" cy="2160591"/>
+          </a:xfrm>
+          <a:prstGeom prst="rect">
+            <a:avLst/>
+          </a:prstGeom>
+        </p:spPr>
+        <p:txBody>
+          <a:bodyPr wrap="square">
+            <a:spAutoFit/>
+          </a:bodyPr>
+          <a:lstStyle/>
+          <a:p>
+            <a:pPr algn="just" fontAlgn="base">
+              <a:lnSpc>
+                <a:spcPct val="160000"/>
+              </a:lnSpc>
+            </a:pPr>
+            <a:r>
+              <a:rPr lang="ko-KR" altLang="en-US" sz="1200" kern="0" dirty="0" err="1" smtClean="0">
+                <a:solidFill>
+                  <a:srgbClr val="000000"/>
+                </a:solidFill>
+                <a:ea typeface="함초롬바탕" panose="02030504000101010101" pitchFamily="18" charset="-127"/>
+              </a:rPr>
+              <a:t>어플명</a:t>
+            </a:r>
+            <a:r>
+              <a:rPr lang="en-US" altLang="ko-KR" sz="1200" kern="0" dirty="0" smtClean="0">
+                <a:solidFill>
+                  <a:srgbClr val="000000"/>
+                </a:solidFill>
+                <a:ea typeface="함초롬바탕" panose="02030504000101010101" pitchFamily="18" charset="-127"/>
+              </a:rPr>
+              <a:t>:</a:t>
+            </a:r>
+            <a:r>
+              <a:rPr lang="ko-KR" altLang="en-US" sz="1200" kern="0" dirty="0" smtClean="0">
+                <a:solidFill>
+                  <a:srgbClr val="000000"/>
+                </a:solidFill>
+                <a:ea typeface="함초롬바탕" panose="02030504000101010101" pitchFamily="18" charset="-127"/>
+              </a:rPr>
+              <a:t> </a:t>
+            </a:r>
+            <a:r>
+              <a:rPr lang="ko-KR" altLang="en-US" sz="1200" kern="0" dirty="0" err="1" smtClean="0">
+                <a:solidFill>
+                  <a:srgbClr val="000000"/>
+                </a:solidFill>
+                <a:ea typeface="함초롬바탕" panose="02030504000101010101" pitchFamily="18" charset="-127"/>
+              </a:rPr>
+              <a:t>내옷장</a:t>
+            </a:r>
+            <a:r>
+              <a:rPr lang="ko-KR" altLang="en-US" sz="1200" kern="0" dirty="0" smtClean="0">
+                <a:solidFill>
+                  <a:srgbClr val="000000"/>
+                </a:solidFill>
+              </a:rPr>
+              <a:t> </a:t>
+            </a:r>
+            <a:r>
+              <a:rPr lang="en-US" altLang="ko-KR" sz="1200" u="sng" kern="0" dirty="0" smtClean="0">
+                <a:solidFill>
+                  <a:srgbClr val="0000FF"/>
+                </a:solidFill>
+                <a:uFill>
+                  <a:solidFill>
+                    <a:srgbClr val="0000FF"/>
+                  </a:solidFill>
+                </a:uFill>
+                <a:latin typeface="함초롬바탕" panose="02030504000101010101" pitchFamily="18" charset="-127"/>
+                <a:hlinkClick r:id="rId3"/>
+              </a:rPr>
+              <a:t>https</a:t>
+            </a:r>
+            <a:r>
+              <a:rPr lang="en-US" altLang="ko-KR" sz="1200" u="sng" kern="0" dirty="0">
+                <a:solidFill>
+                  <a:srgbClr val="0000FF"/>
+                </a:solidFill>
+                <a:uFill>
+                  <a:solidFill>
+                    <a:srgbClr val="0000FF"/>
+                  </a:solidFill>
+                </a:uFill>
+                <a:latin typeface="함초롬바탕" panose="02030504000101010101" pitchFamily="18" charset="-127"/>
+                <a:hlinkClick r:id="rId3"/>
+              </a:rPr>
+              <a:t>://play.google.com/store/apps/details?id=com.cubelab.owncloset</a:t>
+            </a:r>
+            <a:endParaRPr lang="ko-KR" altLang="en-US" sz="1200" kern="0" dirty="0">
+              <a:solidFill>
+                <a:srgbClr val="000000"/>
+              </a:solidFill>
+            </a:endParaRPr>
+          </a:p>
+          <a:p>
+            <a:pPr algn="just" fontAlgn="base">
+              <a:lnSpc>
+                <a:spcPct val="160000"/>
+              </a:lnSpc>
+            </a:pPr>
+            <a:r>
+              <a:rPr lang="ko-KR" altLang="en-US" sz="1200" kern="0" dirty="0">
+                <a:solidFill>
+                  <a:srgbClr val="000000"/>
+                </a:solidFill>
+                <a:ea typeface="함초롬바탕" panose="02030504000101010101" pitchFamily="18" charset="-127"/>
+              </a:rPr>
+              <a:t>장점</a:t>
+            </a:r>
+            <a:endParaRPr lang="ko-KR" altLang="en-US" sz="1200" kern="0" dirty="0">
+              <a:solidFill>
+                <a:srgbClr val="000000"/>
+              </a:solidFill>
+            </a:endParaRPr>
+          </a:p>
+          <a:p>
+            <a:pPr marL="342900" lvl="0" indent="-342900" algn="just" fontAlgn="base">
+              <a:lnSpc>
+                <a:spcPct val="160000"/>
+              </a:lnSpc>
+              <a:buFont typeface="+mj-lt"/>
+              <a:buAutoNum type="arabicPeriod"/>
+            </a:pPr>
+            <a:r>
+              <a:rPr lang="ko-KR" altLang="en-US" sz="1200" kern="0" dirty="0">
+                <a:solidFill>
+                  <a:srgbClr val="000000"/>
+                </a:solidFill>
+                <a:ea typeface="함초롬바탕" panose="02030504000101010101" pitchFamily="18" charset="-127"/>
+              </a:rPr>
+              <a:t>자신이 가지고 있는 의류들을 앱 상에 직접 저장하여 직접 자신의 옷들을 입어보며 코디하지 않고 </a:t>
+            </a:r>
+            <a:r>
+              <a:rPr lang="ko-KR" altLang="en-US" sz="1200" kern="0" dirty="0" err="1">
+                <a:solidFill>
+                  <a:srgbClr val="000000"/>
+                </a:solidFill>
+                <a:ea typeface="함초롬바탕" panose="02030504000101010101" pitchFamily="18" charset="-127"/>
+              </a:rPr>
+              <a:t>앱상에서</a:t>
+            </a:r>
+            <a:r>
+              <a:rPr lang="ko-KR" altLang="en-US" sz="1200" kern="0" dirty="0">
+                <a:solidFill>
+                  <a:srgbClr val="000000"/>
+                </a:solidFill>
+                <a:ea typeface="함초롬바탕" panose="02030504000101010101" pitchFamily="18" charset="-127"/>
+              </a:rPr>
+              <a:t> 코디 가능</a:t>
+            </a:r>
+            <a:endParaRPr lang="ko-KR" altLang="en-US" sz="1200" kern="0" dirty="0">
+              <a:solidFill>
+                <a:srgbClr val="000000"/>
+              </a:solidFill>
+            </a:endParaRPr>
+          </a:p>
+          <a:p>
+            <a:pPr marL="342900" lvl="0" indent="-342900" algn="just" fontAlgn="base">
+              <a:lnSpc>
+                <a:spcPct val="160000"/>
+              </a:lnSpc>
+              <a:buFont typeface="+mj-lt"/>
+              <a:buAutoNum type="arabicPeriod"/>
+            </a:pPr>
+            <a:r>
+              <a:rPr lang="ko-KR" altLang="en-US" sz="1200" kern="0" dirty="0">
+                <a:solidFill>
+                  <a:srgbClr val="000000"/>
+                </a:solidFill>
+                <a:ea typeface="함초롬바탕" panose="02030504000101010101" pitchFamily="18" charset="-127"/>
+              </a:rPr>
+              <a:t>유저들 중 전문 </a:t>
+            </a:r>
+            <a:r>
+              <a:rPr lang="ko-KR" altLang="en-US" sz="1200" kern="0" dirty="0" err="1">
+                <a:solidFill>
+                  <a:srgbClr val="000000"/>
+                </a:solidFill>
+                <a:ea typeface="함초롬바탕" panose="02030504000101010101" pitchFamily="18" charset="-127"/>
+              </a:rPr>
+              <a:t>코디네이터에게</a:t>
+            </a:r>
+            <a:r>
+              <a:rPr lang="ko-KR" altLang="en-US" sz="1200" kern="0" dirty="0">
+                <a:solidFill>
+                  <a:srgbClr val="000000"/>
+                </a:solidFill>
+                <a:ea typeface="함초롬바탕" panose="02030504000101010101" pitchFamily="18" charset="-127"/>
+              </a:rPr>
+              <a:t> 새로운 스타일 연출이 가능하다</a:t>
+            </a:r>
+            <a:r>
+              <a:rPr lang="en-US" altLang="ko-KR" sz="1200" kern="0" dirty="0">
+                <a:solidFill>
+                  <a:srgbClr val="000000"/>
+                </a:solidFill>
+                <a:latin typeface="함초롬바탕" panose="02030504000101010101" pitchFamily="18" charset="-127"/>
+              </a:rPr>
+              <a:t>.</a:t>
+            </a:r>
+            <a:endParaRPr lang="ko-KR" altLang="en-US" sz="1200" kern="0" dirty="0">
+              <a:solidFill>
+                <a:srgbClr val="000000"/>
+              </a:solidFill>
+            </a:endParaRPr>
+          </a:p>
+          <a:p>
+            <a:pPr algn="just" fontAlgn="base">
+              <a:lnSpc>
+                <a:spcPct val="160000"/>
+              </a:lnSpc>
+            </a:pPr>
+            <a:r>
+              <a:rPr lang="ko-KR" altLang="en-US" sz="1200" kern="0" dirty="0">
+                <a:solidFill>
+                  <a:srgbClr val="000000"/>
+                </a:solidFill>
+                <a:ea typeface="함초롬바탕" panose="02030504000101010101" pitchFamily="18" charset="-127"/>
+              </a:rPr>
+              <a:t>단점</a:t>
+            </a:r>
+            <a:endParaRPr lang="ko-KR" altLang="en-US" sz="1200" kern="0" dirty="0">
+              <a:solidFill>
+                <a:srgbClr val="000000"/>
+              </a:solidFill>
+            </a:endParaRPr>
+          </a:p>
+          <a:p>
+            <a:pPr marL="342900" lvl="0" indent="-342900" algn="just" fontAlgn="base">
+              <a:lnSpc>
+                <a:spcPct val="160000"/>
+              </a:lnSpc>
+              <a:buFont typeface="+mj-lt"/>
+              <a:buAutoNum type="arabicPeriod"/>
+            </a:pPr>
+            <a:r>
+              <a:rPr lang="ko-KR" altLang="en-US" sz="1200" kern="0" dirty="0">
+                <a:solidFill>
+                  <a:srgbClr val="000000"/>
+                </a:solidFill>
+                <a:ea typeface="함초롬바탕" panose="02030504000101010101" pitchFamily="18" charset="-127"/>
+              </a:rPr>
+              <a:t>상의 중에서도 </a:t>
+            </a:r>
+            <a:r>
+              <a:rPr lang="ko-KR" altLang="en-US" sz="1200" kern="0" dirty="0" err="1">
+                <a:solidFill>
+                  <a:srgbClr val="000000"/>
+                </a:solidFill>
+                <a:ea typeface="함초롬바탕" panose="02030504000101010101" pitchFamily="18" charset="-127"/>
+              </a:rPr>
+              <a:t>아우터</a:t>
+            </a:r>
+            <a:r>
+              <a:rPr lang="ko-KR" altLang="en-US" sz="1200" kern="0" dirty="0">
+                <a:solidFill>
+                  <a:srgbClr val="000000"/>
+                </a:solidFill>
+                <a:ea typeface="함초롬바탕" panose="02030504000101010101" pitchFamily="18" charset="-127"/>
+              </a:rPr>
+              <a:t> 이너 이런 것으로 분류되는 것이 아닌 상의 옷이면 그대로 상의 옷으로 분류되어 </a:t>
+            </a:r>
+            <a:r>
+              <a:rPr lang="ko-KR" altLang="en-US" sz="1200" kern="0" dirty="0" err="1">
+                <a:solidFill>
+                  <a:srgbClr val="000000"/>
+                </a:solidFill>
+                <a:ea typeface="함초롬바탕" panose="02030504000101010101" pitchFamily="18" charset="-127"/>
+              </a:rPr>
+              <a:t>레이어드</a:t>
+            </a:r>
+            <a:r>
+              <a:rPr lang="ko-KR" altLang="en-US" sz="1200" kern="0" dirty="0">
+                <a:solidFill>
+                  <a:srgbClr val="000000"/>
+                </a:solidFill>
+                <a:ea typeface="함초롬바탕" panose="02030504000101010101" pitchFamily="18" charset="-127"/>
+              </a:rPr>
+              <a:t> 등 코디 </a:t>
+            </a:r>
+            <a:r>
+              <a:rPr lang="ko-KR" altLang="en-US" sz="1200" kern="0" dirty="0" smtClean="0">
+                <a:solidFill>
+                  <a:srgbClr val="000000"/>
+                </a:solidFill>
+                <a:ea typeface="함초롬바탕" panose="02030504000101010101" pitchFamily="18" charset="-127"/>
+              </a:rPr>
+              <a:t>불가</a:t>
+            </a:r>
+            <a:endParaRPr lang="ko-KR" altLang="en-US" sz="1200" kern="0" dirty="0">
+              <a:solidFill>
+                <a:srgbClr val="000000"/>
+              </a:solidFill>
+            </a:endParaRPr>
+          </a:p>
+          <a:p>
+            <a:pPr marL="342900" lvl="0" indent="-342900" algn="just" fontAlgn="base">
+              <a:lnSpc>
+                <a:spcPct val="160000"/>
+              </a:lnSpc>
+              <a:buFont typeface="+mj-lt"/>
+              <a:buAutoNum type="arabicPeriod"/>
+            </a:pPr>
+            <a:r>
+              <a:rPr lang="ko-KR" altLang="en-US" sz="1200" kern="0" dirty="0">
+                <a:solidFill>
+                  <a:srgbClr val="000000"/>
+                </a:solidFill>
+                <a:ea typeface="함초롬바탕" panose="02030504000101010101" pitchFamily="18" charset="-127"/>
+              </a:rPr>
+              <a:t>앱 자체에서의 오류로 인한 </a:t>
+            </a:r>
+            <a:r>
+              <a:rPr lang="en-US" altLang="ko-KR" sz="1200" kern="0" dirty="0">
+                <a:solidFill>
+                  <a:srgbClr val="000000"/>
+                </a:solidFill>
+                <a:latin typeface="함초롬바탕" panose="02030504000101010101" pitchFamily="18" charset="-127"/>
+              </a:rPr>
+              <a:t>user </a:t>
+            </a:r>
+            <a:r>
+              <a:rPr lang="ko-KR" altLang="en-US" sz="1200" kern="0" dirty="0">
+                <a:solidFill>
+                  <a:srgbClr val="000000"/>
+                </a:solidFill>
+                <a:ea typeface="함초롬바탕" panose="02030504000101010101" pitchFamily="18" charset="-127"/>
+              </a:rPr>
+              <a:t>등의 불편 증가</a:t>
+            </a:r>
+            <a:endParaRPr lang="ko-KR" altLang="en-US" sz="1200" kern="0" dirty="0">
+              <a:solidFill>
+                <a:srgbClr val="000000"/>
+              </a:solidFill>
+            </a:endParaRPr>
+          </a:p>
+        </p:txBody>
+      </p:sp>
+      <p:sp>
+        <p:nvSpPr>
+          <p:cNvPr id="16" name="Rectangle 19"/>
+          <p:cNvSpPr>
+            <a:spLocks noChangeArrowheads="1"/>
+          </p:cNvSpPr>
+          <p:nvPr/>
+        </p:nvSpPr>
+        <p:spPr bwMode="auto">
+          <a:xfrm>
+            <a:off x="820860" y="3380256"/>
+            <a:ext cx="6818986" cy="217895"/>
+          </a:xfrm>
+          <a:prstGeom prst="rect">
+            <a:avLst/>
+          </a:prstGeom>
+          <a:noFill/>
+          <a:ln>
+            <a:noFill/>
+          </a:ln>
+          <a:effectLst/>
+          <a:extLst>
+            <a:ext uri="{909E8E84-426E-40DD-AFC4-6F175D3DCCD1}">
+              <a14:hiddenFill xmlns:a14="http://schemas.microsoft.com/office/drawing/2010/main">
+                <a:solidFill>
+                  <a:schemeClr val="accent1"/>
+                </a:solidFill>
+              </a14:hiddenFill>
+            </a:ext>
+            <a:ext uri="{91240B29-F687-4F45-9708-019B960494DF}">
+              <a14:hiddenLine xmlns:a14="http://schemas.microsoft.com/office/drawing/2010/main" w="9525">
+                <a:solidFill>
+                  <a:schemeClr val="tx1"/>
+                </a:solidFill>
+                <a:miter lim="800000"/>
+                <a:headEnd/>
+                <a:tailEnd/>
+              </a14:hiddenLine>
+            </a:ext>
+            <a:ext uri="{AF507438-7753-43E0-B8FC-AC1667EBCBE1}">
+              <a14:hiddenEffects xmlns:a14="http://schemas.microsoft.com/office/drawing/2010/main">
+                <a:effectLst>
+                  <a:outerShdw dist="35921" dir="2700000" algn="ctr" rotWithShape="0">
+                    <a:schemeClr val="bg2"/>
+                  </a:outerShdw>
+                </a:effectLst>
+              </a14:hiddenEffects>
+            </a:ext>
+          </a:extLst>
+        </p:spPr>
+        <p:txBody>
+          <a:bodyPr vert="horz" wrap="square" lIns="91440" tIns="45720" rIns="91440" bIns="45720" numCol="1" anchor="ctr" anchorCtr="0" compatLnSpc="1">
+            <a:prstTxWarp prst="textNoShape">
+              <a:avLst/>
+            </a:prstTxWarp>
+            <a:spAutoFit/>
+          </a:bodyPr>
+          <a:lstStyle/>
+          <a:p>
+            <a:endParaRPr lang="ko-KR" altLang="en-US"/>
+          </a:p>
+        </p:txBody>
+      </p:sp>
+      <p:pic>
+        <p:nvPicPr>
+          <p:cNvPr id="1042" name="_x47605720" descr="EMB000018d80ac6"/>
+          <p:cNvPicPr>
+            <a:picLocks noChangeAspect="1" noChangeArrowheads="1"/>
+          </p:cNvPicPr>
+          <p:nvPr/>
+        </p:nvPicPr>
+        <p:blipFill>
+          <a:blip r:embed="rId4" cstate="print">
+            <a:extLst>
+              <a:ext uri="{28A0092B-C50C-407E-A947-70E740481C1C}">
+                <a14:useLocalDpi xmlns:a14="http://schemas.microsoft.com/office/drawing/2010/main" val="0"/>
+              </a:ext>
+            </a:extLst>
+          </a:blip>
+          <a:srcRect/>
+          <a:stretch>
+            <a:fillRect/>
+          </a:stretch>
+        </p:blipFill>
+        <p:spPr bwMode="auto">
+          <a:xfrm>
+            <a:off x="820860" y="3837457"/>
+            <a:ext cx="1188995" cy="1097062"/>
+          </a:xfrm>
+          <a:prstGeom prst="rect">
+            <a:avLst/>
+          </a:prstGeom>
+          <a:noFill/>
+          <a:extLst>
+            <a:ext uri="{909E8E84-426E-40DD-AFC4-6F175D3DCCD1}">
+              <a14:hiddenFill xmlns:a14="http://schemas.microsoft.com/office/drawing/2010/main">
+                <a:solidFill>
+                  <a:srgbClr val="FFFFFF"/>
+                </a:solidFill>
+              </a14:hiddenFill>
+            </a:ext>
+          </a:extLst>
+        </p:spPr>
+      </p:pic>
+      <p:sp>
+        <p:nvSpPr>
+          <p:cNvPr id="17" name="직사각형 16"/>
+          <p:cNvSpPr/>
+          <p:nvPr/>
+        </p:nvSpPr>
+        <p:spPr>
+          <a:xfrm>
+            <a:off x="2043953" y="3947144"/>
+            <a:ext cx="8964706" cy="2160591"/>
+          </a:xfrm>
+          <a:prstGeom prst="rect">
+            <a:avLst/>
+          </a:prstGeom>
+        </p:spPr>
+        <p:txBody>
+          <a:bodyPr wrap="square">
+            <a:spAutoFit/>
+          </a:bodyPr>
+          <a:lstStyle/>
+          <a:p>
+            <a:pPr algn="just" fontAlgn="base">
+              <a:lnSpc>
+                <a:spcPct val="160000"/>
+              </a:lnSpc>
+            </a:pPr>
+            <a:r>
+              <a:rPr lang="ko-KR" altLang="en-US" sz="1200" kern="0" dirty="0" err="1" smtClean="0">
+                <a:solidFill>
+                  <a:srgbClr val="000000"/>
+                </a:solidFill>
+                <a:ea typeface="함초롬바탕" panose="02030504000101010101" pitchFamily="18" charset="-127"/>
+              </a:rPr>
+              <a:t>어플명</a:t>
+            </a:r>
+            <a:r>
+              <a:rPr lang="en-US" altLang="ko-KR" sz="1200" kern="0" dirty="0" smtClean="0">
+                <a:solidFill>
+                  <a:srgbClr val="000000"/>
+                </a:solidFill>
+                <a:ea typeface="함초롬바탕" panose="02030504000101010101" pitchFamily="18" charset="-127"/>
+              </a:rPr>
+              <a:t>: </a:t>
+            </a:r>
+            <a:r>
+              <a:rPr lang="ko-KR" altLang="en-US" sz="1200" kern="0" dirty="0" err="1" smtClean="0">
+                <a:solidFill>
+                  <a:srgbClr val="000000"/>
+                </a:solidFill>
+                <a:ea typeface="함초롬바탕" panose="02030504000101010101" pitchFamily="18" charset="-127"/>
+              </a:rPr>
+              <a:t>스타일닷컴</a:t>
+            </a:r>
+            <a:r>
+              <a:rPr lang="ko-KR" altLang="en-US" sz="1200" kern="0" dirty="0" smtClean="0">
+                <a:solidFill>
+                  <a:srgbClr val="000000"/>
+                </a:solidFill>
+              </a:rPr>
+              <a:t> </a:t>
+            </a:r>
+            <a:r>
+              <a:rPr lang="en-US" altLang="ko-KR" sz="1200" u="sng" kern="0" dirty="0" smtClean="0">
+                <a:solidFill>
+                  <a:srgbClr val="0000FF"/>
+                </a:solidFill>
+                <a:uFill>
+                  <a:solidFill>
+                    <a:srgbClr val="0000FF"/>
+                  </a:solidFill>
+                </a:uFill>
+                <a:latin typeface="함초롬바탕" panose="02030504000101010101" pitchFamily="18" charset="-127"/>
+                <a:hlinkClick r:id="rId5"/>
+              </a:rPr>
+              <a:t>https</a:t>
+            </a:r>
+            <a:r>
+              <a:rPr lang="en-US" altLang="ko-KR" sz="1200" u="sng" kern="0" dirty="0">
+                <a:solidFill>
+                  <a:srgbClr val="0000FF"/>
+                </a:solidFill>
+                <a:uFill>
+                  <a:solidFill>
+                    <a:srgbClr val="0000FF"/>
+                  </a:solidFill>
+                </a:uFill>
+                <a:latin typeface="함초롬바탕" panose="02030504000101010101" pitchFamily="18" charset="-127"/>
+                <a:hlinkClick r:id="rId5"/>
+              </a:rPr>
+              <a:t>://www.sta1.com/home</a:t>
+            </a:r>
+            <a:endParaRPr lang="ko-KR" altLang="en-US" sz="1200" kern="0" dirty="0">
+              <a:solidFill>
+                <a:srgbClr val="000000"/>
+              </a:solidFill>
+            </a:endParaRPr>
+          </a:p>
+          <a:p>
+            <a:pPr algn="just" fontAlgn="base">
+              <a:lnSpc>
+                <a:spcPct val="160000"/>
+              </a:lnSpc>
+            </a:pPr>
+            <a:r>
+              <a:rPr lang="ko-KR" altLang="en-US" sz="1200" kern="0" dirty="0">
+                <a:solidFill>
+                  <a:srgbClr val="000000"/>
+                </a:solidFill>
+                <a:ea typeface="함초롬바탕" panose="02030504000101010101" pitchFamily="18" charset="-127"/>
+              </a:rPr>
+              <a:t>장점</a:t>
+            </a:r>
+            <a:endParaRPr lang="ko-KR" altLang="en-US" sz="1200" kern="0" dirty="0">
+              <a:solidFill>
+                <a:srgbClr val="000000"/>
+              </a:solidFill>
+            </a:endParaRPr>
+          </a:p>
+          <a:p>
+            <a:pPr marL="342900" lvl="0" indent="-342900" algn="just" fontAlgn="base">
+              <a:lnSpc>
+                <a:spcPct val="160000"/>
+              </a:lnSpc>
+              <a:buFont typeface="+mj-lt"/>
+              <a:buAutoNum type="arabicPeriod"/>
+            </a:pPr>
+            <a:r>
+              <a:rPr lang="ko-KR" altLang="en-US" sz="1200" kern="0" dirty="0">
+                <a:solidFill>
+                  <a:srgbClr val="000000"/>
+                </a:solidFill>
+                <a:ea typeface="함초롬바탕" panose="02030504000101010101" pitchFamily="18" charset="-127"/>
+              </a:rPr>
+              <a:t>유사 앱 중에서 가장 많은 의류 브랜드가 있다</a:t>
+            </a:r>
+            <a:r>
+              <a:rPr lang="en-US" altLang="ko-KR" sz="1200" kern="0" dirty="0">
+                <a:solidFill>
+                  <a:srgbClr val="000000"/>
+                </a:solidFill>
+                <a:latin typeface="함초롬바탕" panose="02030504000101010101" pitchFamily="18" charset="-127"/>
+              </a:rPr>
+              <a:t>.</a:t>
+            </a:r>
+            <a:endParaRPr lang="ko-KR" altLang="en-US" sz="1200" kern="0" dirty="0">
+              <a:solidFill>
+                <a:srgbClr val="000000"/>
+              </a:solidFill>
+            </a:endParaRPr>
+          </a:p>
+          <a:p>
+            <a:pPr marL="342900" lvl="0" indent="-342900" algn="just" fontAlgn="base">
+              <a:lnSpc>
+                <a:spcPct val="160000"/>
+              </a:lnSpc>
+              <a:buFont typeface="+mj-lt"/>
+              <a:buAutoNum type="arabicPeriod"/>
+            </a:pPr>
+            <a:r>
+              <a:rPr lang="ko-KR" altLang="en-US" sz="1200" kern="0" dirty="0">
+                <a:solidFill>
+                  <a:srgbClr val="000000"/>
+                </a:solidFill>
+                <a:ea typeface="함초롬바탕" panose="02030504000101010101" pitchFamily="18" charset="-127"/>
+              </a:rPr>
+              <a:t>검색 수 기준으로 가장 브랜드 순위</a:t>
+            </a:r>
+            <a:r>
+              <a:rPr lang="en-US" altLang="ko-KR" sz="1200" kern="0" dirty="0">
+                <a:solidFill>
+                  <a:srgbClr val="000000"/>
+                </a:solidFill>
+                <a:latin typeface="함초롬바탕" panose="02030504000101010101" pitchFamily="18" charset="-127"/>
+              </a:rPr>
+              <a:t>, </a:t>
+            </a:r>
+            <a:r>
+              <a:rPr lang="ko-KR" altLang="en-US" sz="1200" kern="0" dirty="0">
+                <a:solidFill>
+                  <a:srgbClr val="000000"/>
+                </a:solidFill>
+                <a:ea typeface="함초롬바탕" panose="02030504000101010101" pitchFamily="18" charset="-127"/>
+              </a:rPr>
+              <a:t>남자 쇼핑몰 인기 순위</a:t>
+            </a:r>
+            <a:r>
+              <a:rPr lang="en-US" altLang="ko-KR" sz="1200" kern="0" dirty="0">
+                <a:solidFill>
+                  <a:srgbClr val="000000"/>
+                </a:solidFill>
+                <a:latin typeface="함초롬바탕" panose="02030504000101010101" pitchFamily="18" charset="-127"/>
+              </a:rPr>
+              <a:t>, </a:t>
+            </a:r>
+            <a:r>
+              <a:rPr lang="ko-KR" altLang="en-US" sz="1200" kern="0" dirty="0">
+                <a:solidFill>
+                  <a:srgbClr val="000000"/>
+                </a:solidFill>
+                <a:ea typeface="함초롬바탕" panose="02030504000101010101" pitchFamily="18" charset="-127"/>
+              </a:rPr>
+              <a:t>여자 쇼핑몰 인기 순위 등을 제공함으로써 </a:t>
+            </a:r>
+            <a:r>
+              <a:rPr lang="en-US" altLang="ko-KR" sz="1200" kern="0" dirty="0">
+                <a:solidFill>
+                  <a:srgbClr val="000000"/>
+                </a:solidFill>
+                <a:latin typeface="함초롬바탕" panose="02030504000101010101" pitchFamily="18" charset="-127"/>
+              </a:rPr>
+              <a:t>user</a:t>
+            </a:r>
+            <a:r>
+              <a:rPr lang="ko-KR" altLang="en-US" sz="1200" kern="0" dirty="0">
+                <a:solidFill>
+                  <a:srgbClr val="000000"/>
+                </a:solidFill>
+                <a:ea typeface="함초롬바탕" panose="02030504000101010101" pitchFamily="18" charset="-127"/>
+              </a:rPr>
+              <a:t>가 가장 대중들이 선호하는 의류 분석 가능</a:t>
+            </a:r>
+            <a:endParaRPr lang="ko-KR" altLang="en-US" sz="1200" kern="0" dirty="0">
+              <a:solidFill>
+                <a:srgbClr val="000000"/>
+              </a:solidFill>
+            </a:endParaRPr>
+          </a:p>
+          <a:p>
+            <a:pPr algn="just" fontAlgn="base">
+              <a:lnSpc>
+                <a:spcPct val="160000"/>
+              </a:lnSpc>
+            </a:pPr>
+            <a:r>
+              <a:rPr lang="ko-KR" altLang="en-US" sz="1200" kern="0" dirty="0">
+                <a:solidFill>
+                  <a:srgbClr val="000000"/>
+                </a:solidFill>
+                <a:ea typeface="함초롬바탕" panose="02030504000101010101" pitchFamily="18" charset="-127"/>
+              </a:rPr>
+              <a:t>단점</a:t>
+            </a:r>
+            <a:endParaRPr lang="ko-KR" altLang="en-US" sz="1200" kern="0" dirty="0">
+              <a:solidFill>
+                <a:srgbClr val="000000"/>
+              </a:solidFill>
+            </a:endParaRPr>
+          </a:p>
+          <a:p>
+            <a:pPr marL="342900" lvl="0" indent="-342900" algn="just" fontAlgn="base">
+              <a:lnSpc>
+                <a:spcPct val="160000"/>
+              </a:lnSpc>
+              <a:buFont typeface="+mj-lt"/>
+              <a:buAutoNum type="arabicPeriod"/>
+            </a:pPr>
+            <a:r>
+              <a:rPr lang="ko-KR" altLang="en-US" sz="1200" kern="0" dirty="0">
+                <a:solidFill>
+                  <a:srgbClr val="000000"/>
+                </a:solidFill>
+                <a:ea typeface="함초롬바탕" panose="02030504000101010101" pitchFamily="18" charset="-127"/>
+              </a:rPr>
+              <a:t>자신이 선호하는 의류들을 의류의 모양 등이 아닌 색상 위주로 추천</a:t>
+            </a:r>
+            <a:endParaRPr lang="ko-KR" altLang="en-US" sz="1200" kern="0" dirty="0">
+              <a:solidFill>
+                <a:srgbClr val="000000"/>
+              </a:solidFill>
+            </a:endParaRPr>
           </a:p>
         </p:txBody>
       </p:sp>
@@ -7367,22 +8235,22 @@
           <a:lstStyle/>
           <a:p>
             <a:r>
-              <a:rPr lang="ko-KR" altLang="en-US" sz="3600" dirty="0" err="1" smtClean="0"/>
+              <a:rPr lang="ko-KR" altLang="en-US" sz="4000" dirty="0" err="1" smtClean="0"/>
               <a:t>추천시스템</a:t>
             </a:r>
             <a:r>
-              <a:rPr lang="en-US" altLang="ko-KR" sz="3600" b="1" dirty="0" smtClean="0"/>
+              <a:rPr lang="en-US" altLang="ko-KR" sz="4000" b="1" dirty="0" smtClean="0"/>
               <a:t>(Recommendation System)</a:t>
             </a:r>
             <a:r>
-              <a:rPr lang="ko-KR" altLang="en-US" sz="3600" dirty="0" smtClean="0"/>
+              <a:rPr lang="ko-KR" altLang="en-US" sz="4000" dirty="0" smtClean="0"/>
               <a:t>이란</a:t>
             </a:r>
             <a:r>
-              <a:rPr lang="en-US" altLang="ko-KR" sz="3600" dirty="0" smtClean="0"/>
+              <a:rPr lang="en-US" altLang="ko-KR" sz="4000" dirty="0" smtClean="0"/>
               <a:t>?</a:t>
             </a:r>
-            <a:endParaRPr lang="ko-KR" altLang="en-US" sz="3600" dirty="0"/>
+            <a:endParaRPr lang="ko-KR" altLang="en-US" sz="4000" dirty="0"/>
           </a:p>
         </p:txBody>
       </p:sp>
@@ -7584,7 +8452,11 @@
           <a:p>
             <a:r>
               <a:rPr lang="ko-KR" altLang="en-US" dirty="0" smtClean="0"/>
-              <a:t>추천 기본 알고리즘</a:t>
+              <a:t>추천 기본 </a:t>
+            </a:r>
+            <a:r>
+              <a:rPr lang="ko-KR" altLang="en-US" dirty="0" smtClean="0"/>
+              <a:t>알고리즘 단계</a:t>
             </a:r>
             <a:endParaRPr lang="ko-KR" altLang="en-US" dirty="0"/>
           </a:p>
@@ -7673,11 +8545,7 @@
             </a:r>
             <a:r>
               <a:rPr lang="ko-KR" altLang="en-US" dirty="0" smtClean="0"/>
-              <a:t>웹사이트의 </a:t>
-            </a:r>
-            <a:r>
-              <a:rPr lang="ko-KR" altLang="en-US" dirty="0" smtClean="0"/>
-              <a:t>문제점과 해결방안</a:t>
+              <a:t>웹사이트의 문제점과 해결방안</a:t>
             </a:r>
             <a:endParaRPr lang="ko-KR" altLang="en-US" dirty="0"/>
           </a:p>
@@ -7856,26 +8724,28 @@
         </p:nvSpPr>
         <p:spPr/>
         <p:txBody>
-          <a:bodyPr/>
+          <a:bodyPr>
+            <a:normAutofit/>
+          </a:bodyPr>
           <a:lstStyle/>
           <a:p>
             <a:r>
-              <a:rPr lang="en-US" altLang="ko-KR" dirty="0" smtClean="0"/>
+              <a:rPr lang="en-US" altLang="ko-KR" sz="4000" dirty="0" smtClean="0"/>
               <a:t>surprise </a:t>
             </a:r>
             <a:r>
-              <a:rPr lang="ko-KR" altLang="en-US" dirty="0" smtClean="0"/>
+              <a:rPr lang="ko-KR" altLang="en-US" sz="4000" dirty="0" smtClean="0"/>
               <a:t>패키지의 </a:t>
             </a:r>
             <a:r>
-              <a:rPr lang="en-US" altLang="ko-KR" dirty="0" smtClean="0"/>
+              <a:rPr lang="en-US" altLang="ko-KR" sz="4000" dirty="0" smtClean="0"/>
               <a:t>SVD </a:t>
             </a:r>
             <a:r>
-              <a:rPr lang="ko-KR" altLang="en-US" dirty="0" smtClean="0"/>
+              <a:rPr lang="ko-KR" altLang="en-US" sz="4000" dirty="0" smtClean="0"/>
               <a:t>알고리즘</a:t>
             </a:r>
-            <a:endParaRPr lang="en-US" altLang="ko-KR" dirty="0" smtClean="0"/>
+            <a:endParaRPr lang="en-US" altLang="ko-KR" sz="4000" dirty="0" smtClean="0"/>
           </a:p>
         </p:txBody>
       </p:sp>
@@ -9161,10 +10031,14 @@
           <a:lstStyle/>
           <a:p>
             <a:r>
+              <a:rPr lang="ko-KR" altLang="en-US" sz="4000" dirty="0"/>
+              <a:t>향후 개발 목표 </a:t>
+            </a:r>
+            <a:r>
               <a:rPr lang="ko-KR" altLang="en-US" b="1" dirty="0">
                 <a:latin typeface="Microsoft GothicNeo" panose="020B0500000101010101" pitchFamily="34" charset="-127"/>
               </a:rPr>
-              <a:t>향후 개발 목표 </a:t>
+              <a:t/>
             </a:r>
             <a:br>
               <a:rPr lang="ko-KR" altLang="en-US" b="1" dirty="0">
@@ -9196,18 +10070,26 @@
           <a:lstStyle/>
           <a:p>
             <a:r>
-              <a:rPr lang="en-US" altLang="ko-KR" dirty="0" smtClean="0"/>
-              <a:t>SVD</a:t>
-            </a:r>
-          </a:p>
-          <a:p>
-            <a:r>
-              <a:rPr lang="en-US" altLang="ko-KR" dirty="0" smtClean="0"/>
+              <a:rPr lang="en-US" altLang="ko-KR" dirty="0"/>
               <a:t>SURPRISE </a:t>
             </a:r>
             <a:r>
-              <a:rPr lang="ko-KR" altLang="en-US" dirty="0" smtClean="0"/>
-              <a:t>패키지 알고리즘 추가</a:t>
+              <a:rPr lang="ko-KR" altLang="en-US" dirty="0"/>
+              <a:t>패키지의 </a:t>
+            </a:r>
+            <a:r>
+              <a:rPr lang="en-US" altLang="ko-KR" dirty="0"/>
+              <a:t>SVD </a:t>
+            </a:r>
+            <a:r>
+              <a:rPr lang="ko-KR" altLang="en-US" dirty="0"/>
+              <a:t>알고리즘 사용</a:t>
+            </a:r>
+          </a:p>
+          <a:p>
+            <a:r>
+              <a:rPr lang="ko-KR" altLang="en-US" dirty="0"/>
+              <a:t>문제점 해결을 위한 코드 추가</a:t>
             </a:r>
             <a:endParaRPr lang="ko-KR" altLang="en-US" dirty="0"/>
           </a:p>

--- a/doc/9주차 ppt.pptx
+++ b/doc/9주차 ppt.pptx
@@ -4,6 +4,9 @@
   <p:sldMasterIdLst>
     <p:sldMasterId id="2147483648" r:id="rId1"/>
   </p:sldMasterIdLst>
+  <p:notesMasterIdLst>
+    <p:notesMasterId r:id="rId11"/>
+  </p:notesMasterIdLst>
   <p:sldIdLst>
     <p:sldId id="257" r:id="rId2"/>
     <p:sldId id="258" r:id="rId3"/>
@@ -3586,6 +3589,356 @@
 </dgm:styleDef>
 </file>
 
+<file path=ppt/notesMasters/notesMaster1.xml><?xml version="1.0" encoding="utf-8"?>
+<p:notesMaster xmlns:a="http://schemas.openxmlformats.org/drawingml/2006/main" xmlns:r="http://schemas.openxmlformats.org/officeDocument/2006/relationships" xmlns:p="http://schemas.openxmlformats.org/presentationml/2006/main">
+  <p:cSld>
+    <p:bg>
+      <p:bgRef idx="1001">
+        <a:schemeClr val="bg1"/>
+      </p:bgRef>
+    </p:bg>
+    <p:spTree>
+      <p:nvGrpSpPr>
+        <p:cNvPr id="1" name=""/>
+        <p:cNvGrpSpPr/>
+        <p:nvPr/>
+      </p:nvGrpSpPr>
+      <p:grpSpPr>
+        <a:xfrm>
+          <a:off x="0" y="0"/>
+          <a:ext cx="0" cy="0"/>
+          <a:chOff x="0" y="0"/>
+          <a:chExt cx="0" cy="0"/>
+        </a:xfrm>
+      </p:grpSpPr>
+      <p:sp>
+        <p:nvSpPr>
+          <p:cNvPr id="2" name="머리글 개체 틀 1"/>
+          <p:cNvSpPr>
+            <a:spLocks noGrp="1"/>
+          </p:cNvSpPr>
+          <p:nvPr>
+            <p:ph type="hdr" sz="quarter"/>
+          </p:nvPr>
+        </p:nvSpPr>
+        <p:spPr>
+          <a:xfrm>
+            <a:off x="0" y="0"/>
+            <a:ext cx="2971800" cy="458788"/>
+          </a:xfrm>
+          <a:prstGeom prst="rect">
+            <a:avLst/>
+          </a:prstGeom>
+        </p:spPr>
+        <p:txBody>
+          <a:bodyPr vert="horz" lIns="91440" tIns="45720" rIns="91440" bIns="45720" rtlCol="0"/>
+          <a:lstStyle>
+            <a:lvl1pPr algn="l">
+              <a:defRPr sz="1200"/>
+            </a:lvl1pPr>
+          </a:lstStyle>
+          <a:p>
+            <a:endParaRPr lang="ko-KR" altLang="en-US"/>
+          </a:p>
+        </p:txBody>
+      </p:sp>
+      <p:sp>
+        <p:nvSpPr>
+          <p:cNvPr id="3" name="날짜 개체 틀 2"/>
+          <p:cNvSpPr>
+            <a:spLocks noGrp="1"/>
+          </p:cNvSpPr>
+          <p:nvPr>
+            <p:ph type="dt" idx="1"/>
+          </p:nvPr>
+        </p:nvSpPr>
+        <p:spPr>
+          <a:xfrm>
+            <a:off x="3884613" y="0"/>
+            <a:ext cx="2971800" cy="458788"/>
+          </a:xfrm>
+          <a:prstGeom prst="rect">
+            <a:avLst/>
+          </a:prstGeom>
+        </p:spPr>
+        <p:txBody>
+          <a:bodyPr vert="horz" lIns="91440" tIns="45720" rIns="91440" bIns="45720" rtlCol="0"/>
+          <a:lstStyle>
+            <a:lvl1pPr algn="r">
+              <a:defRPr sz="1200"/>
+            </a:lvl1pPr>
+          </a:lstStyle>
+          <a:p>
+            <a:fld id="{43CF7BED-1FF9-42E7-AB9C-81B9B11A247B}" type="datetimeFigureOut">
+              <a:rPr lang="ko-KR" altLang="en-US" smtClean="0"/>
+              <a:t>2019-05-07</a:t>
+            </a:fld>
+            <a:endParaRPr lang="ko-KR" altLang="en-US"/>
+          </a:p>
+        </p:txBody>
+      </p:sp>
+      <p:sp>
+        <p:nvSpPr>
+          <p:cNvPr id="4" name="슬라이드 이미지 개체 틀 3"/>
+          <p:cNvSpPr>
+            <a:spLocks noGrp="1" noRot="1" noChangeAspect="1"/>
+          </p:cNvSpPr>
+          <p:nvPr>
+            <p:ph type="sldImg" idx="2"/>
+          </p:nvPr>
+        </p:nvSpPr>
+        <p:spPr>
+          <a:xfrm>
+            <a:off x="685800" y="1143000"/>
+            <a:ext cx="5486400" cy="3086100"/>
+          </a:xfrm>
+          <a:prstGeom prst="rect">
+            <a:avLst/>
+          </a:prstGeom>
+          <a:noFill/>
+          <a:ln w="12700">
+            <a:solidFill>
+              <a:prstClr val="black"/>
+            </a:solidFill>
+          </a:ln>
+        </p:spPr>
+        <p:txBody>
+          <a:bodyPr vert="horz" lIns="91440" tIns="45720" rIns="91440" bIns="45720" rtlCol="0" anchor="ctr"/>
+          <a:lstStyle/>
+          <a:p>
+            <a:endParaRPr lang="ko-KR" altLang="en-US"/>
+          </a:p>
+        </p:txBody>
+      </p:sp>
+      <p:sp>
+        <p:nvSpPr>
+          <p:cNvPr id="5" name="슬라이드 노트 개체 틀 4"/>
+          <p:cNvSpPr>
+            <a:spLocks noGrp="1"/>
+          </p:cNvSpPr>
+          <p:nvPr>
+            <p:ph type="body" sz="quarter" idx="3"/>
+          </p:nvPr>
+        </p:nvSpPr>
+        <p:spPr>
+          <a:xfrm>
+            <a:off x="685800" y="4400550"/>
+            <a:ext cx="5486400" cy="3600450"/>
+          </a:xfrm>
+          <a:prstGeom prst="rect">
+            <a:avLst/>
+          </a:prstGeom>
+        </p:spPr>
+        <p:txBody>
+          <a:bodyPr vert="horz" lIns="91440" tIns="45720" rIns="91440" bIns="45720" rtlCol="0"/>
+          <a:lstStyle/>
+          <a:p>
+            <a:pPr lvl="0"/>
+            <a:r>
+              <a:rPr lang="ko-KR" altLang="en-US" smtClean="0"/>
+              <a:t>마스터 텍스트 스타일 편집</a:t>
+            </a:r>
+          </a:p>
+          <a:p>
+            <a:pPr lvl="1"/>
+            <a:r>
+              <a:rPr lang="ko-KR" altLang="en-US" smtClean="0"/>
+              <a:t>둘째 수준</a:t>
+            </a:r>
+          </a:p>
+          <a:p>
+            <a:pPr lvl="2"/>
+            <a:r>
+              <a:rPr lang="ko-KR" altLang="en-US" smtClean="0"/>
+              <a:t>셋째 수준</a:t>
+            </a:r>
+          </a:p>
+          <a:p>
+            <a:pPr lvl="3"/>
+            <a:r>
+              <a:rPr lang="ko-KR" altLang="en-US" smtClean="0"/>
+              <a:t>넷째 수준</a:t>
+            </a:r>
+          </a:p>
+          <a:p>
+            <a:pPr lvl="4"/>
+            <a:r>
+              <a:rPr lang="ko-KR" altLang="en-US" smtClean="0"/>
+              <a:t>다섯째 수준</a:t>
+            </a:r>
+            <a:endParaRPr lang="ko-KR" altLang="en-US"/>
+          </a:p>
+        </p:txBody>
+      </p:sp>
+      <p:sp>
+        <p:nvSpPr>
+          <p:cNvPr id="6" name="바닥글 개체 틀 5"/>
+          <p:cNvSpPr>
+            <a:spLocks noGrp="1"/>
+          </p:cNvSpPr>
+          <p:nvPr>
+            <p:ph type="ftr" sz="quarter" idx="4"/>
+          </p:nvPr>
+        </p:nvSpPr>
+        <p:spPr>
+          <a:xfrm>
+            <a:off x="0" y="8685213"/>
+            <a:ext cx="2971800" cy="458787"/>
+          </a:xfrm>
+          <a:prstGeom prst="rect">
+            <a:avLst/>
+          </a:prstGeom>
+        </p:spPr>
+        <p:txBody>
+          <a:bodyPr vert="horz" lIns="91440" tIns="45720" rIns="91440" bIns="45720" rtlCol="0" anchor="b"/>
+          <a:lstStyle>
+            <a:lvl1pPr algn="l">
+              <a:defRPr sz="1200"/>
+            </a:lvl1pPr>
+          </a:lstStyle>
+          <a:p>
+            <a:endParaRPr lang="ko-KR" altLang="en-US"/>
+          </a:p>
+        </p:txBody>
+      </p:sp>
+      <p:sp>
+        <p:nvSpPr>
+          <p:cNvPr id="7" name="슬라이드 번호 개체 틀 6"/>
+          <p:cNvSpPr>
+            <a:spLocks noGrp="1"/>
+          </p:cNvSpPr>
+          <p:nvPr>
+            <p:ph type="sldNum" sz="quarter" idx="5"/>
+          </p:nvPr>
+        </p:nvSpPr>
+        <p:spPr>
+          <a:xfrm>
+            <a:off x="3884613" y="8685213"/>
+            <a:ext cx="2971800" cy="458787"/>
+          </a:xfrm>
+          <a:prstGeom prst="rect">
+            <a:avLst/>
+          </a:prstGeom>
+        </p:spPr>
+        <p:txBody>
+          <a:bodyPr vert="horz" lIns="91440" tIns="45720" rIns="91440" bIns="45720" rtlCol="0" anchor="b"/>
+          <a:lstStyle>
+            <a:lvl1pPr algn="r">
+              <a:defRPr sz="1200"/>
+            </a:lvl1pPr>
+          </a:lstStyle>
+          <a:p>
+            <a:fld id="{89B58BF4-4643-464B-A8F1-943F73C968B6}" type="slidenum">
+              <a:rPr lang="ko-KR" altLang="en-US" smtClean="0"/>
+              <a:t>‹#›</a:t>
+            </a:fld>
+            <a:endParaRPr lang="ko-KR" altLang="en-US"/>
+          </a:p>
+        </p:txBody>
+      </p:sp>
+    </p:spTree>
+    <p:extLst>
+      <p:ext uri="{BB962C8B-B14F-4D97-AF65-F5344CB8AC3E}">
+        <p14:creationId xmlns:p14="http://schemas.microsoft.com/office/powerpoint/2010/main" val="4055154805"/>
+      </p:ext>
+    </p:extLst>
+  </p:cSld>
+  <p:clrMap bg1="lt1" tx1="dk1" bg2="lt2" tx2="dk2" accent1="accent1" accent2="accent2" accent3="accent3" accent4="accent4" accent5="accent5" accent6="accent6" hlink="hlink" folHlink="folHlink"/>
+  <p:notesStyle>
+    <a:lvl1pPr marL="0" algn="l" defTabSz="914400" rtl="0" eaLnBrk="1" latinLnBrk="1" hangingPunct="1">
+      <a:defRPr sz="1200" kern="1200">
+        <a:solidFill>
+          <a:schemeClr val="tx1"/>
+        </a:solidFill>
+        <a:latin typeface="+mn-lt"/>
+        <a:ea typeface="+mn-ea"/>
+        <a:cs typeface="+mn-cs"/>
+      </a:defRPr>
+    </a:lvl1pPr>
+    <a:lvl2pPr marL="457200" algn="l" defTabSz="914400" rtl="0" eaLnBrk="1" latinLnBrk="1" hangingPunct="1">
+      <a:defRPr sz="1200" kern="1200">
+        <a:solidFill>
+          <a:schemeClr val="tx1"/>
+        </a:solidFill>
+        <a:latin typeface="+mn-lt"/>
+        <a:ea typeface="+mn-ea"/>
+        <a:cs typeface="+mn-cs"/>
+      </a:defRPr>
+    </a:lvl2pPr>
+    <a:lvl3pPr marL="914400" algn="l" defTabSz="914400" rtl="0" eaLnBrk="1" latinLnBrk="1" hangingPunct="1">
+      <a:defRPr sz="1200" kern="1200">
+        <a:solidFill>
+          <a:schemeClr val="tx1"/>
+        </a:solidFill>
+        <a:latin typeface="+mn-lt"/>
+        <a:ea typeface="+mn-ea"/>
+        <a:cs typeface="+mn-cs"/>
+      </a:defRPr>
+    </a:lvl3pPr>
+    <a:lvl4pPr marL="1371600" algn="l" defTabSz="914400" rtl="0" eaLnBrk="1" latinLnBrk="1" hangingPunct="1">
+      <a:defRPr sz="1200" kern="1200">
+        <a:solidFill>
+          <a:schemeClr val="tx1"/>
+        </a:solidFill>
+        <a:latin typeface="+mn-lt"/>
+        <a:ea typeface="+mn-ea"/>
+        <a:cs typeface="+mn-cs"/>
+      </a:defRPr>
+    </a:lvl4pPr>
+    <a:lvl5pPr marL="1828800" algn="l" defTabSz="914400" rtl="0" eaLnBrk="1" latinLnBrk="1" hangingPunct="1">
+      <a:defRPr sz="1200" kern="1200">
+        <a:solidFill>
+          <a:schemeClr val="tx1"/>
+        </a:solidFill>
+        <a:latin typeface="+mn-lt"/>
+        <a:ea typeface="+mn-ea"/>
+        <a:cs typeface="+mn-cs"/>
+      </a:defRPr>
+    </a:lvl5pPr>
+    <a:lvl6pPr marL="2286000" algn="l" defTabSz="914400" rtl="0" eaLnBrk="1" latinLnBrk="1" hangingPunct="1">
+      <a:defRPr sz="1200" kern="1200">
+        <a:solidFill>
+          <a:schemeClr val="tx1"/>
+        </a:solidFill>
+        <a:latin typeface="+mn-lt"/>
+        <a:ea typeface="+mn-ea"/>
+        <a:cs typeface="+mn-cs"/>
+      </a:defRPr>
+    </a:lvl6pPr>
+    <a:lvl7pPr marL="2743200" algn="l" defTabSz="914400" rtl="0" eaLnBrk="1" latinLnBrk="1" hangingPunct="1">
+      <a:defRPr sz="1200" kern="1200">
+        <a:solidFill>
+          <a:schemeClr val="tx1"/>
+        </a:solidFill>
+        <a:latin typeface="+mn-lt"/>
+        <a:ea typeface="+mn-ea"/>
+        <a:cs typeface="+mn-cs"/>
+      </a:defRPr>
+    </a:lvl7pPr>
+    <a:lvl8pPr marL="3200400" algn="l" defTabSz="914400" rtl="0" eaLnBrk="1" latinLnBrk="1" hangingPunct="1">
+      <a:defRPr sz="1200" kern="1200">
+        <a:solidFill>
+          <a:schemeClr val="tx1"/>
+        </a:solidFill>
+        <a:latin typeface="+mn-lt"/>
+        <a:ea typeface="+mn-ea"/>
+        <a:cs typeface="+mn-cs"/>
+      </a:defRPr>
+    </a:lvl8pPr>
+    <a:lvl9pPr marL="3657600" algn="l" defTabSz="914400" rtl="0" eaLnBrk="1" latinLnBrk="1" hangingPunct="1">
+      <a:defRPr sz="1200" kern="1200">
+        <a:solidFill>
+          <a:schemeClr val="tx1"/>
+        </a:solidFill>
+        <a:latin typeface="+mn-lt"/>
+        <a:ea typeface="+mn-ea"/>
+        <a:cs typeface="+mn-cs"/>
+      </a:defRPr>
+    </a:lvl9pPr>
+  </p:notesStyle>
+</p:notesMaster>
+</file>
+
 <file path=ppt/slideLayouts/slideLayout1.xml><?xml version="1.0" encoding="utf-8"?>
 <p:sldLayout xmlns:a="http://schemas.openxmlformats.org/drawingml/2006/main" xmlns:r="http://schemas.openxmlformats.org/officeDocument/2006/relationships" xmlns:p="http://schemas.openxmlformats.org/presentationml/2006/main" type="title" preserve="1">
   <p:cSld name="제목 슬라이드">
@@ -3715,7 +4068,7 @@
           <a:bodyPr/>
           <a:lstStyle/>
           <a:p>
-            <a:fld id="{3E1E0DAA-B52E-43AB-B399-CF9D4F9F8B9E}" type="datetimeFigureOut">
+            <a:fld id="{9A9FE9F6-FE1F-40FC-8AC6-0C9851F7C575}" type="datetime1">
               <a:rPr lang="ko-KR" altLang="en-US" smtClean="0"/>
               <a:t>2019-05-07</a:t>
             </a:fld>
@@ -3738,6 +4091,18 @@
           <a:bodyPr/>
           <a:lstStyle/>
           <a:p>
+            <a:r>
+              <a:rPr lang="en-US" altLang="ko-KR" smtClean="0"/>
+              <a:t>2019-1</a:t>
+            </a:r>
+            <a:r>
+              <a:rPr lang="ko-KR" altLang="en-US" smtClean="0"/>
+              <a:t>학기 산학</a:t>
+            </a:r>
+            <a:r>
+              <a:rPr lang="en-US" altLang="ko-KR" smtClean="0"/>
+              <a:t>Capston Design </a:t>
+            </a:r>
             <a:endParaRPr lang="ko-KR" altLang="en-US"/>
           </a:p>
         </p:txBody>
@@ -3885,7 +4250,7 @@
           <a:bodyPr/>
           <a:lstStyle/>
           <a:p>
-            <a:fld id="{3E1E0DAA-B52E-43AB-B399-CF9D4F9F8B9E}" type="datetimeFigureOut">
+            <a:fld id="{C45E69BA-1893-438B-8FDE-BCFF98D85F8C}" type="datetime1">
               <a:rPr lang="ko-KR" altLang="en-US" smtClean="0"/>
               <a:t>2019-05-07</a:t>
             </a:fld>
@@ -3908,6 +4273,18 @@
           <a:bodyPr/>
           <a:lstStyle/>
           <a:p>
+            <a:r>
+              <a:rPr lang="en-US" altLang="ko-KR" smtClean="0"/>
+              <a:t>2019-1</a:t>
+            </a:r>
+            <a:r>
+              <a:rPr lang="ko-KR" altLang="en-US" smtClean="0"/>
+              <a:t>학기 산학</a:t>
+            </a:r>
+            <a:r>
+              <a:rPr lang="en-US" altLang="ko-KR" smtClean="0"/>
+              <a:t>Capston Design </a:t>
+            </a:r>
             <a:endParaRPr lang="ko-KR" altLang="en-US"/>
           </a:p>
         </p:txBody>
@@ -4065,7 +4442,7 @@
           <a:bodyPr/>
           <a:lstStyle/>
           <a:p>
-            <a:fld id="{3E1E0DAA-B52E-43AB-B399-CF9D4F9F8B9E}" type="datetimeFigureOut">
+            <a:fld id="{D32A3E8C-1E6F-4198-A576-5656EDF3F80F}" type="datetime1">
               <a:rPr lang="ko-KR" altLang="en-US" smtClean="0"/>
               <a:t>2019-05-07</a:t>
             </a:fld>
@@ -4088,6 +4465,18 @@
           <a:bodyPr/>
           <a:lstStyle/>
           <a:p>
+            <a:r>
+              <a:rPr lang="en-US" altLang="ko-KR" smtClean="0"/>
+              <a:t>2019-1</a:t>
+            </a:r>
+            <a:r>
+              <a:rPr lang="ko-KR" altLang="en-US" smtClean="0"/>
+              <a:t>학기 산학</a:t>
+            </a:r>
+            <a:r>
+              <a:rPr lang="en-US" altLang="ko-KR" smtClean="0"/>
+              <a:t>Capston Design </a:t>
+            </a:r>
             <a:endParaRPr lang="ko-KR" altLang="en-US"/>
           </a:p>
         </p:txBody>
@@ -4235,7 +4624,7 @@
           <a:bodyPr/>
           <a:lstStyle/>
           <a:p>
-            <a:fld id="{3E1E0DAA-B52E-43AB-B399-CF9D4F9F8B9E}" type="datetimeFigureOut">
+            <a:fld id="{9EDBADFC-B48E-4511-B411-AEEB933E80CE}" type="datetime1">
               <a:rPr lang="ko-KR" altLang="en-US" smtClean="0"/>
               <a:t>2019-05-07</a:t>
             </a:fld>
@@ -4258,6 +4647,18 @@
           <a:bodyPr/>
           <a:lstStyle/>
           <a:p>
+            <a:r>
+              <a:rPr lang="en-US" altLang="ko-KR" smtClean="0"/>
+              <a:t>2019-1</a:t>
+            </a:r>
+            <a:r>
+              <a:rPr lang="ko-KR" altLang="en-US" smtClean="0"/>
+              <a:t>학기 산학</a:t>
+            </a:r>
+            <a:r>
+              <a:rPr lang="en-US" altLang="ko-KR" smtClean="0"/>
+              <a:t>Capston Design </a:t>
+            </a:r>
             <a:endParaRPr lang="ko-KR" altLang="en-US"/>
           </a:p>
         </p:txBody>
@@ -4481,7 +4882,7 @@
           <a:bodyPr/>
           <a:lstStyle/>
           <a:p>
-            <a:fld id="{3E1E0DAA-B52E-43AB-B399-CF9D4F9F8B9E}" type="datetimeFigureOut">
+            <a:fld id="{5E88F0D8-3EAA-4B46-BB04-081368F35407}" type="datetime1">
               <a:rPr lang="ko-KR" altLang="en-US" smtClean="0"/>
               <a:t>2019-05-07</a:t>
             </a:fld>
@@ -4504,6 +4905,18 @@
           <a:bodyPr/>
           <a:lstStyle/>
           <a:p>
+            <a:r>
+              <a:rPr lang="en-US" altLang="ko-KR" smtClean="0"/>
+              <a:t>2019-1</a:t>
+            </a:r>
+            <a:r>
+              <a:rPr lang="ko-KR" altLang="en-US" smtClean="0"/>
+              <a:t>학기 산학</a:t>
+            </a:r>
+            <a:r>
+              <a:rPr lang="en-US" altLang="ko-KR" smtClean="0"/>
+              <a:t>Capston Design </a:t>
+            </a:r>
             <a:endParaRPr lang="ko-KR" altLang="en-US"/>
           </a:p>
         </p:txBody>
@@ -4713,7 +5126,7 @@
           <a:bodyPr/>
           <a:lstStyle/>
           <a:p>
-            <a:fld id="{3E1E0DAA-B52E-43AB-B399-CF9D4F9F8B9E}" type="datetimeFigureOut">
+            <a:fld id="{C1F8A7F4-019C-45BD-9351-5D77EB9A0A34}" type="datetime1">
               <a:rPr lang="ko-KR" altLang="en-US" smtClean="0"/>
               <a:t>2019-05-07</a:t>
             </a:fld>
@@ -4736,6 +5149,18 @@
           <a:bodyPr/>
           <a:lstStyle/>
           <a:p>
+            <a:r>
+              <a:rPr lang="en-US" altLang="ko-KR" smtClean="0"/>
+              <a:t>2019-1</a:t>
+            </a:r>
+            <a:r>
+              <a:rPr lang="ko-KR" altLang="en-US" smtClean="0"/>
+              <a:t>학기 산학</a:t>
+            </a:r>
+            <a:r>
+              <a:rPr lang="en-US" altLang="ko-KR" smtClean="0"/>
+              <a:t>Capston Design </a:t>
+            </a:r>
             <a:endParaRPr lang="ko-KR" altLang="en-US"/>
           </a:p>
         </p:txBody>
@@ -5080,7 +5505,7 @@
           <a:bodyPr/>
           <a:lstStyle/>
           <a:p>
-            <a:fld id="{3E1E0DAA-B52E-43AB-B399-CF9D4F9F8B9E}" type="datetimeFigureOut">
+            <a:fld id="{BCFAA33E-41D6-41DA-8515-A2C3ED4DE1F8}" type="datetime1">
               <a:rPr lang="ko-KR" altLang="en-US" smtClean="0"/>
               <a:t>2019-05-07</a:t>
             </a:fld>
@@ -5103,6 +5528,18 @@
           <a:bodyPr/>
           <a:lstStyle/>
           <a:p>
+            <a:r>
+              <a:rPr lang="en-US" altLang="ko-KR" smtClean="0"/>
+              <a:t>2019-1</a:t>
+            </a:r>
+            <a:r>
+              <a:rPr lang="ko-KR" altLang="en-US" smtClean="0"/>
+              <a:t>학기 산학</a:t>
+            </a:r>
+            <a:r>
+              <a:rPr lang="en-US" altLang="ko-KR" smtClean="0"/>
+              <a:t>Capston Design </a:t>
+            </a:r>
             <a:endParaRPr lang="ko-KR" altLang="en-US"/>
           </a:p>
         </p:txBody>
@@ -5198,7 +5635,7 @@
           <a:bodyPr/>
           <a:lstStyle/>
           <a:p>
-            <a:fld id="{3E1E0DAA-B52E-43AB-B399-CF9D4F9F8B9E}" type="datetimeFigureOut">
+            <a:fld id="{7882512F-9C9F-48D7-A69A-700EA022B80E}" type="datetime1">
               <a:rPr lang="ko-KR" altLang="en-US" smtClean="0"/>
               <a:t>2019-05-07</a:t>
             </a:fld>
@@ -5221,6 +5658,18 @@
           <a:bodyPr/>
           <a:lstStyle/>
           <a:p>
+            <a:r>
+              <a:rPr lang="en-US" altLang="ko-KR" smtClean="0"/>
+              <a:t>2019-1</a:t>
+            </a:r>
+            <a:r>
+              <a:rPr lang="ko-KR" altLang="en-US" smtClean="0"/>
+              <a:t>학기 산학</a:t>
+            </a:r>
+            <a:r>
+              <a:rPr lang="en-US" altLang="ko-KR" smtClean="0"/>
+              <a:t>Capston Design </a:t>
+            </a:r>
             <a:endParaRPr lang="ko-KR" altLang="en-US"/>
           </a:p>
         </p:txBody>
@@ -5293,7 +5742,7 @@
           <a:bodyPr/>
           <a:lstStyle/>
           <a:p>
-            <a:fld id="{3E1E0DAA-B52E-43AB-B399-CF9D4F9F8B9E}" type="datetimeFigureOut">
+            <a:fld id="{E5085BFE-2F72-4E3B-9FCE-7B7129B2F115}" type="datetime1">
               <a:rPr lang="ko-KR" altLang="en-US" smtClean="0"/>
               <a:t>2019-05-07</a:t>
             </a:fld>
@@ -5316,6 +5765,18 @@
           <a:bodyPr/>
           <a:lstStyle/>
           <a:p>
+            <a:r>
+              <a:rPr lang="en-US" altLang="ko-KR" smtClean="0"/>
+              <a:t>2019-1</a:t>
+            </a:r>
+            <a:r>
+              <a:rPr lang="ko-KR" altLang="en-US" smtClean="0"/>
+              <a:t>학기 산학</a:t>
+            </a:r>
+            <a:r>
+              <a:rPr lang="en-US" altLang="ko-KR" smtClean="0"/>
+              <a:t>Capston Design </a:t>
+            </a:r>
             <a:endParaRPr lang="ko-KR" altLang="en-US"/>
           </a:p>
         </p:txBody>
@@ -5570,7 +6031,7 @@
           <a:bodyPr/>
           <a:lstStyle/>
           <a:p>
-            <a:fld id="{3E1E0DAA-B52E-43AB-B399-CF9D4F9F8B9E}" type="datetimeFigureOut">
+            <a:fld id="{DA115453-A257-49F6-8F4F-D54245E79F6B}" type="datetime1">
               <a:rPr lang="ko-KR" altLang="en-US" smtClean="0"/>
               <a:t>2019-05-07</a:t>
             </a:fld>
@@ -5593,6 +6054,18 @@
           <a:bodyPr/>
           <a:lstStyle/>
           <a:p>
+            <a:r>
+              <a:rPr lang="en-US" altLang="ko-KR" smtClean="0"/>
+              <a:t>2019-1</a:t>
+            </a:r>
+            <a:r>
+              <a:rPr lang="ko-KR" altLang="en-US" smtClean="0"/>
+              <a:t>학기 산학</a:t>
+            </a:r>
+            <a:r>
+              <a:rPr lang="en-US" altLang="ko-KR" smtClean="0"/>
+              <a:t>Capston Design </a:t>
+            </a:r>
             <a:endParaRPr lang="ko-KR" altLang="en-US"/>
           </a:p>
         </p:txBody>
@@ -5823,7 +6296,7 @@
           <a:bodyPr/>
           <a:lstStyle/>
           <a:p>
-            <a:fld id="{3E1E0DAA-B52E-43AB-B399-CF9D4F9F8B9E}" type="datetimeFigureOut">
+            <a:fld id="{86ACEA0A-41FB-478D-B8E6-5C5E07598EFB}" type="datetime1">
               <a:rPr lang="ko-KR" altLang="en-US" smtClean="0"/>
               <a:t>2019-05-07</a:t>
             </a:fld>
@@ -5846,6 +6319,18 @@
           <a:bodyPr/>
           <a:lstStyle/>
           <a:p>
+            <a:r>
+              <a:rPr lang="en-US" altLang="ko-KR" smtClean="0"/>
+              <a:t>2019-1</a:t>
+            </a:r>
+            <a:r>
+              <a:rPr lang="ko-KR" altLang="en-US" smtClean="0"/>
+              <a:t>학기 산학</a:t>
+            </a:r>
+            <a:r>
+              <a:rPr lang="en-US" altLang="ko-KR" smtClean="0"/>
+              <a:t>Capston Design </a:t>
+            </a:r>
             <a:endParaRPr lang="ko-KR" altLang="en-US"/>
           </a:p>
         </p:txBody>
@@ -6036,7 +6521,7 @@
             </a:lvl1pPr>
           </a:lstStyle>
           <a:p>
-            <a:fld id="{3E1E0DAA-B52E-43AB-B399-CF9D4F9F8B9E}" type="datetimeFigureOut">
+            <a:fld id="{43A00190-DB82-4BC2-B4EF-5ECD13868214}" type="datetime1">
               <a:rPr lang="ko-KR" altLang="en-US" smtClean="0"/>
               <a:t>2019-05-07</a:t>
             </a:fld>
@@ -6077,6 +6562,18 @@
             </a:lvl1pPr>
           </a:lstStyle>
           <a:p>
+            <a:r>
+              <a:rPr lang="en-US" altLang="ko-KR" smtClean="0"/>
+              <a:t>2019-1</a:t>
+            </a:r>
+            <a:r>
+              <a:rPr lang="ko-KR" altLang="en-US" smtClean="0"/>
+              <a:t>학기 산학</a:t>
+            </a:r>
+            <a:r>
+              <a:rPr lang="en-US" altLang="ko-KR" smtClean="0"/>
+              <a:t>Capston Design </a:t>
+            </a:r>
             <a:endParaRPr lang="ko-KR" altLang="en-US"/>
           </a:p>
         </p:txBody>
@@ -6143,6 +6640,7 @@
     <p:sldLayoutId id="2147483658" r:id="rId10"/>
     <p:sldLayoutId id="2147483659" r:id="rId11"/>
   </p:sldLayoutIdLst>
+  <p:hf sldNum="0" hdr="0"/>
   <p:txStyles>
     <p:titleStyle>
       <a:lvl1pPr algn="l" defTabSz="914400" rtl="0" eaLnBrk="1" latinLnBrk="1" hangingPunct="1">
@@ -6578,7 +7076,7 @@
           <a:bodyPr/>
           <a:lstStyle/>
           <a:p>
-            <a:fld id="{91962739-0023-4221-B57F-9E36DE2563FE}" type="datetime1">
+            <a:fld id="{15FE3A75-6610-494F-911B-E9C2D085BFB9}" type="datetime1">
               <a:rPr lang="ko-KR" altLang="en-US" smtClean="0"/>
               <a:t>2019-05-07</a:t>
             </a:fld>
@@ -6855,19 +7353,14 @@
                 <a:spcPts val="600"/>
               </a:spcAft>
             </a:pPr>
-            <a:fld id="{90C79A04-B73A-4792-A1A8-5AD916C8A55F}" type="datetime1">
-              <a:rPr lang="ko-KR" altLang="en-US">
+            <a:fld id="{8F762A45-7D22-41E1-AEEF-954EB8577A6F}" type="datetime1">
+              <a:rPr lang="ko-KR" altLang="en-US" smtClean="0">
                 <a:solidFill>
                   <a:schemeClr val="tx1">
                     <a:alpha val="80000"/>
                   </a:schemeClr>
                 </a:solidFill>
               </a:rPr>
-              <a:pPr>
-                <a:spcAft>
-                  <a:spcPts val="600"/>
-                </a:spcAft>
-              </a:pPr>
               <a:t>2019-05-07</a:t>
             </a:fld>
             <a:endParaRPr lang="ko-KR" altLang="en-US">
@@ -6914,7 +7407,7 @@
               </a:spcAft>
             </a:pPr>
             <a:r>
-              <a:rPr lang="en-US" altLang="ko-KR">
+              <a:rPr lang="en-US" altLang="ko-KR" smtClean="0">
                 <a:solidFill>
                   <a:schemeClr val="tx1">
                     <a:alpha val="80000"/>
@@ -6924,17 +7417,17 @@
               <a:t>2019-1</a:t>
             </a:r>
             <a:r>
-              <a:rPr lang="ko-KR" altLang="en-US">
+              <a:rPr lang="ko-KR" altLang="en-US" smtClean="0">
                 <a:solidFill>
                   <a:schemeClr val="tx1">
                     <a:alpha val="80000"/>
                   </a:schemeClr>
                 </a:solidFill>
               </a:rPr>
-              <a:t>학기 </a:t>
-            </a:r>
-            <a:r>
-              <a:rPr lang="en-US" altLang="ko-KR">
+              <a:t>학기 산학</a:t>
+            </a:r>
+            <a:r>
+              <a:rPr lang="en-US" altLang="ko-KR" smtClean="0">
                 <a:solidFill>
                   <a:schemeClr val="tx1">
                     <a:alpha val="80000"/>
@@ -7010,13 +7503,7 @@
               <a:rPr lang="ko-KR" altLang="en-US" sz="3000" dirty="0" smtClean="0">
                 <a:latin typeface="+mj-lt"/>
               </a:rPr>
-              <a:t>프로젝트</a:t>
-            </a:r>
-            <a:r>
-              <a:rPr lang="ko-KR" altLang="en-US" sz="3000" dirty="0" smtClean="0">
-                <a:latin typeface="+mj-lt"/>
-              </a:rPr>
-              <a:t>와 기존 웹사이트 비교</a:t>
+              <a:t>프로젝트와 기존 웹사이트 비교</a:t>
             </a:r>
             <a:endParaRPr lang="en-US" altLang="ko-KR" sz="3000" dirty="0" smtClean="0">
               <a:latin typeface="+mj-lt"/>
@@ -7162,11 +7649,7 @@
             </a:r>
             <a:r>
               <a:rPr lang="en-US" altLang="ko-KR" sz="4000" dirty="0" smtClean="0"/>
-              <a:t>-</a:t>
-            </a:r>
-            <a:r>
-              <a:rPr lang="en-US" altLang="ko-KR" sz="4000" dirty="0" smtClean="0"/>
-              <a:t>sqlite3 </a:t>
+              <a:t>-sqlite3 </a:t>
             </a:r>
             <a:r>
               <a:rPr lang="ko-KR" altLang="en-US" sz="4000" dirty="0" smtClean="0"/>
@@ -7250,6 +7733,60 @@
               <a:rPr lang="ko-KR" altLang="en-US" sz="2400" dirty="0" smtClean="0"/>
               <a:t> 선택</a:t>
             </a:r>
+          </a:p>
+        </p:txBody>
+      </p:sp>
+      <p:sp>
+        <p:nvSpPr>
+          <p:cNvPr id="4" name="날짜 개체 틀 3"/>
+          <p:cNvSpPr>
+            <a:spLocks noGrp="1"/>
+          </p:cNvSpPr>
+          <p:nvPr>
+            <p:ph type="dt" sz="half" idx="10"/>
+          </p:nvPr>
+        </p:nvSpPr>
+        <p:spPr/>
+        <p:txBody>
+          <a:bodyPr/>
+          <a:lstStyle/>
+          <a:p>
+            <a:fld id="{D33D2766-EA3B-42CB-B556-853AD1C138AB}" type="datetime1">
+              <a:rPr lang="ko-KR" altLang="en-US" smtClean="0"/>
+              <a:t>2019-05-07</a:t>
+            </a:fld>
+            <a:endParaRPr lang="ko-KR" altLang="en-US"/>
+          </a:p>
+        </p:txBody>
+      </p:sp>
+      <p:sp>
+        <p:nvSpPr>
+          <p:cNvPr id="5" name="바닥글 개체 틀 4"/>
+          <p:cNvSpPr>
+            <a:spLocks noGrp="1"/>
+          </p:cNvSpPr>
+          <p:nvPr>
+            <p:ph type="ftr" sz="quarter" idx="11"/>
+          </p:nvPr>
+        </p:nvSpPr>
+        <p:spPr/>
+        <p:txBody>
+          <a:bodyPr/>
+          <a:lstStyle/>
+          <a:p>
+            <a:r>
+              <a:rPr lang="en-US" altLang="ko-KR" smtClean="0"/>
+              <a:t>2019-1</a:t>
+            </a:r>
+            <a:r>
+              <a:rPr lang="ko-KR" altLang="en-US" smtClean="0"/>
+              <a:t>학기 산학</a:t>
+            </a:r>
+            <a:r>
+              <a:rPr lang="en-US" altLang="ko-KR" smtClean="0"/>
+              <a:t>Capston Design </a:t>
+            </a:r>
+            <a:endParaRPr lang="ko-KR" altLang="en-US"/>
           </a:p>
         </p:txBody>
       </p:sp>
@@ -8180,6 +8717,60 @@
           </a:p>
         </p:txBody>
       </p:sp>
+      <p:sp>
+        <p:nvSpPr>
+          <p:cNvPr id="4" name="날짜 개체 틀 3"/>
+          <p:cNvSpPr>
+            <a:spLocks noGrp="1"/>
+          </p:cNvSpPr>
+          <p:nvPr>
+            <p:ph type="dt" sz="half" idx="10"/>
+          </p:nvPr>
+        </p:nvSpPr>
+        <p:spPr/>
+        <p:txBody>
+          <a:bodyPr/>
+          <a:lstStyle/>
+          <a:p>
+            <a:fld id="{308B675C-ABEF-43CB-824B-10C05A81B4CA}" type="datetime1">
+              <a:rPr lang="ko-KR" altLang="en-US" smtClean="0"/>
+              <a:t>2019-05-07</a:t>
+            </a:fld>
+            <a:endParaRPr lang="ko-KR" altLang="en-US"/>
+          </a:p>
+        </p:txBody>
+      </p:sp>
+      <p:sp>
+        <p:nvSpPr>
+          <p:cNvPr id="5" name="바닥글 개체 틀 4"/>
+          <p:cNvSpPr>
+            <a:spLocks noGrp="1"/>
+          </p:cNvSpPr>
+          <p:nvPr>
+            <p:ph type="ftr" sz="quarter" idx="11"/>
+          </p:nvPr>
+        </p:nvSpPr>
+        <p:spPr/>
+        <p:txBody>
+          <a:bodyPr/>
+          <a:lstStyle/>
+          <a:p>
+            <a:r>
+              <a:rPr lang="en-US" altLang="ko-KR" smtClean="0"/>
+              <a:t>2019-1</a:t>
+            </a:r>
+            <a:r>
+              <a:rPr lang="ko-KR" altLang="en-US" smtClean="0"/>
+              <a:t>학기 산학</a:t>
+            </a:r>
+            <a:r>
+              <a:rPr lang="en-US" altLang="ko-KR" smtClean="0"/>
+              <a:t>Capston Design </a:t>
+            </a:r>
+            <a:endParaRPr lang="ko-KR" altLang="en-US"/>
+          </a:p>
+        </p:txBody>
+      </p:sp>
     </p:spTree>
     <p:extLst>
       <p:ext uri="{BB962C8B-B14F-4D97-AF65-F5344CB8AC3E}">
@@ -8398,6 +8989,60 @@
           </a:p>
         </p:txBody>
       </p:sp>
+      <p:sp>
+        <p:nvSpPr>
+          <p:cNvPr id="4" name="날짜 개체 틀 3"/>
+          <p:cNvSpPr>
+            <a:spLocks noGrp="1"/>
+          </p:cNvSpPr>
+          <p:nvPr>
+            <p:ph type="dt" sz="half" idx="10"/>
+          </p:nvPr>
+        </p:nvSpPr>
+        <p:spPr/>
+        <p:txBody>
+          <a:bodyPr/>
+          <a:lstStyle/>
+          <a:p>
+            <a:fld id="{5F21CB7E-D995-402D-885E-9A2AEA99DFE3}" type="datetime1">
+              <a:rPr lang="ko-KR" altLang="en-US" smtClean="0"/>
+              <a:t>2019-05-07</a:t>
+            </a:fld>
+            <a:endParaRPr lang="ko-KR" altLang="en-US"/>
+          </a:p>
+        </p:txBody>
+      </p:sp>
+      <p:sp>
+        <p:nvSpPr>
+          <p:cNvPr id="5" name="바닥글 개체 틀 4"/>
+          <p:cNvSpPr>
+            <a:spLocks noGrp="1"/>
+          </p:cNvSpPr>
+          <p:nvPr>
+            <p:ph type="ftr" sz="quarter" idx="11"/>
+          </p:nvPr>
+        </p:nvSpPr>
+        <p:spPr/>
+        <p:txBody>
+          <a:bodyPr/>
+          <a:lstStyle/>
+          <a:p>
+            <a:r>
+              <a:rPr lang="en-US" altLang="ko-KR" smtClean="0"/>
+              <a:t>2019-1</a:t>
+            </a:r>
+            <a:r>
+              <a:rPr lang="ko-KR" altLang="en-US" smtClean="0"/>
+              <a:t>학기 산학</a:t>
+            </a:r>
+            <a:r>
+              <a:rPr lang="en-US" altLang="ko-KR" smtClean="0"/>
+              <a:t>Capston Design </a:t>
+            </a:r>
+            <a:endParaRPr lang="ko-KR" altLang="en-US"/>
+          </a:p>
+        </p:txBody>
+      </p:sp>
     </p:spTree>
     <p:extLst>
       <p:ext uri="{BB962C8B-B14F-4D97-AF65-F5344CB8AC3E}">
@@ -8452,11 +9097,7 @@
           <a:p>
             <a:r>
               <a:rPr lang="ko-KR" altLang="en-US" dirty="0" smtClean="0"/>
-              <a:t>추천 기본 </a:t>
-            </a:r>
-            <a:r>
-              <a:rPr lang="ko-KR" altLang="en-US" dirty="0" smtClean="0"/>
-              <a:t>알고리즘 단계</a:t>
+              <a:t>추천 기본 알고리즘 단계</a:t>
             </a:r>
             <a:endParaRPr lang="ko-KR" altLang="en-US" dirty="0"/>
           </a:p>
@@ -8487,6 +9128,60 @@
           </a:graphicData>
         </a:graphic>
       </p:graphicFrame>
+      <p:sp>
+        <p:nvSpPr>
+          <p:cNvPr id="3" name="날짜 개체 틀 2"/>
+          <p:cNvSpPr>
+            <a:spLocks noGrp="1"/>
+          </p:cNvSpPr>
+          <p:nvPr>
+            <p:ph type="dt" sz="half" idx="10"/>
+          </p:nvPr>
+        </p:nvSpPr>
+        <p:spPr/>
+        <p:txBody>
+          <a:bodyPr/>
+          <a:lstStyle/>
+          <a:p>
+            <a:fld id="{64E9CA78-7277-4C2E-94BC-DFEE05DCFE1B}" type="datetime1">
+              <a:rPr lang="ko-KR" altLang="en-US" smtClean="0"/>
+              <a:t>2019-05-07</a:t>
+            </a:fld>
+            <a:endParaRPr lang="ko-KR" altLang="en-US"/>
+          </a:p>
+        </p:txBody>
+      </p:sp>
+      <p:sp>
+        <p:nvSpPr>
+          <p:cNvPr id="4" name="바닥글 개체 틀 3"/>
+          <p:cNvSpPr>
+            <a:spLocks noGrp="1"/>
+          </p:cNvSpPr>
+          <p:nvPr>
+            <p:ph type="ftr" sz="quarter" idx="11"/>
+          </p:nvPr>
+        </p:nvSpPr>
+        <p:spPr/>
+        <p:txBody>
+          <a:bodyPr/>
+          <a:lstStyle/>
+          <a:p>
+            <a:r>
+              <a:rPr lang="en-US" altLang="ko-KR" smtClean="0"/>
+              <a:t>2019-1</a:t>
+            </a:r>
+            <a:r>
+              <a:rPr lang="ko-KR" altLang="en-US" smtClean="0"/>
+              <a:t>학기 산학</a:t>
+            </a:r>
+            <a:r>
+              <a:rPr lang="en-US" altLang="ko-KR" smtClean="0"/>
+              <a:t>Capston Design </a:t>
+            </a:r>
+            <a:endParaRPr lang="ko-KR" altLang="en-US"/>
+          </a:p>
+        </p:txBody>
+      </p:sp>
     </p:spTree>
     <p:extLst>
       <p:ext uri="{BB962C8B-B14F-4D97-AF65-F5344CB8AC3E}">
@@ -8672,6 +9367,60 @@
           </a:p>
           <a:p>
             <a:endParaRPr lang="ko-KR" altLang="en-US" dirty="0"/>
+          </a:p>
+        </p:txBody>
+      </p:sp>
+      <p:sp>
+        <p:nvSpPr>
+          <p:cNvPr id="4" name="날짜 개체 틀 3"/>
+          <p:cNvSpPr>
+            <a:spLocks noGrp="1"/>
+          </p:cNvSpPr>
+          <p:nvPr>
+            <p:ph type="dt" sz="half" idx="10"/>
+          </p:nvPr>
+        </p:nvSpPr>
+        <p:spPr/>
+        <p:txBody>
+          <a:bodyPr/>
+          <a:lstStyle/>
+          <a:p>
+            <a:fld id="{1F298401-C910-4A28-9CD8-5088B7FD7884}" type="datetime1">
+              <a:rPr lang="ko-KR" altLang="en-US" smtClean="0"/>
+              <a:t>2019-05-07</a:t>
+            </a:fld>
+            <a:endParaRPr lang="ko-KR" altLang="en-US"/>
+          </a:p>
+        </p:txBody>
+      </p:sp>
+      <p:sp>
+        <p:nvSpPr>
+          <p:cNvPr id="5" name="바닥글 개체 틀 4"/>
+          <p:cNvSpPr>
+            <a:spLocks noGrp="1"/>
+          </p:cNvSpPr>
+          <p:nvPr>
+            <p:ph type="ftr" sz="quarter" idx="11"/>
+          </p:nvPr>
+        </p:nvSpPr>
+        <p:spPr/>
+        <p:txBody>
+          <a:bodyPr/>
+          <a:lstStyle/>
+          <a:p>
+            <a:r>
+              <a:rPr lang="en-US" altLang="ko-KR" smtClean="0"/>
+              <a:t>2019-1</a:t>
+            </a:r>
+            <a:r>
+              <a:rPr lang="ko-KR" altLang="en-US" smtClean="0"/>
+              <a:t>학기 산학</a:t>
+            </a:r>
+            <a:r>
+              <a:rPr lang="en-US" altLang="ko-KR" smtClean="0"/>
+              <a:t>Capston Design </a:t>
+            </a:r>
+            <a:endParaRPr lang="ko-KR" altLang="en-US"/>
           </a:p>
         </p:txBody>
       </p:sp>
@@ -9978,6 +10727,60 @@
           </a:p>
         </p:txBody>
       </p:sp>
+      <p:sp>
+        <p:nvSpPr>
+          <p:cNvPr id="5" name="날짜 개체 틀 4"/>
+          <p:cNvSpPr>
+            <a:spLocks noGrp="1"/>
+          </p:cNvSpPr>
+          <p:nvPr>
+            <p:ph type="dt" sz="half" idx="10"/>
+          </p:nvPr>
+        </p:nvSpPr>
+        <p:spPr/>
+        <p:txBody>
+          <a:bodyPr/>
+          <a:lstStyle/>
+          <a:p>
+            <a:fld id="{BE9B16EF-2059-438C-A53F-3FD76E8FBBFD}" type="datetime1">
+              <a:rPr lang="ko-KR" altLang="en-US" smtClean="0"/>
+              <a:t>2019-05-07</a:t>
+            </a:fld>
+            <a:endParaRPr lang="ko-KR" altLang="en-US"/>
+          </a:p>
+        </p:txBody>
+      </p:sp>
+      <p:sp>
+        <p:nvSpPr>
+          <p:cNvPr id="7" name="바닥글 개체 틀 6"/>
+          <p:cNvSpPr>
+            <a:spLocks noGrp="1"/>
+          </p:cNvSpPr>
+          <p:nvPr>
+            <p:ph type="ftr" sz="quarter" idx="11"/>
+          </p:nvPr>
+        </p:nvSpPr>
+        <p:spPr/>
+        <p:txBody>
+          <a:bodyPr/>
+          <a:lstStyle/>
+          <a:p>
+            <a:r>
+              <a:rPr lang="en-US" altLang="ko-KR" smtClean="0"/>
+              <a:t>2019-1</a:t>
+            </a:r>
+            <a:r>
+              <a:rPr lang="ko-KR" altLang="en-US" smtClean="0"/>
+              <a:t>학기 산학</a:t>
+            </a:r>
+            <a:r>
+              <a:rPr lang="en-US" altLang="ko-KR" smtClean="0"/>
+              <a:t>Capston Design </a:t>
+            </a:r>
+            <a:endParaRPr lang="ko-KR" altLang="en-US"/>
+          </a:p>
+        </p:txBody>
+      </p:sp>
     </p:spTree>
     <p:extLst>
       <p:ext uri="{BB962C8B-B14F-4D97-AF65-F5344CB8AC3E}">
@@ -10091,7 +10894,60 @@
               <a:rPr lang="ko-KR" altLang="en-US" dirty="0"/>
               <a:t>문제점 해결을 위한 코드 추가</a:t>
             </a:r>
-            <a:endParaRPr lang="ko-KR" altLang="en-US" dirty="0"/>
+          </a:p>
+        </p:txBody>
+      </p:sp>
+      <p:sp>
+        <p:nvSpPr>
+          <p:cNvPr id="4" name="날짜 개체 틀 3"/>
+          <p:cNvSpPr>
+            <a:spLocks noGrp="1"/>
+          </p:cNvSpPr>
+          <p:nvPr>
+            <p:ph type="dt" sz="half" idx="10"/>
+          </p:nvPr>
+        </p:nvSpPr>
+        <p:spPr/>
+        <p:txBody>
+          <a:bodyPr/>
+          <a:lstStyle/>
+          <a:p>
+            <a:fld id="{1BB7B2F3-4266-41AB-AD7B-A6E69253B81B}" type="datetime1">
+              <a:rPr lang="ko-KR" altLang="en-US" smtClean="0"/>
+              <a:t>2019-05-07</a:t>
+            </a:fld>
+            <a:endParaRPr lang="ko-KR" altLang="en-US"/>
+          </a:p>
+        </p:txBody>
+      </p:sp>
+      <p:sp>
+        <p:nvSpPr>
+          <p:cNvPr id="5" name="바닥글 개체 틀 4"/>
+          <p:cNvSpPr>
+            <a:spLocks noGrp="1"/>
+          </p:cNvSpPr>
+          <p:nvPr>
+            <p:ph type="ftr" sz="quarter" idx="11"/>
+          </p:nvPr>
+        </p:nvSpPr>
+        <p:spPr/>
+        <p:txBody>
+          <a:bodyPr/>
+          <a:lstStyle/>
+          <a:p>
+            <a:r>
+              <a:rPr lang="en-US" altLang="ko-KR" smtClean="0"/>
+              <a:t>2019-1</a:t>
+            </a:r>
+            <a:r>
+              <a:rPr lang="ko-KR" altLang="en-US" smtClean="0"/>
+              <a:t>학기 산학</a:t>
+            </a:r>
+            <a:r>
+              <a:rPr lang="en-US" altLang="ko-KR" smtClean="0"/>
+              <a:t>Capston Design </a:t>
+            </a:r>
+            <a:endParaRPr lang="ko-KR" altLang="en-US"/>
           </a:p>
         </p:txBody>
       </p:sp>
@@ -10374,4 +11230,265 @@
     </a:ext>
   </a:extLst>
 </a:theme>
+</file>
+
+<file path=ppt/theme/theme2.xml><?xml version="1.0" encoding="utf-8"?>
+<a:theme xmlns:a="http://schemas.openxmlformats.org/drawingml/2006/main" name="Office 테마">
+  <a:themeElements>
+    <a:clrScheme name="Office">
+      <a:dk1>
+        <a:sysClr val="windowText" lastClr="000000"/>
+      </a:dk1>
+      <a:lt1>
+        <a:sysClr val="window" lastClr="FFFFFF"/>
+      </a:lt1>
+      <a:dk2>
+        <a:srgbClr val="44546A"/>
+      </a:dk2>
+      <a:lt2>
+        <a:srgbClr val="E7E6E6"/>
+      </a:lt2>
+      <a:accent1>
+        <a:srgbClr val="5B9BD5"/>
+      </a:accent1>
+      <a:accent2>
+        <a:srgbClr val="ED7D31"/>
+      </a:accent2>
+      <a:accent3>
+        <a:srgbClr val="A5A5A5"/>
+      </a:accent3>
+      <a:accent4>
+        <a:srgbClr val="FFC000"/>
+      </a:accent4>
+      <a:accent5>
+        <a:srgbClr val="4472C4"/>
+      </a:accent5>
+      <a:accent6>
+        <a:srgbClr val="70AD47"/>
+      </a:accent6>
+      <a:hlink>
+        <a:srgbClr val="0563C1"/>
+      </a:hlink>
+      <a:folHlink>
+        <a:srgbClr val="954F72"/>
+      </a:folHlink>
+    </a:clrScheme>
+    <a:fontScheme name="Office">
+      <a:majorFont>
+        <a:latin typeface="맑은 고딕" panose="020F0302020204030204"/>
+        <a:ea typeface=""/>
+        <a:cs typeface=""/>
+        <a:font script="Jpan" typeface="游ゴシック Light"/>
+        <a:font script="Hang" typeface="맑은 고딕"/>
+        <a:font script="Hans" typeface="等线 Light"/>
+        <a:font script="Hant" typeface="新細明體"/>
+        <a:font script="Arab" typeface="Times New Roman"/>
+        <a:font script="Hebr" typeface="Times New Roman"/>
+        <a:font script="Thai" typeface="Angsana New"/>
+        <a:font script="Ethi" typeface="Nyala"/>
+        <a:font script="Beng" typeface="Vrinda"/>
+        <a:font script="Gujr" typeface="Shruti"/>
+        <a:font script="Khmr" typeface="MoolBoran"/>
+        <a:font script="Knda" typeface="Tunga"/>
+        <a:font script="Guru" typeface="Raavi"/>
+        <a:font script="Cans" typeface="Euphemia"/>
+        <a:font script="Cher" typeface="Plantagenet Cherokee"/>
+        <a:font script="Yiii" typeface="Microsoft Yi Baiti"/>
+        <a:font script="Tibt" typeface="Microsoft Himalaya"/>
+        <a:font script="Thaa" typeface="MV Boli"/>
+        <a:font script="Deva" typeface="Mangal"/>
+        <a:font script="Telu" typeface="Gautami"/>
+        <a:font script="Taml" typeface="Latha"/>
+        <a:font script="Syrc" typeface="Estrangelo Edessa"/>
+        <a:font script="Orya" typeface="Kalinga"/>
+        <a:font script="Mlym" typeface="Kartika"/>
+        <a:font script="Laoo" typeface="DokChampa"/>
+        <a:font script="Sinh" typeface="Iskoola Pota"/>
+        <a:font script="Mong" typeface="Mongolian Baiti"/>
+        <a:font script="Viet" typeface="Times New Roman"/>
+        <a:font script="Uigh" typeface="Microsoft Uighur"/>
+        <a:font script="Geor" typeface="Sylfaen"/>
+      </a:majorFont>
+      <a:minorFont>
+        <a:latin typeface="맑은 고딕" panose="020F0502020204030204"/>
+        <a:ea typeface=""/>
+        <a:cs typeface=""/>
+        <a:font script="Jpan" typeface="游ゴシック"/>
+        <a:font script="Hang" typeface="맑은 고딕"/>
+        <a:font script="Hans" typeface="等线"/>
+        <a:font script="Hant" typeface="新細明體"/>
+        <a:font script="Arab" typeface="Arial"/>
+        <a:font script="Hebr" typeface="Arial"/>
+        <a:font script="Thai" typeface="Cordia New"/>
+        <a:font script="Ethi" typeface="Nyala"/>
+        <a:font script="Beng" typeface="Vrinda"/>
+        <a:font script="Gujr" typeface="Shruti"/>
+        <a:font script="Khmr" typeface="DaunPenh"/>
+        <a:font script="Knda" typeface="Tunga"/>
+        <a:font script="Guru" typeface="Raavi"/>
+        <a:font script="Cans" typeface="Euphemia"/>
+        <a:font script="Cher" typeface="Plantagenet Cherokee"/>
+        <a:font script="Yiii" typeface="Microsoft Yi Baiti"/>
+        <a:font script="Tibt" typeface="Microsoft Himalaya"/>
+        <a:font script="Thaa" typeface="MV Boli"/>
+        <a:font script="Deva" typeface="Mangal"/>
+        <a:font script="Telu" typeface="Gautami"/>
+        <a:font script="Taml" typeface="Latha"/>
+        <a:font script="Syrc" typeface="Estrangelo Edessa"/>
+        <a:font script="Orya" typeface="Kalinga"/>
+        <a:font script="Mlym" typeface="Kartika"/>
+        <a:font script="Laoo" typeface="DokChampa"/>
+        <a:font script="Sinh" typeface="Iskoola Pota"/>
+        <a:font script="Mong" typeface="Mongolian Baiti"/>
+        <a:font script="Viet" typeface="Arial"/>
+        <a:font script="Uigh" typeface="Microsoft Uighur"/>
+        <a:font script="Geor" typeface="Sylfaen"/>
+      </a:minorFont>
+    </a:fontScheme>
+    <a:fmtScheme name="Office">
+      <a:fillStyleLst>
+        <a:solidFill>
+          <a:schemeClr val="phClr"/>
+        </a:solidFill>
+        <a:gradFill rotWithShape="1">
+          <a:gsLst>
+            <a:gs pos="0">
+              <a:schemeClr val="phClr">
+                <a:lumMod val="110000"/>
+                <a:satMod val="105000"/>
+                <a:tint val="67000"/>
+              </a:schemeClr>
+            </a:gs>
+            <a:gs pos="50000">
+              <a:schemeClr val="phClr">
+                <a:lumMod val="105000"/>
+                <a:satMod val="103000"/>
+                <a:tint val="73000"/>
+              </a:schemeClr>
+            </a:gs>
+            <a:gs pos="100000">
+              <a:schemeClr val="phClr">
+                <a:lumMod val="105000"/>
+                <a:satMod val="109000"/>
+                <a:tint val="81000"/>
+              </a:schemeClr>
+            </a:gs>
+          </a:gsLst>
+          <a:lin ang="5400000" scaled="0"/>
+        </a:gradFill>
+        <a:gradFill rotWithShape="1">
+          <a:gsLst>
+            <a:gs pos="0">
+              <a:schemeClr val="phClr">
+                <a:satMod val="103000"/>
+                <a:lumMod val="102000"/>
+                <a:tint val="94000"/>
+              </a:schemeClr>
+            </a:gs>
+            <a:gs pos="50000">
+              <a:schemeClr val="phClr">
+                <a:satMod val="110000"/>
+                <a:lumMod val="100000"/>
+                <a:shade val="100000"/>
+              </a:schemeClr>
+            </a:gs>
+            <a:gs pos="100000">
+              <a:schemeClr val="phClr">
+                <a:lumMod val="99000"/>
+                <a:satMod val="120000"/>
+                <a:shade val="78000"/>
+              </a:schemeClr>
+            </a:gs>
+          </a:gsLst>
+          <a:lin ang="5400000" scaled="0"/>
+        </a:gradFill>
+      </a:fillStyleLst>
+      <a:lnStyleLst>
+        <a:ln w="6350" cap="flat" cmpd="sng" algn="ctr">
+          <a:solidFill>
+            <a:schemeClr val="phClr"/>
+          </a:solidFill>
+          <a:prstDash val="solid"/>
+          <a:miter lim="800000"/>
+        </a:ln>
+        <a:ln w="12700" cap="flat" cmpd="sng" algn="ctr">
+          <a:solidFill>
+            <a:schemeClr val="phClr"/>
+          </a:solidFill>
+          <a:prstDash val="solid"/>
+          <a:miter lim="800000"/>
+        </a:ln>
+        <a:ln w="19050" cap="flat" cmpd="sng" algn="ctr">
+          <a:solidFill>
+            <a:schemeClr val="phClr"/>
+          </a:solidFill>
+          <a:prstDash val="solid"/>
+          <a:miter lim="800000"/>
+        </a:ln>
+      </a:lnStyleLst>
+      <a:effectStyleLst>
+        <a:effectStyle>
+          <a:effectLst/>
+        </a:effectStyle>
+        <a:effectStyle>
+          <a:effectLst/>
+        </a:effectStyle>
+        <a:effectStyle>
+          <a:effectLst>
+            <a:outerShdw blurRad="57150" dist="19050" dir="5400000" algn="ctr" rotWithShape="0">
+              <a:srgbClr val="000000">
+                <a:alpha val="63000"/>
+              </a:srgbClr>
+            </a:outerShdw>
+          </a:effectLst>
+        </a:effectStyle>
+      </a:effectStyleLst>
+      <a:bgFillStyleLst>
+        <a:solidFill>
+          <a:schemeClr val="phClr"/>
+        </a:solidFill>
+        <a:solidFill>
+          <a:schemeClr val="phClr">
+            <a:tint val="95000"/>
+            <a:satMod val="170000"/>
+          </a:schemeClr>
+        </a:solidFill>
+        <a:gradFill rotWithShape="1">
+          <a:gsLst>
+            <a:gs pos="0">
+              <a:schemeClr val="phClr">
+                <a:tint val="93000"/>
+                <a:satMod val="150000"/>
+                <a:shade val="98000"/>
+                <a:lumMod val="102000"/>
+              </a:schemeClr>
+            </a:gs>
+            <a:gs pos="50000">
+              <a:schemeClr val="phClr">
+                <a:tint val="98000"/>
+                <a:satMod val="130000"/>
+                <a:shade val="90000"/>
+                <a:lumMod val="103000"/>
+              </a:schemeClr>
+            </a:gs>
+            <a:gs pos="100000">
+              <a:schemeClr val="phClr">
+                <a:shade val="63000"/>
+                <a:satMod val="120000"/>
+              </a:schemeClr>
+            </a:gs>
+          </a:gsLst>
+          <a:lin ang="5400000" scaled="0"/>
+        </a:gradFill>
+      </a:bgFillStyleLst>
+    </a:fmtScheme>
+  </a:themeElements>
+  <a:objectDefaults/>
+  <a:extraClrSchemeLst/>
+  <a:extLst>
+    <a:ext uri="{05A4C25C-085E-4340-85A3-A5531E510DB2}">
+      <thm15:themeFamily xmlns:thm15="http://schemas.microsoft.com/office/thememl/2012/main" name="Office Theme" id="{62F939B6-93AF-4DB8-9C6B-D6C7DFDC589F}" vid="{4A3C46E8-61CC-4603-A589-7422A47A8E4A}"/>
+    </a:ext>
+  </a:extLst>
+</a:theme>
 </file>
--- a/doc/9주차 ppt.pptx
+++ b/doc/9주차 ppt.pptx
@@ -5,7 +5,7 @@
     <p:sldMasterId id="2147483648" r:id="rId1"/>
   </p:sldMasterIdLst>
   <p:notesMasterIdLst>
-    <p:notesMasterId r:id="rId11"/>
+    <p:notesMasterId r:id="rId12"/>
   </p:notesMasterIdLst>
   <p:sldIdLst>
     <p:sldId id="257" r:id="rId2"/>
@@ -17,6 +17,7 @@
     <p:sldId id="260" r:id="rId8"/>
     <p:sldId id="261" r:id="rId9"/>
     <p:sldId id="267" r:id="rId10"/>
+    <p:sldId id="269" r:id="rId11"/>
   </p:sldIdLst>
   <p:sldSz cx="12192000" cy="6858000"/>
   <p:notesSz cx="6858000" cy="9144000"/>
@@ -7255,6 +7256,148 @@
 </p:sld>
 </file>
 
+<file path=ppt/slides/slide10.xml><?xml version="1.0" encoding="utf-8"?>
+<p:sld xmlns:a="http://schemas.openxmlformats.org/drawingml/2006/main" xmlns:r="http://schemas.openxmlformats.org/officeDocument/2006/relationships" xmlns:p="http://schemas.openxmlformats.org/presentationml/2006/main">
+  <p:cSld>
+    <p:spTree>
+      <p:nvGrpSpPr>
+        <p:cNvPr id="1" name=""/>
+        <p:cNvGrpSpPr/>
+        <p:nvPr/>
+      </p:nvGrpSpPr>
+      <p:grpSpPr>
+        <a:xfrm>
+          <a:off x="0" y="0"/>
+          <a:ext cx="0" cy="0"/>
+          <a:chOff x="0" y="0"/>
+          <a:chExt cx="0" cy="0"/>
+        </a:xfrm>
+      </p:grpSpPr>
+      <p:sp>
+        <p:nvSpPr>
+          <p:cNvPr id="2" name="제목 1"/>
+          <p:cNvSpPr>
+            <a:spLocks noGrp="1"/>
+          </p:cNvSpPr>
+          <p:nvPr>
+            <p:ph type="title"/>
+          </p:nvPr>
+        </p:nvSpPr>
+        <p:spPr/>
+        <p:txBody>
+          <a:bodyPr/>
+          <a:lstStyle/>
+          <a:p>
+            <a:endParaRPr lang="ko-KR" altLang="en-US"/>
+          </a:p>
+        </p:txBody>
+      </p:sp>
+      <p:sp>
+        <p:nvSpPr>
+          <p:cNvPr id="3" name="내용 개체 틀 2"/>
+          <p:cNvSpPr>
+            <a:spLocks noGrp="1"/>
+          </p:cNvSpPr>
+          <p:nvPr>
+            <p:ph idx="1"/>
+          </p:nvPr>
+        </p:nvSpPr>
+        <p:spPr/>
+        <p:txBody>
+          <a:bodyPr/>
+          <a:lstStyle/>
+          <a:p>
+            <a:pPr marL="0" indent="0" algn="ctr">
+              <a:buNone/>
+            </a:pPr>
+            <a:r>
+              <a:rPr lang="en-US" altLang="ko-KR" sz="9600" b="1" dirty="0"/>
+              <a:t>Q&amp;A</a:t>
+            </a:r>
+            <a:endParaRPr lang="ko-KR" altLang="en-US" sz="9600" b="1" dirty="0"/>
+          </a:p>
+          <a:p>
+            <a:pPr marL="0" indent="0">
+              <a:buNone/>
+            </a:pPr>
+            <a:endParaRPr lang="ko-KR" altLang="en-US" dirty="0"/>
+          </a:p>
+        </p:txBody>
+      </p:sp>
+      <p:sp>
+        <p:nvSpPr>
+          <p:cNvPr id="4" name="날짜 개체 틀 3"/>
+          <p:cNvSpPr>
+            <a:spLocks noGrp="1"/>
+          </p:cNvSpPr>
+          <p:nvPr>
+            <p:ph type="dt" sz="half" idx="10"/>
+          </p:nvPr>
+        </p:nvSpPr>
+        <p:spPr/>
+        <p:txBody>
+          <a:bodyPr/>
+          <a:lstStyle/>
+          <a:p>
+            <a:fld id="{9EDBADFC-B48E-4511-B411-AEEB933E80CE}" type="datetime1">
+              <a:rPr lang="ko-KR" altLang="en-US" smtClean="0"/>
+              <a:t>2019-05-07</a:t>
+            </a:fld>
+            <a:endParaRPr lang="ko-KR" altLang="en-US"/>
+          </a:p>
+        </p:txBody>
+      </p:sp>
+      <p:sp>
+        <p:nvSpPr>
+          <p:cNvPr id="5" name="바닥글 개체 틀 4"/>
+          <p:cNvSpPr>
+            <a:spLocks noGrp="1"/>
+          </p:cNvSpPr>
+          <p:nvPr>
+            <p:ph type="ftr" sz="quarter" idx="11"/>
+          </p:nvPr>
+        </p:nvSpPr>
+        <p:spPr/>
+        <p:txBody>
+          <a:bodyPr/>
+          <a:lstStyle/>
+          <a:p>
+            <a:r>
+              <a:rPr lang="en-US" altLang="ko-KR" smtClean="0"/>
+              <a:t>2019-1</a:t>
+            </a:r>
+            <a:r>
+              <a:rPr lang="ko-KR" altLang="en-US" smtClean="0"/>
+              <a:t>학기 산학</a:t>
+            </a:r>
+            <a:r>
+              <a:rPr lang="en-US" altLang="ko-KR" smtClean="0"/>
+              <a:t>Capston Design </a:t>
+            </a:r>
+            <a:endParaRPr lang="ko-KR" altLang="en-US"/>
+          </a:p>
+        </p:txBody>
+      </p:sp>
+    </p:spTree>
+    <p:extLst>
+      <p:ext uri="{BB962C8B-B14F-4D97-AF65-F5344CB8AC3E}">
+        <p14:creationId xmlns:p14="http://schemas.microsoft.com/office/powerpoint/2010/main" val="3335041528"/>
+      </p:ext>
+    </p:extLst>
+  </p:cSld>
+  <p:clrMapOvr>
+    <a:masterClrMapping/>
+  </p:clrMapOvr>
+  <p:timing>
+    <p:tnLst>
+      <p:par>
+        <p:cTn id="1" dur="indefinite" restart="never" nodeType="tmRoot"/>
+      </p:par>
+    </p:tnLst>
+  </p:timing>
+</p:sld>
+</file>
+
 <file path=ppt/slides/slide2.xml><?xml version="1.0" encoding="utf-8"?>
 <p:sld xmlns:a="http://schemas.openxmlformats.org/drawingml/2006/main" xmlns:r="http://schemas.openxmlformats.org/officeDocument/2006/relationships" xmlns:p="http://schemas.openxmlformats.org/presentationml/2006/main">
   <p:cSld>
@@ -7290,7 +7433,7 @@
         </p:nvSpPr>
         <p:spPr>
           <a:xfrm>
-            <a:off x="2209800" y="914737"/>
+            <a:off x="2209800" y="686137"/>
             <a:ext cx="7772400" cy="1012806"/>
           </a:xfrm>
           <a:solidFill>
@@ -7313,8 +7456,16 @@
           <a:p>
             <a:pPr algn="ctr"/>
             <a:r>
+              <a:rPr lang="en-US" altLang="ko-KR" sz="2800" dirty="0" smtClean="0"/>
+              <a:t>9</a:t>
+            </a:r>
+            <a:r>
               <a:rPr lang="ko-KR" altLang="en-US" sz="2800" dirty="0" smtClean="0"/>
-              <a:t>발표 순서</a:t>
+              <a:t>주차 발표 </a:t>
+            </a:r>
+            <a:r>
+              <a:rPr lang="ko-KR" altLang="en-US" sz="2800" dirty="0" smtClean="0"/>
+              <a:t>순서</a:t>
             </a:r>
             <a:endParaRPr lang="ko-KR" altLang="en-US" sz="2800" dirty="0"/>
           </a:p>
@@ -7458,8 +7609,8 @@
         </p:nvSpPr>
         <p:spPr>
           <a:xfrm>
-            <a:off x="838200" y="2365131"/>
-            <a:ext cx="10284069" cy="3811832"/>
+            <a:off x="838200" y="2250831"/>
+            <a:ext cx="10284069" cy="3803040"/>
           </a:xfrm>
         </p:spPr>
         <p:txBody>
@@ -7727,11 +7878,15 @@
             </a:r>
             <a:r>
               <a:rPr lang="en-US" altLang="ko-KR" sz="2400" dirty="0" err="1" smtClean="0"/>
-              <a:t>sqllite</a:t>
+              <a:t>sqlite</a:t>
             </a:r>
             <a:r>
               <a:rPr lang="ko-KR" altLang="en-US" sz="2400" dirty="0" smtClean="0"/>
-              <a:t> 선택</a:t>
+              <a:t> </a:t>
+            </a:r>
+            <a:r>
+              <a:rPr lang="ko-KR" altLang="en-US" sz="2400" dirty="0" smtClean="0"/>
+              <a:t>선택</a:t>
             </a:r>
           </a:p>
         </p:txBody>
@@ -8088,7 +8243,22 @@
                 <a:latin typeface="함초롬바탕" panose="02030504000101010101" pitchFamily="18" charset="-127"/>
                 <a:hlinkClick r:id="rId3"/>
               </a:rPr>
-              <a:t>://play.google.com/store/apps/details?id=com.cubelab.owncloset</a:t>
+              <a:t>://</a:t>
+            </a:r>
+            <a:r>
+              <a:rPr lang="en-US" altLang="ko-KR" sz="1200" u="sng" kern="0" dirty="0" smtClean="0">
+                <a:solidFill>
+                  <a:srgbClr val="0000FF"/>
+                </a:solidFill>
+                <a:uFill>
+                  <a:solidFill>
+                    <a:srgbClr val="0000FF"/>
+                  </a:solidFill>
+                </a:uFill>
+                <a:latin typeface="함초롬바탕" panose="02030504000101010101" pitchFamily="18" charset="-127"/>
+                <a:hlinkClick r:id="rId3"/>
+              </a:rPr>
+              <a:t>play.google.com/store/apps/details?id=com.cubelab.owncloset</a:t>
             </a:r>
             <a:endParaRPr lang="ko-KR" altLang="en-US" sz="1200" kern="0" dirty="0">
               <a:solidFill>
@@ -8868,8 +9038,16 @@
             </a:r>
             <a:r>
               <a:rPr lang="ko-KR" altLang="en-US" sz="2000" dirty="0" smtClean="0"/>
-              <a:t>로 부터의 한단계 진화</a:t>
-            </a:r>
+              <a:t>로 부터의 한단계 </a:t>
+            </a:r>
+            <a:r>
+              <a:rPr lang="ko-KR" altLang="en-US" sz="2000" dirty="0" smtClean="0"/>
+              <a:t>진화</a:t>
+            </a:r>
+            <a:endParaRPr lang="en-US" altLang="ko-KR" sz="2000" dirty="0" smtClean="0"/>
+          </a:p>
+          <a:p>
+            <a:endParaRPr lang="ko-KR" altLang="en-US" sz="2000" dirty="0" smtClean="0"/>
           </a:p>
           <a:p>
             <a:r>
@@ -8890,7 +9068,20 @@
             </a:r>
             <a:r>
               <a:rPr lang="en-US" altLang="ko-KR" sz="2000" dirty="0" smtClean="0"/>
-              <a:t>, </a:t>
+              <a:t>,</a:t>
+            </a:r>
+          </a:p>
+          <a:p>
+            <a:pPr marL="0" indent="0">
+              <a:buNone/>
+            </a:pPr>
+            <a:r>
+              <a:rPr lang="en-US" altLang="ko-KR" sz="2000" dirty="0"/>
+              <a:t> </a:t>
+            </a:r>
+            <a:r>
+              <a:rPr lang="en-US" altLang="ko-KR" sz="2000" dirty="0" smtClean="0"/>
+              <a:t> </a:t>
             </a:r>
             <a:r>
               <a:rPr lang="ko-KR" altLang="en-US" sz="2000" dirty="0" smtClean="0"/>
@@ -8904,6 +9095,10 @@
               <a:rPr lang="ko-KR" altLang="en-US" sz="2000" dirty="0" smtClean="0"/>
               <a:t>함</a:t>
             </a:r>
+            <a:endParaRPr lang="en-US" altLang="ko-KR" sz="2000" dirty="0" smtClean="0"/>
+          </a:p>
+          <a:p>
+            <a:endParaRPr lang="ko-KR" altLang="en-US" sz="2000" dirty="0" smtClean="0"/>
           </a:p>
           <a:p>
             <a:r>
@@ -8944,8 +9139,16 @@
             </a:r>
             <a:r>
               <a:rPr lang="ko-KR" altLang="en-US" sz="2000" dirty="0" smtClean="0"/>
-              <a:t>를 시도</a:t>
-            </a:r>
+              <a:t>를 </a:t>
+            </a:r>
+            <a:r>
+              <a:rPr lang="ko-KR" altLang="en-US" sz="2000" dirty="0" smtClean="0"/>
+              <a:t>시도</a:t>
+            </a:r>
+            <a:endParaRPr lang="en-US" altLang="ko-KR" sz="2000" dirty="0" smtClean="0"/>
+          </a:p>
+          <a:p>
+            <a:endParaRPr lang="ko-KR" altLang="en-US" sz="2000" dirty="0" smtClean="0"/>
           </a:p>
           <a:p>
             <a:r>
@@ -10838,6 +11041,10 @@
               <a:t>향후 개발 목표 </a:t>
             </a:r>
             <a:r>
+              <a:rPr lang="ko-KR" altLang="en-US" sz="4000" dirty="0" smtClean="0"/>
+              <a:t>및 소감</a:t>
+            </a:r>
+            <a:r>
               <a:rPr lang="ko-KR" altLang="en-US" b="1" dirty="0">
                 <a:latin typeface="Microsoft GothicNeo" panose="020B0500000101010101" pitchFamily="34" charset="-127"/>
               </a:rPr>
@@ -10864,8 +11071,8 @@
         </p:nvSpPr>
         <p:spPr>
           <a:xfrm>
-            <a:off x="776654" y="1690688"/>
-            <a:ext cx="10515600" cy="4351338"/>
+            <a:off x="776653" y="1690688"/>
+            <a:ext cx="10697309" cy="4351338"/>
           </a:xfrm>
         </p:spPr>
         <p:txBody>
@@ -10886,14 +11093,100 @@
             </a:r>
             <a:r>
               <a:rPr lang="ko-KR" altLang="en-US" dirty="0"/>
-              <a:t>알고리즘 사용</a:t>
-            </a:r>
+              <a:t>알고리즘 </a:t>
+            </a:r>
+            <a:r>
+              <a:rPr lang="ko-KR" altLang="en-US" dirty="0" smtClean="0"/>
+              <a:t>사용</a:t>
+            </a:r>
+            <a:r>
+              <a:rPr lang="en-US" altLang="ko-KR" dirty="0"/>
+              <a:t> </a:t>
+            </a:r>
+            <a:endParaRPr lang="ko-KR" altLang="en-US" dirty="0"/>
           </a:p>
           <a:p>
             <a:r>
               <a:rPr lang="ko-KR" altLang="en-US" dirty="0"/>
-              <a:t>문제점 해결을 위한 코드 추가</a:t>
-            </a:r>
+              <a:t>문제점 해결을 위한 코드 </a:t>
+            </a:r>
+            <a:r>
+              <a:rPr lang="ko-KR" altLang="en-US" dirty="0" smtClean="0"/>
+              <a:t>추가</a:t>
+            </a:r>
+            <a:endParaRPr lang="en-US" altLang="ko-KR" dirty="0" smtClean="0"/>
+          </a:p>
+          <a:p>
+            <a:pPr marL="0" indent="0">
+              <a:buNone/>
+            </a:pPr>
+            <a:endParaRPr lang="en-US" altLang="ko-KR" dirty="0"/>
+          </a:p>
+          <a:p>
+            <a:r>
+              <a:rPr lang="en-US" altLang="ko-KR" dirty="0" smtClean="0"/>
+              <a:t>9</a:t>
+            </a:r>
+            <a:r>
+              <a:rPr lang="ko-KR" altLang="en-US" dirty="0" smtClean="0"/>
+              <a:t>주차 소감</a:t>
+            </a:r>
+            <a:endParaRPr lang="en-US" altLang="ko-KR" dirty="0" smtClean="0"/>
+          </a:p>
+          <a:p>
+            <a:pPr marL="0" indent="0">
+              <a:buNone/>
+            </a:pPr>
+            <a:r>
+              <a:rPr lang="en-US" altLang="ko-KR" dirty="0" smtClean="0"/>
+              <a:t>:</a:t>
+            </a:r>
+            <a:r>
+              <a:rPr lang="ko-KR" altLang="en-US" sz="2400" dirty="0" smtClean="0"/>
+              <a:t>지금까지 가장 단순한 </a:t>
+            </a:r>
+            <a:r>
+              <a:rPr lang="en-US" altLang="ko-KR" sz="2400" dirty="0" smtClean="0"/>
+              <a:t>item </a:t>
+            </a:r>
+            <a:r>
+              <a:rPr lang="ko-KR" altLang="en-US" sz="2400" dirty="0" smtClean="0"/>
+              <a:t>추천 구현을 해왔고 </a:t>
+            </a:r>
+            <a:r>
+              <a:rPr lang="en-US" altLang="ko-KR" sz="2400" dirty="0" smtClean="0"/>
+              <a:t>9</a:t>
+            </a:r>
+            <a:r>
+              <a:rPr lang="ko-KR" altLang="en-US" sz="2400" dirty="0" smtClean="0"/>
+              <a:t>주차 이후로는 사용자에게 맞춰주는 구현을 할 계획이고</a:t>
+            </a:r>
+            <a:r>
+              <a:rPr lang="en-US" altLang="ko-KR" sz="2400" dirty="0" smtClean="0"/>
+              <a:t>, </a:t>
+            </a:r>
+            <a:r>
+              <a:rPr lang="ko-KR" altLang="en-US" sz="2400" dirty="0" smtClean="0"/>
+              <a:t>생각보다 사용자에게 맞춤 추천이 어렵고 에러도 많이 떠서 적합한 알고리즘을 구현하려는 것으로 목표로 할 것입니다</a:t>
+            </a:r>
+            <a:r>
+              <a:rPr lang="en-US" altLang="ko-KR" sz="2400" dirty="0" smtClean="0"/>
+              <a:t>.</a:t>
+            </a:r>
+            <a:r>
+              <a:rPr lang="ko-KR" altLang="en-US" sz="2400" dirty="0" smtClean="0"/>
+              <a:t> </a:t>
+            </a:r>
+            <a:endParaRPr lang="en-US" altLang="ko-KR" sz="2400" dirty="0" smtClean="0"/>
+          </a:p>
+          <a:p>
+            <a:pPr marL="0" indent="0">
+              <a:buNone/>
+            </a:pPr>
+            <a:endParaRPr lang="en-US" altLang="ko-KR" sz="2400" dirty="0" smtClean="0"/>
+          </a:p>
+          <a:p>
+            <a:endParaRPr lang="en-US" altLang="ko-KR" sz="2400" dirty="0"/>
           </a:p>
         </p:txBody>
       </p:sp>

--- a/doc/9주차 ppt.pptx
+++ b/doc/9주차 ppt.pptx
@@ -7461,11 +7461,7 @@
             </a:r>
             <a:r>
               <a:rPr lang="ko-KR" altLang="en-US" sz="2800" dirty="0" smtClean="0"/>
-              <a:t>주차 발표 </a:t>
-            </a:r>
-            <a:r>
-              <a:rPr lang="ko-KR" altLang="en-US" sz="2800" dirty="0" smtClean="0"/>
-              <a:t>순서</a:t>
+              <a:t>주차 발표 순서</a:t>
             </a:r>
             <a:endParaRPr lang="ko-KR" altLang="en-US" sz="2800" dirty="0"/>
           </a:p>
@@ -7881,13 +7877,14 @@
               <a:t>sqlite</a:t>
             </a:r>
             <a:r>
-              <a:rPr lang="ko-KR" altLang="en-US" sz="2400" dirty="0" smtClean="0"/>
+              <a:rPr lang="ko-KR" altLang="en-US" sz="2400" smtClean="0"/>
               <a:t> </a:t>
             </a:r>
             <a:r>
-              <a:rPr lang="ko-KR" altLang="en-US" sz="2400" dirty="0" smtClean="0"/>
+              <a:rPr lang="ko-KR" altLang="en-US" sz="2400" smtClean="0"/>
               <a:t>선택</a:t>
             </a:r>
+            <a:endParaRPr lang="en-US" altLang="ko-KR" sz="2400" smtClean="0"/>
           </a:p>
         </p:txBody>
       </p:sp>
@@ -9038,11 +9035,7 @@
             </a:r>
             <a:r>
               <a:rPr lang="ko-KR" altLang="en-US" sz="2000" dirty="0" smtClean="0"/>
-              <a:t>로 부터의 한단계 </a:t>
-            </a:r>
-            <a:r>
-              <a:rPr lang="ko-KR" altLang="en-US" sz="2000" dirty="0" smtClean="0"/>
-              <a:t>진화</a:t>
+              <a:t>로 부터의 한단계 진화</a:t>
             </a:r>
             <a:endParaRPr lang="en-US" altLang="ko-KR" sz="2000" dirty="0" smtClean="0"/>
           </a:p>
@@ -9139,11 +9132,7 @@
             </a:r>
             <a:r>
               <a:rPr lang="ko-KR" altLang="en-US" sz="2000" dirty="0" smtClean="0"/>
-              <a:t>를 </a:t>
-            </a:r>
-            <a:r>
-              <a:rPr lang="ko-KR" altLang="en-US" sz="2000" dirty="0" smtClean="0"/>
-              <a:t>시도</a:t>
+              <a:t>를 시도</a:t>
             </a:r>
             <a:endParaRPr lang="en-US" altLang="ko-KR" sz="2000" dirty="0" smtClean="0"/>
           </a:p>

--- a/doc/9주차 ppt.pptx
+++ b/doc/9주차 ppt.pptx
@@ -5,19 +5,21 @@
     <p:sldMasterId id="2147483648" r:id="rId1"/>
   </p:sldMasterIdLst>
   <p:notesMasterIdLst>
-    <p:notesMasterId r:id="rId12"/>
+    <p:notesMasterId r:id="rId14"/>
   </p:notesMasterIdLst>
   <p:sldIdLst>
     <p:sldId id="257" r:id="rId2"/>
     <p:sldId id="258" r:id="rId3"/>
     <p:sldId id="259" r:id="rId4"/>
     <p:sldId id="262" r:id="rId5"/>
-    <p:sldId id="264" r:id="rId6"/>
-    <p:sldId id="268" r:id="rId7"/>
-    <p:sldId id="260" r:id="rId8"/>
-    <p:sldId id="261" r:id="rId9"/>
-    <p:sldId id="267" r:id="rId10"/>
-    <p:sldId id="269" r:id="rId11"/>
+    <p:sldId id="270" r:id="rId6"/>
+    <p:sldId id="264" r:id="rId7"/>
+    <p:sldId id="268" r:id="rId8"/>
+    <p:sldId id="260" r:id="rId9"/>
+    <p:sldId id="261" r:id="rId10"/>
+    <p:sldId id="271" r:id="rId11"/>
+    <p:sldId id="267" r:id="rId12"/>
+    <p:sldId id="269" r:id="rId13"/>
   </p:sldIdLst>
   <p:sldSz cx="12192000" cy="6858000"/>
   <p:notesSz cx="6858000" cy="9144000"/>
@@ -7288,6 +7290,734 @@
           <a:bodyPr/>
           <a:lstStyle/>
           <a:p>
+            <a:r>
+              <a:rPr lang="en-US" altLang="ko-KR" dirty="0"/>
+              <a:t>surprise </a:t>
+            </a:r>
+            <a:r>
+              <a:rPr lang="ko-KR" altLang="en-US" dirty="0"/>
+              <a:t>패키지의 </a:t>
+            </a:r>
+            <a:r>
+              <a:rPr lang="en-US" altLang="ko-KR" dirty="0"/>
+              <a:t>SVD </a:t>
+            </a:r>
+            <a:r>
+              <a:rPr lang="ko-KR" altLang="en-US" dirty="0"/>
+              <a:t>알고리즘</a:t>
+            </a:r>
+          </a:p>
+        </p:txBody>
+      </p:sp>
+      <p:sp>
+        <p:nvSpPr>
+          <p:cNvPr id="3" name="내용 개체 틀 2"/>
+          <p:cNvSpPr>
+            <a:spLocks noGrp="1"/>
+          </p:cNvSpPr>
+          <p:nvPr>
+            <p:ph idx="1"/>
+          </p:nvPr>
+        </p:nvSpPr>
+        <p:spPr>
+          <a:xfrm>
+            <a:off x="838200" y="1573823"/>
+            <a:ext cx="10515600" cy="4603140"/>
+          </a:xfrm>
+        </p:spPr>
+        <p:txBody>
+          <a:bodyPr>
+            <a:normAutofit lnSpcReduction="10000"/>
+          </a:bodyPr>
+          <a:lstStyle/>
+          <a:p>
+            <a:pPr marL="0" indent="0" algn="ctr">
+              <a:buNone/>
+            </a:pPr>
+            <a:r>
+              <a:rPr lang="ko-KR" altLang="en-US" sz="1600" dirty="0" smtClean="0"/>
+              <a:t>코디 데이터를 기반으로</a:t>
+            </a:r>
+            <a:endParaRPr lang="en-US" altLang="ko-KR" sz="1600" dirty="0" smtClean="0"/>
+          </a:p>
+          <a:p>
+            <a:pPr marL="0" indent="0" algn="ctr">
+              <a:buNone/>
+            </a:pPr>
+            <a:r>
+              <a:rPr lang="ko-KR" altLang="en-US" sz="2600" b="1" dirty="0" err="1" smtClean="0"/>
+              <a:t>코디이미지</a:t>
+            </a:r>
+            <a:r>
+              <a:rPr lang="en-US" altLang="ko-KR" sz="2600" b="1" dirty="0" smtClean="0"/>
+              <a:t> </a:t>
+            </a:r>
+            <a:r>
+              <a:rPr lang="ko-KR" altLang="en-US" sz="2600" b="1" dirty="0"/>
+              <a:t>데이터 </a:t>
+            </a:r>
+            <a:r>
+              <a:rPr lang="ko-KR" altLang="en-US" sz="2600" b="1" dirty="0" smtClean="0"/>
+              <a:t>로드</a:t>
+            </a:r>
+            <a:endParaRPr lang="en-US" altLang="ko-KR" sz="2600" b="1" dirty="0" smtClean="0"/>
+          </a:p>
+          <a:p>
+            <a:pPr marL="0" indent="0" algn="ctr">
+              <a:buNone/>
+            </a:pPr>
+            <a:endParaRPr lang="ko-KR" altLang="en-US" sz="2600" b="1" dirty="0"/>
+          </a:p>
+          <a:p>
+            <a:pPr marL="0" indent="0" algn="ctr">
+              <a:buNone/>
+            </a:pPr>
+            <a:r>
+              <a:rPr lang="ko-KR" altLang="en-US" sz="2600" b="1" dirty="0" smtClean="0"/>
+              <a:t>트레이닝 </a:t>
+            </a:r>
+            <a:r>
+              <a:rPr lang="en-US" altLang="ko-KR" sz="2600" b="1" dirty="0"/>
+              <a:t>+ </a:t>
+            </a:r>
+            <a:r>
+              <a:rPr lang="ko-KR" altLang="en-US" sz="2600" b="1" dirty="0"/>
+              <a:t>모델 </a:t>
+            </a:r>
+            <a:r>
+              <a:rPr lang="ko-KR" altLang="en-US" sz="2600" b="1" dirty="0" smtClean="0"/>
+              <a:t>저장</a:t>
+            </a:r>
+            <a:endParaRPr lang="en-US" altLang="ko-KR" sz="2600" b="1" dirty="0" smtClean="0"/>
+          </a:p>
+          <a:p>
+            <a:pPr marL="0" indent="0" algn="ctr">
+              <a:buNone/>
+            </a:pPr>
+            <a:endParaRPr lang="ko-KR" altLang="en-US" sz="2600" b="1" dirty="0"/>
+          </a:p>
+          <a:p>
+            <a:pPr marL="0" indent="0" algn="ctr">
+              <a:buNone/>
+            </a:pPr>
+            <a:r>
+              <a:rPr lang="ko-KR" altLang="en-US" sz="2600" b="1" dirty="0" smtClean="0"/>
+              <a:t>정확도 계산</a:t>
+            </a:r>
+            <a:endParaRPr lang="en-US" altLang="ko-KR" sz="2600" b="1" dirty="0" smtClean="0"/>
+          </a:p>
+          <a:p>
+            <a:pPr marL="0" indent="0" algn="ctr">
+              <a:buNone/>
+            </a:pPr>
+            <a:endParaRPr lang="ko-KR" altLang="en-US" sz="2600" b="1" dirty="0"/>
+          </a:p>
+          <a:p>
+            <a:pPr marL="0" indent="0" algn="ctr">
+              <a:buNone/>
+            </a:pPr>
+            <a:r>
+              <a:rPr lang="ko-KR" altLang="en-US" sz="2600" b="1" dirty="0" smtClean="0"/>
+              <a:t>모델 </a:t>
+            </a:r>
+            <a:r>
+              <a:rPr lang="ko-KR" altLang="en-US" sz="2600" b="1" dirty="0"/>
+              <a:t>최적화 </a:t>
+            </a:r>
+            <a:endParaRPr lang="en-US" altLang="ko-KR" sz="2600" b="1" dirty="0" smtClean="0"/>
+          </a:p>
+          <a:p>
+            <a:pPr marL="0" indent="0" algn="ctr">
+              <a:buNone/>
+            </a:pPr>
+            <a:endParaRPr lang="en-US" altLang="ko-KR" sz="2600" b="1" dirty="0"/>
+          </a:p>
+          <a:p>
+            <a:pPr marL="0" indent="0" algn="ctr">
+              <a:buNone/>
+            </a:pPr>
+            <a:r>
+              <a:rPr lang="ko-KR" altLang="en-US" sz="2600" b="1" dirty="0" err="1" smtClean="0"/>
+              <a:t>사용자별</a:t>
+            </a:r>
+            <a:r>
+              <a:rPr lang="ko-KR" altLang="en-US" sz="2600" b="1" dirty="0" smtClean="0"/>
+              <a:t> 코디 추천</a:t>
+            </a:r>
+            <a:endParaRPr lang="ko-KR" altLang="en-US" sz="2600" b="1" dirty="0"/>
+          </a:p>
+          <a:p>
+            <a:pPr marL="0" indent="0">
+              <a:buNone/>
+            </a:pPr>
+            <a:endParaRPr lang="ko-KR" altLang="en-US" dirty="0"/>
+          </a:p>
+          <a:p>
+            <a:pPr marL="0" indent="0">
+              <a:buNone/>
+            </a:pPr>
+            <a:endParaRPr lang="ko-KR" altLang="en-US" dirty="0"/>
+          </a:p>
+        </p:txBody>
+      </p:sp>
+      <p:sp>
+        <p:nvSpPr>
+          <p:cNvPr id="4" name="날짜 개체 틀 3"/>
+          <p:cNvSpPr>
+            <a:spLocks noGrp="1"/>
+          </p:cNvSpPr>
+          <p:nvPr>
+            <p:ph type="dt" sz="half" idx="10"/>
+          </p:nvPr>
+        </p:nvSpPr>
+        <p:spPr/>
+        <p:txBody>
+          <a:bodyPr/>
+          <a:lstStyle/>
+          <a:p>
+            <a:fld id="{9EDBADFC-B48E-4511-B411-AEEB933E80CE}" type="datetime1">
+              <a:rPr lang="ko-KR" altLang="en-US" smtClean="0"/>
+              <a:t>2019-05-07</a:t>
+            </a:fld>
+            <a:endParaRPr lang="ko-KR" altLang="en-US"/>
+          </a:p>
+        </p:txBody>
+      </p:sp>
+      <p:sp>
+        <p:nvSpPr>
+          <p:cNvPr id="5" name="바닥글 개체 틀 4"/>
+          <p:cNvSpPr>
+            <a:spLocks noGrp="1"/>
+          </p:cNvSpPr>
+          <p:nvPr>
+            <p:ph type="ftr" sz="quarter" idx="11"/>
+          </p:nvPr>
+        </p:nvSpPr>
+        <p:spPr/>
+        <p:txBody>
+          <a:bodyPr/>
+          <a:lstStyle/>
+          <a:p>
+            <a:r>
+              <a:rPr lang="en-US" altLang="ko-KR" smtClean="0"/>
+              <a:t>2019-1</a:t>
+            </a:r>
+            <a:r>
+              <a:rPr lang="ko-KR" altLang="en-US" smtClean="0"/>
+              <a:t>학기 산학</a:t>
+            </a:r>
+            <a:r>
+              <a:rPr lang="en-US" altLang="ko-KR" smtClean="0"/>
+              <a:t>Capston Design </a:t>
+            </a:r>
+            <a:endParaRPr lang="ko-KR" altLang="en-US"/>
+          </a:p>
+        </p:txBody>
+      </p:sp>
+      <p:sp>
+        <p:nvSpPr>
+          <p:cNvPr id="7" name="아래쪽 화살표 6"/>
+          <p:cNvSpPr/>
+          <p:nvPr/>
+        </p:nvSpPr>
+        <p:spPr>
+          <a:xfrm>
+            <a:off x="5804452" y="4909974"/>
+            <a:ext cx="583096" cy="424069"/>
+          </a:xfrm>
+          <a:prstGeom prst="downArrow">
+            <a:avLst/>
+          </a:prstGeom>
+          <a:solidFill>
+            <a:srgbClr val="C00000"/>
+          </a:solidFill>
+          <a:ln>
+            <a:noFill/>
+          </a:ln>
+        </p:spPr>
+        <p:style>
+          <a:lnRef idx="2">
+            <a:schemeClr val="accent1">
+              <a:shade val="50000"/>
+            </a:schemeClr>
+          </a:lnRef>
+          <a:fillRef idx="1">
+            <a:schemeClr val="accent1"/>
+          </a:fillRef>
+          <a:effectRef idx="0">
+            <a:schemeClr val="accent1"/>
+          </a:effectRef>
+          <a:fontRef idx="minor">
+            <a:schemeClr val="lt1"/>
+          </a:fontRef>
+        </p:style>
+        <p:txBody>
+          <a:bodyPr rtlCol="0" anchor="ctr"/>
+          <a:lstStyle/>
+          <a:p>
+            <a:pPr algn="ctr"/>
+            <a:endParaRPr lang="ko-KR" altLang="en-US" dirty="0">
+              <a:latin typeface="Microsoft GothicNeo" panose="020B0503020000020004" pitchFamily="34" charset="-127"/>
+            </a:endParaRPr>
+          </a:p>
+        </p:txBody>
+      </p:sp>
+      <p:sp>
+        <p:nvSpPr>
+          <p:cNvPr id="8" name="아래쪽 화살표 7"/>
+          <p:cNvSpPr/>
+          <p:nvPr/>
+        </p:nvSpPr>
+        <p:spPr>
+          <a:xfrm>
+            <a:off x="5804452" y="3088296"/>
+            <a:ext cx="583096" cy="424069"/>
+          </a:xfrm>
+          <a:prstGeom prst="downArrow">
+            <a:avLst/>
+          </a:prstGeom>
+          <a:solidFill>
+            <a:srgbClr val="C00000"/>
+          </a:solidFill>
+          <a:ln>
+            <a:noFill/>
+          </a:ln>
+        </p:spPr>
+        <p:style>
+          <a:lnRef idx="2">
+            <a:schemeClr val="accent1">
+              <a:shade val="50000"/>
+            </a:schemeClr>
+          </a:lnRef>
+          <a:fillRef idx="1">
+            <a:schemeClr val="accent1"/>
+          </a:fillRef>
+          <a:effectRef idx="0">
+            <a:schemeClr val="accent1"/>
+          </a:effectRef>
+          <a:fontRef idx="minor">
+            <a:schemeClr val="lt1"/>
+          </a:fontRef>
+        </p:style>
+        <p:txBody>
+          <a:bodyPr rtlCol="0" anchor="ctr"/>
+          <a:lstStyle/>
+          <a:p>
+            <a:pPr algn="ctr"/>
+            <a:endParaRPr lang="ko-KR" altLang="en-US" dirty="0">
+              <a:latin typeface="Microsoft GothicNeo" panose="020B0503020000020004" pitchFamily="34" charset="-127"/>
+            </a:endParaRPr>
+          </a:p>
+        </p:txBody>
+      </p:sp>
+      <p:sp>
+        <p:nvSpPr>
+          <p:cNvPr id="9" name="아래쪽 화살표 8"/>
+          <p:cNvSpPr/>
+          <p:nvPr/>
+        </p:nvSpPr>
+        <p:spPr>
+          <a:xfrm>
+            <a:off x="5804452" y="4001700"/>
+            <a:ext cx="583096" cy="424069"/>
+          </a:xfrm>
+          <a:prstGeom prst="downArrow">
+            <a:avLst/>
+          </a:prstGeom>
+          <a:solidFill>
+            <a:srgbClr val="C00000"/>
+          </a:solidFill>
+          <a:ln>
+            <a:noFill/>
+          </a:ln>
+        </p:spPr>
+        <p:style>
+          <a:lnRef idx="2">
+            <a:schemeClr val="accent1">
+              <a:shade val="50000"/>
+            </a:schemeClr>
+          </a:lnRef>
+          <a:fillRef idx="1">
+            <a:schemeClr val="accent1"/>
+          </a:fillRef>
+          <a:effectRef idx="0">
+            <a:schemeClr val="accent1"/>
+          </a:effectRef>
+          <a:fontRef idx="minor">
+            <a:schemeClr val="lt1"/>
+          </a:fontRef>
+        </p:style>
+        <p:txBody>
+          <a:bodyPr rtlCol="0" anchor="ctr"/>
+          <a:lstStyle/>
+          <a:p>
+            <a:pPr algn="ctr"/>
+            <a:endParaRPr lang="ko-KR" altLang="en-US" dirty="0">
+              <a:latin typeface="Microsoft GothicNeo" panose="020B0503020000020004" pitchFamily="34" charset="-127"/>
+            </a:endParaRPr>
+          </a:p>
+        </p:txBody>
+      </p:sp>
+      <p:sp>
+        <p:nvSpPr>
+          <p:cNvPr id="10" name="아래쪽 화살표 9"/>
+          <p:cNvSpPr/>
+          <p:nvPr/>
+        </p:nvSpPr>
+        <p:spPr>
+          <a:xfrm>
+            <a:off x="5804452" y="2252494"/>
+            <a:ext cx="583096" cy="424069"/>
+          </a:xfrm>
+          <a:prstGeom prst="downArrow">
+            <a:avLst/>
+          </a:prstGeom>
+          <a:solidFill>
+            <a:srgbClr val="C00000"/>
+          </a:solidFill>
+          <a:ln>
+            <a:noFill/>
+          </a:ln>
+        </p:spPr>
+        <p:style>
+          <a:lnRef idx="2">
+            <a:schemeClr val="accent1">
+              <a:shade val="50000"/>
+            </a:schemeClr>
+          </a:lnRef>
+          <a:fillRef idx="1">
+            <a:schemeClr val="accent1"/>
+          </a:fillRef>
+          <a:effectRef idx="0">
+            <a:schemeClr val="accent1"/>
+          </a:effectRef>
+          <a:fontRef idx="minor">
+            <a:schemeClr val="lt1"/>
+          </a:fontRef>
+        </p:style>
+        <p:txBody>
+          <a:bodyPr rtlCol="0" anchor="ctr"/>
+          <a:lstStyle/>
+          <a:p>
+            <a:pPr algn="ctr"/>
+            <a:endParaRPr lang="ko-KR" altLang="en-US" dirty="0">
+              <a:latin typeface="Microsoft GothicNeo" panose="020B0503020000020004" pitchFamily="34" charset="-127"/>
+            </a:endParaRPr>
+          </a:p>
+        </p:txBody>
+      </p:sp>
+    </p:spTree>
+    <p:extLst>
+      <p:ext uri="{BB962C8B-B14F-4D97-AF65-F5344CB8AC3E}">
+        <p14:creationId xmlns:p14="http://schemas.microsoft.com/office/powerpoint/2010/main" val="411733177"/>
+      </p:ext>
+    </p:extLst>
+  </p:cSld>
+  <p:clrMapOvr>
+    <a:masterClrMapping/>
+  </p:clrMapOvr>
+  <p:timing>
+    <p:tnLst>
+      <p:par>
+        <p:cTn id="1" dur="indefinite" restart="never" nodeType="tmRoot"/>
+      </p:par>
+    </p:tnLst>
+  </p:timing>
+</p:sld>
+</file>
+
+<file path=ppt/slides/slide11.xml><?xml version="1.0" encoding="utf-8"?>
+<p:sld xmlns:a="http://schemas.openxmlformats.org/drawingml/2006/main" xmlns:r="http://schemas.openxmlformats.org/officeDocument/2006/relationships" xmlns:p="http://schemas.openxmlformats.org/presentationml/2006/main">
+  <p:cSld>
+    <p:spTree>
+      <p:nvGrpSpPr>
+        <p:cNvPr id="1" name=""/>
+        <p:cNvGrpSpPr/>
+        <p:nvPr/>
+      </p:nvGrpSpPr>
+      <p:grpSpPr>
+        <a:xfrm>
+          <a:off x="0" y="0"/>
+          <a:ext cx="0" cy="0"/>
+          <a:chOff x="0" y="0"/>
+          <a:chExt cx="0" cy="0"/>
+        </a:xfrm>
+      </p:grpSpPr>
+      <p:sp>
+        <p:nvSpPr>
+          <p:cNvPr id="2" name="제목 1"/>
+          <p:cNvSpPr>
+            <a:spLocks noGrp="1"/>
+          </p:cNvSpPr>
+          <p:nvPr>
+            <p:ph type="title"/>
+          </p:nvPr>
+        </p:nvSpPr>
+        <p:spPr/>
+        <p:txBody>
+          <a:bodyPr/>
+          <a:lstStyle/>
+          <a:p>
+            <a:r>
+              <a:rPr lang="ko-KR" altLang="en-US" sz="4000" dirty="0"/>
+              <a:t>향후 개발 목표 </a:t>
+            </a:r>
+            <a:r>
+              <a:rPr lang="ko-KR" altLang="en-US" sz="4000" dirty="0" smtClean="0"/>
+              <a:t>및 소감</a:t>
+            </a:r>
+            <a:r>
+              <a:rPr lang="ko-KR" altLang="en-US" b="1" dirty="0">
+                <a:latin typeface="Microsoft GothicNeo" panose="020B0500000101010101" pitchFamily="34" charset="-127"/>
+              </a:rPr>
+              <a:t/>
+            </a:r>
+            <a:br>
+              <a:rPr lang="ko-KR" altLang="en-US" b="1" dirty="0">
+                <a:latin typeface="Microsoft GothicNeo" panose="020B0500000101010101" pitchFamily="34" charset="-127"/>
+              </a:rPr>
+            </a:br>
+            <a:endParaRPr lang="ko-KR" altLang="en-US" dirty="0"/>
+          </a:p>
+        </p:txBody>
+      </p:sp>
+      <p:sp>
+        <p:nvSpPr>
+          <p:cNvPr id="3" name="내용 개체 틀 2"/>
+          <p:cNvSpPr>
+            <a:spLocks noGrp="1"/>
+          </p:cNvSpPr>
+          <p:nvPr>
+            <p:ph idx="1"/>
+          </p:nvPr>
+        </p:nvSpPr>
+        <p:spPr>
+          <a:xfrm>
+            <a:off x="776653" y="1690688"/>
+            <a:ext cx="10697309" cy="4351338"/>
+          </a:xfrm>
+        </p:spPr>
+        <p:txBody>
+          <a:bodyPr/>
+          <a:lstStyle/>
+          <a:p>
+            <a:r>
+              <a:rPr lang="en-US" altLang="ko-KR" dirty="0"/>
+              <a:t>SURPRISE </a:t>
+            </a:r>
+            <a:r>
+              <a:rPr lang="ko-KR" altLang="en-US" dirty="0"/>
+              <a:t>패키지의 </a:t>
+            </a:r>
+            <a:r>
+              <a:rPr lang="en-US" altLang="ko-KR" dirty="0"/>
+              <a:t>SVD </a:t>
+            </a:r>
+            <a:r>
+              <a:rPr lang="ko-KR" altLang="en-US" dirty="0"/>
+              <a:t>알고리즘 </a:t>
+            </a:r>
+            <a:r>
+              <a:rPr lang="ko-KR" altLang="en-US" dirty="0" smtClean="0"/>
+              <a:t>사용</a:t>
+            </a:r>
+            <a:r>
+              <a:rPr lang="en-US" altLang="ko-KR" dirty="0"/>
+              <a:t> </a:t>
+            </a:r>
+            <a:endParaRPr lang="ko-KR" altLang="en-US" dirty="0"/>
+          </a:p>
+          <a:p>
+            <a:r>
+              <a:rPr lang="ko-KR" altLang="en-US" dirty="0"/>
+              <a:t>문제점 해결을 위한 코드 </a:t>
+            </a:r>
+            <a:r>
+              <a:rPr lang="ko-KR" altLang="en-US" dirty="0" smtClean="0"/>
+              <a:t>추가</a:t>
+            </a:r>
+            <a:endParaRPr lang="en-US" altLang="ko-KR" dirty="0" smtClean="0"/>
+          </a:p>
+          <a:p>
+            <a:pPr marL="0" indent="0">
+              <a:buNone/>
+            </a:pPr>
+            <a:endParaRPr lang="en-US" altLang="ko-KR" dirty="0"/>
+          </a:p>
+          <a:p>
+            <a:r>
+              <a:rPr lang="en-US" altLang="ko-KR" dirty="0" smtClean="0"/>
+              <a:t>9</a:t>
+            </a:r>
+            <a:r>
+              <a:rPr lang="ko-KR" altLang="en-US" dirty="0" smtClean="0"/>
+              <a:t>주차 소감</a:t>
+            </a:r>
+            <a:endParaRPr lang="en-US" altLang="ko-KR" dirty="0" smtClean="0"/>
+          </a:p>
+          <a:p>
+            <a:pPr marL="0" indent="0">
+              <a:buNone/>
+            </a:pPr>
+            <a:r>
+              <a:rPr lang="en-US" altLang="ko-KR" dirty="0" smtClean="0"/>
+              <a:t>:</a:t>
+            </a:r>
+            <a:r>
+              <a:rPr lang="ko-KR" altLang="en-US" sz="2400" dirty="0" smtClean="0"/>
+              <a:t>지금까지 가장 단순한 </a:t>
+            </a:r>
+            <a:r>
+              <a:rPr lang="en-US" altLang="ko-KR" sz="2400" dirty="0" smtClean="0"/>
+              <a:t>item </a:t>
+            </a:r>
+            <a:r>
+              <a:rPr lang="ko-KR" altLang="en-US" sz="2400" dirty="0" smtClean="0"/>
+              <a:t>추천 구현을 해왔고 </a:t>
+            </a:r>
+            <a:r>
+              <a:rPr lang="en-US" altLang="ko-KR" sz="2400" dirty="0" smtClean="0"/>
+              <a:t>9</a:t>
+            </a:r>
+            <a:r>
+              <a:rPr lang="ko-KR" altLang="en-US" sz="2400" dirty="0" smtClean="0"/>
+              <a:t>주차 이후로는 사용자에게 맞춰주는 구현을 할 계획이고</a:t>
+            </a:r>
+            <a:r>
+              <a:rPr lang="en-US" altLang="ko-KR" sz="2400" dirty="0" smtClean="0"/>
+              <a:t>, </a:t>
+            </a:r>
+            <a:r>
+              <a:rPr lang="ko-KR" altLang="en-US" sz="2400" dirty="0" smtClean="0"/>
+              <a:t>생각보다 사용자에게 맞춤 추천이 어렵고 에러도 많이 떠서 적합한 알고리즘을 구현하려는 것으로 목표로 할 것입니다</a:t>
+            </a:r>
+            <a:r>
+              <a:rPr lang="en-US" altLang="ko-KR" sz="2400" dirty="0" smtClean="0"/>
+              <a:t>.</a:t>
+            </a:r>
+            <a:r>
+              <a:rPr lang="ko-KR" altLang="en-US" sz="2400" dirty="0" smtClean="0"/>
+              <a:t> </a:t>
+            </a:r>
+            <a:endParaRPr lang="en-US" altLang="ko-KR" sz="2400" dirty="0" smtClean="0"/>
+          </a:p>
+          <a:p>
+            <a:pPr marL="0" indent="0">
+              <a:buNone/>
+            </a:pPr>
+            <a:endParaRPr lang="en-US" altLang="ko-KR" sz="2400" dirty="0" smtClean="0"/>
+          </a:p>
+          <a:p>
+            <a:endParaRPr lang="en-US" altLang="ko-KR" sz="2400" dirty="0"/>
+          </a:p>
+        </p:txBody>
+      </p:sp>
+      <p:sp>
+        <p:nvSpPr>
+          <p:cNvPr id="4" name="날짜 개체 틀 3"/>
+          <p:cNvSpPr>
+            <a:spLocks noGrp="1"/>
+          </p:cNvSpPr>
+          <p:nvPr>
+            <p:ph type="dt" sz="half" idx="10"/>
+          </p:nvPr>
+        </p:nvSpPr>
+        <p:spPr/>
+        <p:txBody>
+          <a:bodyPr/>
+          <a:lstStyle/>
+          <a:p>
+            <a:fld id="{1BB7B2F3-4266-41AB-AD7B-A6E69253B81B}" type="datetime1">
+              <a:rPr lang="ko-KR" altLang="en-US" smtClean="0"/>
+              <a:t>2019-05-07</a:t>
+            </a:fld>
+            <a:endParaRPr lang="ko-KR" altLang="en-US"/>
+          </a:p>
+        </p:txBody>
+      </p:sp>
+      <p:sp>
+        <p:nvSpPr>
+          <p:cNvPr id="5" name="바닥글 개체 틀 4"/>
+          <p:cNvSpPr>
+            <a:spLocks noGrp="1"/>
+          </p:cNvSpPr>
+          <p:nvPr>
+            <p:ph type="ftr" sz="quarter" idx="11"/>
+          </p:nvPr>
+        </p:nvSpPr>
+        <p:spPr/>
+        <p:txBody>
+          <a:bodyPr/>
+          <a:lstStyle/>
+          <a:p>
+            <a:r>
+              <a:rPr lang="en-US" altLang="ko-KR" smtClean="0"/>
+              <a:t>2019-1</a:t>
+            </a:r>
+            <a:r>
+              <a:rPr lang="ko-KR" altLang="en-US" smtClean="0"/>
+              <a:t>학기 산학</a:t>
+            </a:r>
+            <a:r>
+              <a:rPr lang="en-US" altLang="ko-KR" smtClean="0"/>
+              <a:t>Capston Design </a:t>
+            </a:r>
+            <a:endParaRPr lang="ko-KR" altLang="en-US"/>
+          </a:p>
+        </p:txBody>
+      </p:sp>
+    </p:spTree>
+    <p:extLst>
+      <p:ext uri="{BB962C8B-B14F-4D97-AF65-F5344CB8AC3E}">
+        <p14:creationId xmlns:p14="http://schemas.microsoft.com/office/powerpoint/2010/main" val="3976008818"/>
+      </p:ext>
+    </p:extLst>
+  </p:cSld>
+  <p:clrMapOvr>
+    <a:masterClrMapping/>
+  </p:clrMapOvr>
+  <p:timing>
+    <p:tnLst>
+      <p:par>
+        <p:cTn id="1" dur="indefinite" restart="never" nodeType="tmRoot"/>
+      </p:par>
+    </p:tnLst>
+  </p:timing>
+</p:sld>
+</file>
+
+<file path=ppt/slides/slide12.xml><?xml version="1.0" encoding="utf-8"?>
+<p:sld xmlns:a="http://schemas.openxmlformats.org/drawingml/2006/main" xmlns:r="http://schemas.openxmlformats.org/officeDocument/2006/relationships" xmlns:p="http://schemas.openxmlformats.org/presentationml/2006/main">
+  <p:cSld>
+    <p:spTree>
+      <p:nvGrpSpPr>
+        <p:cNvPr id="1" name=""/>
+        <p:cNvGrpSpPr/>
+        <p:nvPr/>
+      </p:nvGrpSpPr>
+      <p:grpSpPr>
+        <a:xfrm>
+          <a:off x="0" y="0"/>
+          <a:ext cx="0" cy="0"/>
+          <a:chOff x="0" y="0"/>
+          <a:chExt cx="0" cy="0"/>
+        </a:xfrm>
+      </p:grpSpPr>
+      <p:sp>
+        <p:nvSpPr>
+          <p:cNvPr id="2" name="제목 1"/>
+          <p:cNvSpPr>
+            <a:spLocks noGrp="1"/>
+          </p:cNvSpPr>
+          <p:nvPr>
+            <p:ph type="title"/>
+          </p:nvPr>
+        </p:nvSpPr>
+        <p:spPr/>
+        <p:txBody>
+          <a:bodyPr/>
+          <a:lstStyle/>
+          <a:p>
             <a:endParaRPr lang="ko-KR" altLang="en-US"/>
           </a:p>
         </p:txBody>
@@ -7878,11 +8608,7 @@
             </a:r>
             <a:r>
               <a:rPr lang="ko-KR" altLang="en-US" sz="2400" smtClean="0"/>
-              <a:t> </a:t>
-            </a:r>
-            <a:r>
-              <a:rPr lang="ko-KR" altLang="en-US" sz="2400" smtClean="0"/>
-              <a:t>선택</a:t>
+              <a:t> 선택</a:t>
             </a:r>
             <a:endParaRPr lang="en-US" altLang="ko-KR" sz="2400" smtClean="0"/>
           </a:p>
@@ -8038,6 +8764,767 @@
           </a:p>
         </p:txBody>
       </p:sp>
+      <p:pic>
+        <p:nvPicPr>
+          <p:cNvPr id="1040" name="_x47605400" descr="EMB000018d80ac1"/>
+          <p:cNvPicPr>
+            <a:picLocks noChangeAspect="1" noChangeArrowheads="1"/>
+          </p:cNvPicPr>
+          <p:nvPr/>
+        </p:nvPicPr>
+        <p:blipFill>
+          <a:blip r:embed="rId2" cstate="print">
+            <a:extLst>
+              <a:ext uri="{28A0092B-C50C-407E-A947-70E740481C1C}">
+                <a14:useLocalDpi xmlns:a14="http://schemas.microsoft.com/office/drawing/2010/main" val="0"/>
+              </a:ext>
+            </a:extLst>
+          </a:blip>
+          <a:srcRect/>
+          <a:stretch>
+            <a:fillRect/>
+          </a:stretch>
+        </p:blipFill>
+        <p:spPr bwMode="auto">
+          <a:xfrm>
+            <a:off x="838201" y="1541929"/>
+            <a:ext cx="1171654" cy="1084546"/>
+          </a:xfrm>
+          <a:prstGeom prst="rect">
+            <a:avLst/>
+          </a:prstGeom>
+          <a:noFill/>
+          <a:extLst>
+            <a:ext uri="{909E8E84-426E-40DD-AFC4-6F175D3DCCD1}">
+              <a14:hiddenFill xmlns:a14="http://schemas.microsoft.com/office/drawing/2010/main">
+                <a:solidFill>
+                  <a:srgbClr val="FFFFFF"/>
+                </a:solidFill>
+              </a14:hiddenFill>
+            </a:ext>
+          </a:extLst>
+        </p:spPr>
+      </p:pic>
+      <p:sp>
+        <p:nvSpPr>
+          <p:cNvPr id="15" name="직사각형 14"/>
+          <p:cNvSpPr/>
+          <p:nvPr/>
+        </p:nvSpPr>
+        <p:spPr>
+          <a:xfrm>
+            <a:off x="638010" y="2650388"/>
+            <a:ext cx="1234751" cy="1009764"/>
+          </a:xfrm>
+          <a:prstGeom prst="rect">
+            <a:avLst/>
+          </a:prstGeom>
+        </p:spPr>
+        <p:txBody>
+          <a:bodyPr wrap="square">
+            <a:spAutoFit/>
+          </a:bodyPr>
+          <a:lstStyle/>
+          <a:p>
+            <a:pPr algn="just" fontAlgn="base">
+              <a:lnSpc>
+                <a:spcPct val="160000"/>
+              </a:lnSpc>
+            </a:pPr>
+            <a:r>
+              <a:rPr lang="ko-KR" altLang="en-US" sz="1400" kern="0" dirty="0" err="1" smtClean="0">
+                <a:solidFill>
+                  <a:srgbClr val="000000"/>
+                </a:solidFill>
+                <a:ea typeface="함초롬바탕" panose="02030504000101010101" pitchFamily="18" charset="-127"/>
+              </a:rPr>
+              <a:t>어플명</a:t>
+            </a:r>
+            <a:r>
+              <a:rPr lang="en-US" altLang="ko-KR" sz="2000" kern="0" dirty="0" smtClean="0">
+                <a:solidFill>
+                  <a:srgbClr val="000000"/>
+                </a:solidFill>
+                <a:ea typeface="함초롬바탕" panose="02030504000101010101" pitchFamily="18" charset="-127"/>
+              </a:rPr>
+              <a:t>:</a:t>
+            </a:r>
+            <a:r>
+              <a:rPr lang="ko-KR" altLang="en-US" sz="2000" kern="0" dirty="0" smtClean="0">
+                <a:solidFill>
+                  <a:srgbClr val="000000"/>
+                </a:solidFill>
+                <a:ea typeface="함초롬바탕" panose="02030504000101010101" pitchFamily="18" charset="-127"/>
+              </a:rPr>
+              <a:t> </a:t>
+            </a:r>
+            <a:endParaRPr lang="en-US" altLang="ko-KR" sz="2000" kern="0" dirty="0" smtClean="0">
+              <a:solidFill>
+                <a:srgbClr val="000000"/>
+              </a:solidFill>
+              <a:ea typeface="함초롬바탕" panose="02030504000101010101" pitchFamily="18" charset="-127"/>
+            </a:endParaRPr>
+          </a:p>
+          <a:p>
+            <a:pPr algn="just" fontAlgn="base">
+              <a:lnSpc>
+                <a:spcPct val="160000"/>
+              </a:lnSpc>
+            </a:pPr>
+            <a:r>
+              <a:rPr lang="ko-KR" altLang="en-US" sz="2000" kern="0" dirty="0" err="1" smtClean="0">
+                <a:solidFill>
+                  <a:srgbClr val="000000"/>
+                </a:solidFill>
+                <a:ea typeface="함초롬바탕" panose="02030504000101010101" pitchFamily="18" charset="-127"/>
+              </a:rPr>
+              <a:t>내옷장</a:t>
+            </a:r>
+            <a:r>
+              <a:rPr lang="ko-KR" altLang="en-US" sz="2000" kern="0" dirty="0" smtClean="0">
+                <a:solidFill>
+                  <a:srgbClr val="000000"/>
+                </a:solidFill>
+              </a:rPr>
+              <a:t> </a:t>
+            </a:r>
+            <a:endParaRPr lang="en-US" altLang="ko-KR" sz="2000" u="sng" kern="0" dirty="0" smtClean="0">
+              <a:solidFill>
+                <a:srgbClr val="0000FF"/>
+              </a:solidFill>
+              <a:uFill>
+                <a:solidFill>
+                  <a:srgbClr val="0000FF"/>
+                </a:solidFill>
+              </a:uFill>
+              <a:latin typeface="함초롬바탕" panose="02030504000101010101" pitchFamily="18" charset="-127"/>
+            </a:endParaRPr>
+          </a:p>
+        </p:txBody>
+      </p:sp>
+      <p:sp>
+        <p:nvSpPr>
+          <p:cNvPr id="16" name="Rectangle 19"/>
+          <p:cNvSpPr>
+            <a:spLocks noChangeArrowheads="1"/>
+          </p:cNvSpPr>
+          <p:nvPr/>
+        </p:nvSpPr>
+        <p:spPr bwMode="auto">
+          <a:xfrm>
+            <a:off x="820860" y="3380256"/>
+            <a:ext cx="6818986" cy="217895"/>
+          </a:xfrm>
+          <a:prstGeom prst="rect">
+            <a:avLst/>
+          </a:prstGeom>
+          <a:noFill/>
+          <a:ln>
+            <a:noFill/>
+          </a:ln>
+          <a:effectLst/>
+          <a:extLst>
+            <a:ext uri="{909E8E84-426E-40DD-AFC4-6F175D3DCCD1}">
+              <a14:hiddenFill xmlns:a14="http://schemas.microsoft.com/office/drawing/2010/main">
+                <a:solidFill>
+                  <a:schemeClr val="accent1"/>
+                </a:solidFill>
+              </a14:hiddenFill>
+            </a:ext>
+            <a:ext uri="{91240B29-F687-4F45-9708-019B960494DF}">
+              <a14:hiddenLine xmlns:a14="http://schemas.microsoft.com/office/drawing/2010/main" w="9525">
+                <a:solidFill>
+                  <a:schemeClr val="tx1"/>
+                </a:solidFill>
+                <a:miter lim="800000"/>
+                <a:headEnd/>
+                <a:tailEnd/>
+              </a14:hiddenLine>
+            </a:ext>
+            <a:ext uri="{AF507438-7753-43E0-B8FC-AC1667EBCBE1}">
+              <a14:hiddenEffects xmlns:a14="http://schemas.microsoft.com/office/drawing/2010/main">
+                <a:effectLst>
+                  <a:outerShdw dist="35921" dir="2700000" algn="ctr" rotWithShape="0">
+                    <a:schemeClr val="bg2"/>
+                  </a:outerShdw>
+                </a:effectLst>
+              </a14:hiddenEffects>
+            </a:ext>
+          </a:extLst>
+        </p:spPr>
+        <p:txBody>
+          <a:bodyPr vert="horz" wrap="square" lIns="91440" tIns="45720" rIns="91440" bIns="45720" numCol="1" anchor="ctr" anchorCtr="0" compatLnSpc="1">
+            <a:prstTxWarp prst="textNoShape">
+              <a:avLst/>
+            </a:prstTxWarp>
+            <a:spAutoFit/>
+          </a:bodyPr>
+          <a:lstStyle/>
+          <a:p>
+            <a:endParaRPr lang="ko-KR" altLang="en-US"/>
+          </a:p>
+        </p:txBody>
+      </p:sp>
+      <p:sp>
+        <p:nvSpPr>
+          <p:cNvPr id="4" name="날짜 개체 틀 3"/>
+          <p:cNvSpPr>
+            <a:spLocks noGrp="1"/>
+          </p:cNvSpPr>
+          <p:nvPr>
+            <p:ph type="dt" sz="half" idx="10"/>
+          </p:nvPr>
+        </p:nvSpPr>
+        <p:spPr/>
+        <p:txBody>
+          <a:bodyPr/>
+          <a:lstStyle/>
+          <a:p>
+            <a:fld id="{308B675C-ABEF-43CB-824B-10C05A81B4CA}" type="datetime1">
+              <a:rPr lang="ko-KR" altLang="en-US" smtClean="0"/>
+              <a:t>2019-05-07</a:t>
+            </a:fld>
+            <a:endParaRPr lang="ko-KR" altLang="en-US" dirty="0"/>
+          </a:p>
+        </p:txBody>
+      </p:sp>
+      <p:sp>
+        <p:nvSpPr>
+          <p:cNvPr id="5" name="바닥글 개체 틀 4"/>
+          <p:cNvSpPr>
+            <a:spLocks noGrp="1"/>
+          </p:cNvSpPr>
+          <p:nvPr>
+            <p:ph type="ftr" sz="quarter" idx="11"/>
+          </p:nvPr>
+        </p:nvSpPr>
+        <p:spPr/>
+        <p:txBody>
+          <a:bodyPr/>
+          <a:lstStyle/>
+          <a:p>
+            <a:r>
+              <a:rPr lang="en-US" altLang="ko-KR" smtClean="0"/>
+              <a:t>2019-1</a:t>
+            </a:r>
+            <a:r>
+              <a:rPr lang="ko-KR" altLang="en-US" smtClean="0"/>
+              <a:t>학기 산학</a:t>
+            </a:r>
+            <a:r>
+              <a:rPr lang="en-US" altLang="ko-KR" smtClean="0"/>
+              <a:t>Capston Design </a:t>
+            </a:r>
+            <a:endParaRPr lang="ko-KR" altLang="en-US"/>
+          </a:p>
+        </p:txBody>
+      </p:sp>
+      <p:pic>
+        <p:nvPicPr>
+          <p:cNvPr id="6" name="그림 5"/>
+          <p:cNvPicPr>
+            <a:picLocks noChangeAspect="1"/>
+          </p:cNvPicPr>
+          <p:nvPr/>
+        </p:nvPicPr>
+        <p:blipFill>
+          <a:blip r:embed="rId3"/>
+          <a:stretch>
+            <a:fillRect/>
+          </a:stretch>
+        </p:blipFill>
+        <p:spPr>
+          <a:xfrm>
+            <a:off x="2027195" y="1613683"/>
+            <a:ext cx="1339123" cy="2763178"/>
+          </a:xfrm>
+          <a:prstGeom prst="rect">
+            <a:avLst/>
+          </a:prstGeom>
+        </p:spPr>
+      </p:pic>
+      <p:pic>
+        <p:nvPicPr>
+          <p:cNvPr id="7" name="그림 6"/>
+          <p:cNvPicPr>
+            <a:picLocks noChangeAspect="1"/>
+          </p:cNvPicPr>
+          <p:nvPr/>
+        </p:nvPicPr>
+        <p:blipFill>
+          <a:blip r:embed="rId4"/>
+          <a:stretch>
+            <a:fillRect/>
+          </a:stretch>
+        </p:blipFill>
+        <p:spPr>
+          <a:xfrm>
+            <a:off x="3899939" y="1609109"/>
+            <a:ext cx="1546600" cy="2767752"/>
+          </a:xfrm>
+          <a:prstGeom prst="rect">
+            <a:avLst/>
+          </a:prstGeom>
+        </p:spPr>
+      </p:pic>
+      <p:pic>
+        <p:nvPicPr>
+          <p:cNvPr id="8" name="그림 7"/>
+          <p:cNvPicPr>
+            <a:picLocks noChangeAspect="1"/>
+          </p:cNvPicPr>
+          <p:nvPr/>
+        </p:nvPicPr>
+        <p:blipFill>
+          <a:blip r:embed="rId5"/>
+          <a:stretch>
+            <a:fillRect/>
+          </a:stretch>
+        </p:blipFill>
+        <p:spPr>
+          <a:xfrm>
+            <a:off x="6055472" y="1609109"/>
+            <a:ext cx="1549481" cy="2767752"/>
+          </a:xfrm>
+          <a:prstGeom prst="rect">
+            <a:avLst/>
+          </a:prstGeom>
+        </p:spPr>
+      </p:pic>
+      <p:pic>
+        <p:nvPicPr>
+          <p:cNvPr id="9" name="그림 8"/>
+          <p:cNvPicPr>
+            <a:picLocks noChangeAspect="1"/>
+          </p:cNvPicPr>
+          <p:nvPr/>
+        </p:nvPicPr>
+        <p:blipFill>
+          <a:blip r:embed="rId6"/>
+          <a:stretch>
+            <a:fillRect/>
+          </a:stretch>
+        </p:blipFill>
+        <p:spPr>
+          <a:xfrm>
+            <a:off x="8214942" y="1609109"/>
+            <a:ext cx="1558120" cy="2767752"/>
+          </a:xfrm>
+          <a:prstGeom prst="rect">
+            <a:avLst/>
+          </a:prstGeom>
+        </p:spPr>
+      </p:pic>
+      <p:sp>
+        <p:nvSpPr>
+          <p:cNvPr id="10" name="TextBox 9"/>
+          <p:cNvSpPr txBox="1"/>
+          <p:nvPr/>
+        </p:nvSpPr>
+        <p:spPr>
+          <a:xfrm>
+            <a:off x="8213886" y="4376861"/>
+            <a:ext cx="3611886" cy="276999"/>
+          </a:xfrm>
+          <a:prstGeom prst="rect">
+            <a:avLst/>
+          </a:prstGeom>
+          <a:noFill/>
+        </p:spPr>
+        <p:txBody>
+          <a:bodyPr wrap="none" rtlCol="0">
+            <a:spAutoFit/>
+          </a:bodyPr>
+          <a:lstStyle/>
+          <a:p>
+            <a:pPr marL="171450" indent="-171450">
+              <a:buFont typeface="Wingdings" panose="05000000000000000000" pitchFamily="2" charset="2"/>
+              <a:buChar char="ü"/>
+            </a:pPr>
+            <a:r>
+              <a:rPr lang="ko-KR" altLang="en-US" sz="1200" kern="0" dirty="0">
+                <a:solidFill>
+                  <a:srgbClr val="000000"/>
+                </a:solidFill>
+                <a:ea typeface="함초롬바탕" panose="02030504000101010101" pitchFamily="18" charset="-127"/>
+              </a:rPr>
+              <a:t>유저들 중 전문 </a:t>
+            </a:r>
+            <a:r>
+              <a:rPr lang="ko-KR" altLang="en-US" sz="1200" kern="0" dirty="0" err="1">
+                <a:solidFill>
+                  <a:srgbClr val="000000"/>
+                </a:solidFill>
+                <a:ea typeface="함초롬바탕" panose="02030504000101010101" pitchFamily="18" charset="-127"/>
+              </a:rPr>
+              <a:t>코디네이터에게</a:t>
+            </a:r>
+            <a:r>
+              <a:rPr lang="ko-KR" altLang="en-US" sz="1200" kern="0" dirty="0">
+                <a:solidFill>
+                  <a:srgbClr val="000000"/>
+                </a:solidFill>
+                <a:ea typeface="함초롬바탕" panose="02030504000101010101" pitchFamily="18" charset="-127"/>
+              </a:rPr>
+              <a:t> </a:t>
+            </a:r>
+            <a:r>
+              <a:rPr lang="ko-KR" altLang="en-US" sz="1200" kern="0" dirty="0" smtClean="0">
+                <a:solidFill>
+                  <a:srgbClr val="000000"/>
+                </a:solidFill>
+                <a:ea typeface="함초롬바탕" panose="02030504000101010101" pitchFamily="18" charset="-127"/>
+              </a:rPr>
+              <a:t>스타일 연출가능</a:t>
+            </a:r>
+            <a:endParaRPr lang="ko-KR" altLang="en-US" sz="1200" dirty="0"/>
+          </a:p>
+        </p:txBody>
+      </p:sp>
+      <p:sp>
+        <p:nvSpPr>
+          <p:cNvPr id="11" name="TextBox 10"/>
+          <p:cNvSpPr txBox="1"/>
+          <p:nvPr/>
+        </p:nvSpPr>
+        <p:spPr>
+          <a:xfrm>
+            <a:off x="5972018" y="4375304"/>
+            <a:ext cx="1954320" cy="276999"/>
+          </a:xfrm>
+          <a:prstGeom prst="rect">
+            <a:avLst/>
+          </a:prstGeom>
+          <a:noFill/>
+        </p:spPr>
+        <p:txBody>
+          <a:bodyPr wrap="square" rtlCol="0">
+            <a:spAutoFit/>
+          </a:bodyPr>
+          <a:lstStyle/>
+          <a:p>
+            <a:pPr marL="171450" indent="-171450">
+              <a:buFont typeface="Wingdings" panose="05000000000000000000" pitchFamily="2" charset="2"/>
+              <a:buChar char="ü"/>
+            </a:pPr>
+            <a:r>
+              <a:rPr lang="ko-KR" altLang="en-US" sz="1200" kern="0" dirty="0" err="1" smtClean="0">
+                <a:solidFill>
+                  <a:srgbClr val="000000"/>
+                </a:solidFill>
+                <a:ea typeface="함초롬바탕" panose="02030504000101010101" pitchFamily="18" charset="-127"/>
+              </a:rPr>
+              <a:t>앱상에서</a:t>
+            </a:r>
+            <a:r>
+              <a:rPr lang="ko-KR" altLang="en-US" sz="1200" kern="0" dirty="0" smtClean="0">
+                <a:solidFill>
+                  <a:srgbClr val="000000"/>
+                </a:solidFill>
+                <a:ea typeface="함초롬바탕" panose="02030504000101010101" pitchFamily="18" charset="-127"/>
+              </a:rPr>
+              <a:t> </a:t>
+            </a:r>
+            <a:r>
+              <a:rPr lang="ko-KR" altLang="en-US" sz="1200" kern="0" dirty="0">
+                <a:solidFill>
+                  <a:srgbClr val="000000"/>
+                </a:solidFill>
+                <a:ea typeface="함초롬바탕" panose="02030504000101010101" pitchFamily="18" charset="-127"/>
+              </a:rPr>
+              <a:t>코디 가능</a:t>
+            </a:r>
+            <a:endParaRPr lang="ko-KR" altLang="en-US" sz="1200" dirty="0"/>
+          </a:p>
+        </p:txBody>
+      </p:sp>
+      <p:sp>
+        <p:nvSpPr>
+          <p:cNvPr id="12" name="직사각형 11"/>
+          <p:cNvSpPr/>
+          <p:nvPr/>
+        </p:nvSpPr>
+        <p:spPr>
+          <a:xfrm>
+            <a:off x="2027194" y="4507512"/>
+            <a:ext cx="9326605" cy="2246769"/>
+          </a:xfrm>
+          <a:prstGeom prst="rect">
+            <a:avLst/>
+          </a:prstGeom>
+        </p:spPr>
+        <p:txBody>
+          <a:bodyPr wrap="square">
+            <a:spAutoFit/>
+          </a:bodyPr>
+          <a:lstStyle/>
+          <a:p>
+            <a:pPr algn="just" fontAlgn="base">
+              <a:lnSpc>
+                <a:spcPct val="160000"/>
+              </a:lnSpc>
+            </a:pPr>
+            <a:r>
+              <a:rPr lang="ko-KR" altLang="en-US" sz="1400" kern="0" dirty="0">
+                <a:solidFill>
+                  <a:srgbClr val="000000"/>
+                </a:solidFill>
+                <a:ea typeface="함초롬바탕" panose="02030504000101010101" pitchFamily="18" charset="-127"/>
+              </a:rPr>
+              <a:t>단점</a:t>
+            </a:r>
+            <a:endParaRPr lang="ko-KR" altLang="en-US" sz="1400" kern="0" dirty="0">
+              <a:solidFill>
+                <a:srgbClr val="000000"/>
+              </a:solidFill>
+            </a:endParaRPr>
+          </a:p>
+          <a:p>
+            <a:pPr marL="342900" lvl="0" indent="-342900" algn="just" fontAlgn="base">
+              <a:lnSpc>
+                <a:spcPct val="160000"/>
+              </a:lnSpc>
+              <a:buFont typeface="+mj-lt"/>
+              <a:buAutoNum type="arabicPeriod"/>
+            </a:pPr>
+            <a:r>
+              <a:rPr lang="ko-KR" altLang="en-US" sz="1400" kern="0" dirty="0">
+                <a:solidFill>
+                  <a:srgbClr val="000000"/>
+                </a:solidFill>
+                <a:ea typeface="함초롬바탕" panose="02030504000101010101" pitchFamily="18" charset="-127"/>
+              </a:rPr>
+              <a:t>상의 중에서도 </a:t>
+            </a:r>
+            <a:r>
+              <a:rPr lang="ko-KR" altLang="en-US" sz="1400" kern="0" dirty="0" err="1" smtClean="0">
+                <a:solidFill>
+                  <a:srgbClr val="000000"/>
+                </a:solidFill>
+                <a:ea typeface="함초롬바탕" panose="02030504000101010101" pitchFamily="18" charset="-127"/>
+              </a:rPr>
+              <a:t>아우터</a:t>
+            </a:r>
+            <a:r>
+              <a:rPr lang="en-US" altLang="ko-KR" sz="1400" kern="0" dirty="0" smtClean="0">
+                <a:solidFill>
+                  <a:srgbClr val="000000"/>
+                </a:solidFill>
+                <a:ea typeface="함초롬바탕" panose="02030504000101010101" pitchFamily="18" charset="-127"/>
+              </a:rPr>
+              <a:t>,</a:t>
+            </a:r>
+            <a:r>
+              <a:rPr lang="ko-KR" altLang="en-US" sz="1400" kern="0" dirty="0" smtClean="0">
+                <a:solidFill>
+                  <a:srgbClr val="000000"/>
+                </a:solidFill>
+                <a:ea typeface="함초롬바탕" panose="02030504000101010101" pitchFamily="18" charset="-127"/>
+              </a:rPr>
+              <a:t> </a:t>
+            </a:r>
+            <a:r>
+              <a:rPr lang="ko-KR" altLang="en-US" sz="1400" kern="0" dirty="0">
+                <a:solidFill>
+                  <a:srgbClr val="000000"/>
+                </a:solidFill>
+                <a:ea typeface="함초롬바탕" panose="02030504000101010101" pitchFamily="18" charset="-127"/>
+              </a:rPr>
+              <a:t>이너 이런 것으로 분류되는 것이 아닌 상의 옷이면 그대로 상의 옷으로 분류되어 </a:t>
+            </a:r>
+            <a:r>
+              <a:rPr lang="ko-KR" altLang="en-US" sz="1400" kern="0" dirty="0" err="1">
+                <a:solidFill>
+                  <a:srgbClr val="000000"/>
+                </a:solidFill>
+                <a:ea typeface="함초롬바탕" panose="02030504000101010101" pitchFamily="18" charset="-127"/>
+              </a:rPr>
+              <a:t>레이어드</a:t>
+            </a:r>
+            <a:r>
+              <a:rPr lang="ko-KR" altLang="en-US" sz="1400" kern="0" dirty="0">
+                <a:solidFill>
+                  <a:srgbClr val="000000"/>
+                </a:solidFill>
+                <a:ea typeface="함초롬바탕" panose="02030504000101010101" pitchFamily="18" charset="-127"/>
+              </a:rPr>
+              <a:t> 등 코디 불가</a:t>
+            </a:r>
+            <a:endParaRPr lang="ko-KR" altLang="en-US" sz="1400" kern="0" dirty="0">
+              <a:solidFill>
+                <a:srgbClr val="000000"/>
+              </a:solidFill>
+            </a:endParaRPr>
+          </a:p>
+          <a:p>
+            <a:pPr marL="342900" lvl="0" indent="-342900" algn="just" fontAlgn="base">
+              <a:lnSpc>
+                <a:spcPct val="160000"/>
+              </a:lnSpc>
+              <a:buFont typeface="+mj-lt"/>
+              <a:buAutoNum type="arabicPeriod"/>
+            </a:pPr>
+            <a:r>
+              <a:rPr lang="ko-KR" altLang="en-US" sz="1400" kern="0" dirty="0">
+                <a:solidFill>
+                  <a:srgbClr val="000000"/>
+                </a:solidFill>
+                <a:ea typeface="함초롬바탕" panose="02030504000101010101" pitchFamily="18" charset="-127"/>
+              </a:rPr>
+              <a:t>앱 자체에서의 오류로 인한 </a:t>
+            </a:r>
+            <a:r>
+              <a:rPr lang="en-US" altLang="ko-KR" sz="1400" kern="0" dirty="0">
+                <a:solidFill>
+                  <a:srgbClr val="000000"/>
+                </a:solidFill>
+                <a:latin typeface="함초롬바탕" panose="02030504000101010101" pitchFamily="18" charset="-127"/>
+              </a:rPr>
+              <a:t>user </a:t>
+            </a:r>
+            <a:r>
+              <a:rPr lang="ko-KR" altLang="en-US" sz="1400" kern="0" dirty="0">
+                <a:solidFill>
+                  <a:srgbClr val="000000"/>
+                </a:solidFill>
+                <a:ea typeface="함초롬바탕" panose="02030504000101010101" pitchFamily="18" charset="-127"/>
+              </a:rPr>
+              <a:t>등의 불편 </a:t>
+            </a:r>
+            <a:r>
+              <a:rPr lang="ko-KR" altLang="en-US" sz="1400" kern="0" dirty="0" smtClean="0">
+                <a:solidFill>
+                  <a:srgbClr val="000000"/>
+                </a:solidFill>
+                <a:ea typeface="함초롬바탕" panose="02030504000101010101" pitchFamily="18" charset="-127"/>
+              </a:rPr>
+              <a:t>증가</a:t>
+            </a:r>
+            <a:endParaRPr lang="en-US" altLang="ko-KR" sz="1400" kern="0" dirty="0" smtClean="0">
+              <a:solidFill>
+                <a:srgbClr val="000000"/>
+              </a:solidFill>
+              <a:ea typeface="함초롬바탕" panose="02030504000101010101" pitchFamily="18" charset="-127"/>
+            </a:endParaRPr>
+          </a:p>
+          <a:p>
+            <a:r>
+              <a:rPr lang="en-US" altLang="ko-KR" sz="1400" u="sng" dirty="0"/>
+              <a:t>https://play.google.com/store/apps/details?id=com.cubelab.owncloset</a:t>
+            </a:r>
+            <a:endParaRPr lang="en-US" altLang="ko-KR" sz="1400" dirty="0"/>
+          </a:p>
+          <a:p>
+            <a:endParaRPr lang="ko-KR" altLang="en-US" sz="1400" dirty="0"/>
+          </a:p>
+          <a:p>
+            <a:pPr marL="342900" lvl="0" indent="-342900" algn="just" fontAlgn="base">
+              <a:lnSpc>
+                <a:spcPct val="160000"/>
+              </a:lnSpc>
+              <a:buFont typeface="+mj-lt"/>
+              <a:buAutoNum type="arabicPeriod"/>
+            </a:pPr>
+            <a:endParaRPr lang="ko-KR" altLang="en-US" sz="1400" kern="0" dirty="0">
+              <a:solidFill>
+                <a:srgbClr val="000000"/>
+              </a:solidFill>
+            </a:endParaRPr>
+          </a:p>
+        </p:txBody>
+      </p:sp>
+    </p:spTree>
+    <p:extLst>
+      <p:ext uri="{BB962C8B-B14F-4D97-AF65-F5344CB8AC3E}">
+        <p14:creationId xmlns:p14="http://schemas.microsoft.com/office/powerpoint/2010/main" val="2832660102"/>
+      </p:ext>
+    </p:extLst>
+  </p:cSld>
+  <p:clrMapOvr>
+    <a:masterClrMapping/>
+  </p:clrMapOvr>
+  <p:timing>
+    <p:tnLst>
+      <p:par>
+        <p:cTn id="1" dur="indefinite" restart="never" nodeType="tmRoot"/>
+      </p:par>
+    </p:tnLst>
+  </p:timing>
+</p:sld>
+</file>
+
+<file path=ppt/slides/slide5.xml><?xml version="1.0" encoding="utf-8"?>
+<p:sld xmlns:a="http://schemas.openxmlformats.org/drawingml/2006/main" xmlns:r="http://schemas.openxmlformats.org/officeDocument/2006/relationships" xmlns:p="http://schemas.openxmlformats.org/presentationml/2006/main">
+  <p:cSld>
+    <p:spTree>
+      <p:nvGrpSpPr>
+        <p:cNvPr id="1" name=""/>
+        <p:cNvGrpSpPr/>
+        <p:nvPr/>
+      </p:nvGrpSpPr>
+      <p:grpSpPr>
+        <a:xfrm>
+          <a:off x="0" y="0"/>
+          <a:ext cx="0" cy="0"/>
+          <a:chOff x="0" y="0"/>
+          <a:chExt cx="0" cy="0"/>
+        </a:xfrm>
+      </p:grpSpPr>
+      <p:sp>
+        <p:nvSpPr>
+          <p:cNvPr id="2" name="제목 1"/>
+          <p:cNvSpPr>
+            <a:spLocks noGrp="1"/>
+          </p:cNvSpPr>
+          <p:nvPr>
+            <p:ph type="title"/>
+          </p:nvPr>
+        </p:nvSpPr>
+        <p:spPr/>
+        <p:txBody>
+          <a:bodyPr>
+            <a:normAutofit/>
+          </a:bodyPr>
+          <a:lstStyle/>
+          <a:p>
+            <a:r>
+              <a:rPr lang="en-US" altLang="ko-KR" sz="4000" dirty="0"/>
+              <a:t>FCMW </a:t>
+            </a:r>
+            <a:r>
+              <a:rPr lang="ko-KR" altLang="en-US" sz="4000" dirty="0"/>
+              <a:t>프로젝트와 기존 웹사이트 비교</a:t>
+            </a:r>
+            <a:endParaRPr lang="en-US" altLang="ko-KR" sz="4000" dirty="0"/>
+          </a:p>
+        </p:txBody>
+      </p:sp>
+      <p:pic>
+        <p:nvPicPr>
+          <p:cNvPr id="6" name="내용 개체 틀 5"/>
+          <p:cNvPicPr>
+            <a:picLocks noGrp="1" noChangeAspect="1"/>
+          </p:cNvPicPr>
+          <p:nvPr>
+            <p:ph idx="1"/>
+          </p:nvPr>
+        </p:nvPicPr>
+        <p:blipFill>
+          <a:blip r:embed="rId2"/>
+          <a:stretch>
+            <a:fillRect/>
+          </a:stretch>
+        </p:blipFill>
+        <p:spPr>
+          <a:xfrm>
+            <a:off x="2285282" y="1804996"/>
+            <a:ext cx="3890142" cy="2188205"/>
+          </a:xfrm>
+          <a:prstGeom prst="rect">
+            <a:avLst/>
+          </a:prstGeom>
+        </p:spPr>
+      </p:pic>
       <p:sp>
         <p:nvSpPr>
           <p:cNvPr id="14" name="Rectangle 17"/>
@@ -8101,412 +9588,6 @@
           </a:p>
         </p:txBody>
       </p:sp>
-      <p:pic>
-        <p:nvPicPr>
-          <p:cNvPr id="1040" name="_x47605400" descr="EMB000018d80ac1"/>
-          <p:cNvPicPr>
-            <a:picLocks noChangeAspect="1" noChangeArrowheads="1"/>
-          </p:cNvPicPr>
-          <p:nvPr/>
-        </p:nvPicPr>
-        <p:blipFill>
-          <a:blip r:embed="rId2" cstate="print">
-            <a:extLst>
-              <a:ext uri="{28A0092B-C50C-407E-A947-70E740481C1C}">
-                <a14:useLocalDpi xmlns:a14="http://schemas.microsoft.com/office/drawing/2010/main" val="0"/>
-              </a:ext>
-            </a:extLst>
-          </a:blip>
-          <a:srcRect/>
-          <a:stretch>
-            <a:fillRect/>
-          </a:stretch>
-        </p:blipFill>
-        <p:spPr bwMode="auto">
-          <a:xfrm>
-            <a:off x="838201" y="1541929"/>
-            <a:ext cx="1171654" cy="1084546"/>
-          </a:xfrm>
-          <a:prstGeom prst="rect">
-            <a:avLst/>
-          </a:prstGeom>
-          <a:noFill/>
-          <a:extLst>
-            <a:ext uri="{909E8E84-426E-40DD-AFC4-6F175D3DCCD1}">
-              <a14:hiddenFill xmlns:a14="http://schemas.microsoft.com/office/drawing/2010/main">
-                <a:solidFill>
-                  <a:srgbClr val="FFFFFF"/>
-                </a:solidFill>
-              </a14:hiddenFill>
-            </a:ext>
-          </a:extLst>
-        </p:spPr>
-      </p:pic>
-      <p:sp>
-        <p:nvSpPr>
-          <p:cNvPr id="15" name="직사각형 14"/>
-          <p:cNvSpPr/>
-          <p:nvPr/>
-        </p:nvSpPr>
-        <p:spPr>
-          <a:xfrm>
-            <a:off x="2043953" y="1676866"/>
-            <a:ext cx="9092455" cy="2160591"/>
-          </a:xfrm>
-          <a:prstGeom prst="rect">
-            <a:avLst/>
-          </a:prstGeom>
-        </p:spPr>
-        <p:txBody>
-          <a:bodyPr wrap="square">
-            <a:spAutoFit/>
-          </a:bodyPr>
-          <a:lstStyle/>
-          <a:p>
-            <a:pPr algn="just" fontAlgn="base">
-              <a:lnSpc>
-                <a:spcPct val="160000"/>
-              </a:lnSpc>
-            </a:pPr>
-            <a:r>
-              <a:rPr lang="ko-KR" altLang="en-US" sz="1200" kern="0" dirty="0" err="1" smtClean="0">
-                <a:solidFill>
-                  <a:srgbClr val="000000"/>
-                </a:solidFill>
-                <a:ea typeface="함초롬바탕" panose="02030504000101010101" pitchFamily="18" charset="-127"/>
-              </a:rPr>
-              <a:t>어플명</a:t>
-            </a:r>
-            <a:r>
-              <a:rPr lang="en-US" altLang="ko-KR" sz="1200" kern="0" dirty="0" smtClean="0">
-                <a:solidFill>
-                  <a:srgbClr val="000000"/>
-                </a:solidFill>
-                <a:ea typeface="함초롬바탕" panose="02030504000101010101" pitchFamily="18" charset="-127"/>
-              </a:rPr>
-              <a:t>:</a:t>
-            </a:r>
-            <a:r>
-              <a:rPr lang="ko-KR" altLang="en-US" sz="1200" kern="0" dirty="0" smtClean="0">
-                <a:solidFill>
-                  <a:srgbClr val="000000"/>
-                </a:solidFill>
-                <a:ea typeface="함초롬바탕" panose="02030504000101010101" pitchFamily="18" charset="-127"/>
-              </a:rPr>
-              <a:t> </a:t>
-            </a:r>
-            <a:r>
-              <a:rPr lang="ko-KR" altLang="en-US" sz="1200" kern="0" dirty="0" err="1" smtClean="0">
-                <a:solidFill>
-                  <a:srgbClr val="000000"/>
-                </a:solidFill>
-                <a:ea typeface="함초롬바탕" panose="02030504000101010101" pitchFamily="18" charset="-127"/>
-              </a:rPr>
-              <a:t>내옷장</a:t>
-            </a:r>
-            <a:r>
-              <a:rPr lang="ko-KR" altLang="en-US" sz="1200" kern="0" dirty="0" smtClean="0">
-                <a:solidFill>
-                  <a:srgbClr val="000000"/>
-                </a:solidFill>
-              </a:rPr>
-              <a:t> </a:t>
-            </a:r>
-            <a:r>
-              <a:rPr lang="en-US" altLang="ko-KR" sz="1200" u="sng" kern="0" dirty="0" smtClean="0">
-                <a:solidFill>
-                  <a:srgbClr val="0000FF"/>
-                </a:solidFill>
-                <a:uFill>
-                  <a:solidFill>
-                    <a:srgbClr val="0000FF"/>
-                  </a:solidFill>
-                </a:uFill>
-                <a:latin typeface="함초롬바탕" panose="02030504000101010101" pitchFamily="18" charset="-127"/>
-                <a:hlinkClick r:id="rId3"/>
-              </a:rPr>
-              <a:t>https</a:t>
-            </a:r>
-            <a:r>
-              <a:rPr lang="en-US" altLang="ko-KR" sz="1200" u="sng" kern="0" dirty="0">
-                <a:solidFill>
-                  <a:srgbClr val="0000FF"/>
-                </a:solidFill>
-                <a:uFill>
-                  <a:solidFill>
-                    <a:srgbClr val="0000FF"/>
-                  </a:solidFill>
-                </a:uFill>
-                <a:latin typeface="함초롬바탕" panose="02030504000101010101" pitchFamily="18" charset="-127"/>
-                <a:hlinkClick r:id="rId3"/>
-              </a:rPr>
-              <a:t>://</a:t>
-            </a:r>
-            <a:r>
-              <a:rPr lang="en-US" altLang="ko-KR" sz="1200" u="sng" kern="0" dirty="0" smtClean="0">
-                <a:solidFill>
-                  <a:srgbClr val="0000FF"/>
-                </a:solidFill>
-                <a:uFill>
-                  <a:solidFill>
-                    <a:srgbClr val="0000FF"/>
-                  </a:solidFill>
-                </a:uFill>
-                <a:latin typeface="함초롬바탕" panose="02030504000101010101" pitchFamily="18" charset="-127"/>
-                <a:hlinkClick r:id="rId3"/>
-              </a:rPr>
-              <a:t>play.google.com/store/apps/details?id=com.cubelab.owncloset</a:t>
-            </a:r>
-            <a:endParaRPr lang="ko-KR" altLang="en-US" sz="1200" kern="0" dirty="0">
-              <a:solidFill>
-                <a:srgbClr val="000000"/>
-              </a:solidFill>
-            </a:endParaRPr>
-          </a:p>
-          <a:p>
-            <a:pPr algn="just" fontAlgn="base">
-              <a:lnSpc>
-                <a:spcPct val="160000"/>
-              </a:lnSpc>
-            </a:pPr>
-            <a:r>
-              <a:rPr lang="ko-KR" altLang="en-US" sz="1200" kern="0" dirty="0">
-                <a:solidFill>
-                  <a:srgbClr val="000000"/>
-                </a:solidFill>
-                <a:ea typeface="함초롬바탕" panose="02030504000101010101" pitchFamily="18" charset="-127"/>
-              </a:rPr>
-              <a:t>장점</a:t>
-            </a:r>
-            <a:endParaRPr lang="ko-KR" altLang="en-US" sz="1200" kern="0" dirty="0">
-              <a:solidFill>
-                <a:srgbClr val="000000"/>
-              </a:solidFill>
-            </a:endParaRPr>
-          </a:p>
-          <a:p>
-            <a:pPr marL="342900" lvl="0" indent="-342900" algn="just" fontAlgn="base">
-              <a:lnSpc>
-                <a:spcPct val="160000"/>
-              </a:lnSpc>
-              <a:buFont typeface="+mj-lt"/>
-              <a:buAutoNum type="arabicPeriod"/>
-            </a:pPr>
-            <a:r>
-              <a:rPr lang="ko-KR" altLang="en-US" sz="1200" kern="0" dirty="0">
-                <a:solidFill>
-                  <a:srgbClr val="000000"/>
-                </a:solidFill>
-                <a:ea typeface="함초롬바탕" panose="02030504000101010101" pitchFamily="18" charset="-127"/>
-              </a:rPr>
-              <a:t>자신이 가지고 있는 의류들을 앱 상에 직접 저장하여 직접 자신의 옷들을 입어보며 코디하지 않고 </a:t>
-            </a:r>
-            <a:r>
-              <a:rPr lang="ko-KR" altLang="en-US" sz="1200" kern="0" dirty="0" err="1">
-                <a:solidFill>
-                  <a:srgbClr val="000000"/>
-                </a:solidFill>
-                <a:ea typeface="함초롬바탕" panose="02030504000101010101" pitchFamily="18" charset="-127"/>
-              </a:rPr>
-              <a:t>앱상에서</a:t>
-            </a:r>
-            <a:r>
-              <a:rPr lang="ko-KR" altLang="en-US" sz="1200" kern="0" dirty="0">
-                <a:solidFill>
-                  <a:srgbClr val="000000"/>
-                </a:solidFill>
-                <a:ea typeface="함초롬바탕" panose="02030504000101010101" pitchFamily="18" charset="-127"/>
-              </a:rPr>
-              <a:t> 코디 가능</a:t>
-            </a:r>
-            <a:endParaRPr lang="ko-KR" altLang="en-US" sz="1200" kern="0" dirty="0">
-              <a:solidFill>
-                <a:srgbClr val="000000"/>
-              </a:solidFill>
-            </a:endParaRPr>
-          </a:p>
-          <a:p>
-            <a:pPr marL="342900" lvl="0" indent="-342900" algn="just" fontAlgn="base">
-              <a:lnSpc>
-                <a:spcPct val="160000"/>
-              </a:lnSpc>
-              <a:buFont typeface="+mj-lt"/>
-              <a:buAutoNum type="arabicPeriod"/>
-            </a:pPr>
-            <a:r>
-              <a:rPr lang="ko-KR" altLang="en-US" sz="1200" kern="0" dirty="0">
-                <a:solidFill>
-                  <a:srgbClr val="000000"/>
-                </a:solidFill>
-                <a:ea typeface="함초롬바탕" panose="02030504000101010101" pitchFamily="18" charset="-127"/>
-              </a:rPr>
-              <a:t>유저들 중 전문 </a:t>
-            </a:r>
-            <a:r>
-              <a:rPr lang="ko-KR" altLang="en-US" sz="1200" kern="0" dirty="0" err="1">
-                <a:solidFill>
-                  <a:srgbClr val="000000"/>
-                </a:solidFill>
-                <a:ea typeface="함초롬바탕" panose="02030504000101010101" pitchFamily="18" charset="-127"/>
-              </a:rPr>
-              <a:t>코디네이터에게</a:t>
-            </a:r>
-            <a:r>
-              <a:rPr lang="ko-KR" altLang="en-US" sz="1200" kern="0" dirty="0">
-                <a:solidFill>
-                  <a:srgbClr val="000000"/>
-                </a:solidFill>
-                <a:ea typeface="함초롬바탕" panose="02030504000101010101" pitchFamily="18" charset="-127"/>
-              </a:rPr>
-              <a:t> 새로운 스타일 연출이 가능하다</a:t>
-            </a:r>
-            <a:r>
-              <a:rPr lang="en-US" altLang="ko-KR" sz="1200" kern="0" dirty="0">
-                <a:solidFill>
-                  <a:srgbClr val="000000"/>
-                </a:solidFill>
-                <a:latin typeface="함초롬바탕" panose="02030504000101010101" pitchFamily="18" charset="-127"/>
-              </a:rPr>
-              <a:t>.</a:t>
-            </a:r>
-            <a:endParaRPr lang="ko-KR" altLang="en-US" sz="1200" kern="0" dirty="0">
-              <a:solidFill>
-                <a:srgbClr val="000000"/>
-              </a:solidFill>
-            </a:endParaRPr>
-          </a:p>
-          <a:p>
-            <a:pPr algn="just" fontAlgn="base">
-              <a:lnSpc>
-                <a:spcPct val="160000"/>
-              </a:lnSpc>
-            </a:pPr>
-            <a:r>
-              <a:rPr lang="ko-KR" altLang="en-US" sz="1200" kern="0" dirty="0">
-                <a:solidFill>
-                  <a:srgbClr val="000000"/>
-                </a:solidFill>
-                <a:ea typeface="함초롬바탕" panose="02030504000101010101" pitchFamily="18" charset="-127"/>
-              </a:rPr>
-              <a:t>단점</a:t>
-            </a:r>
-            <a:endParaRPr lang="ko-KR" altLang="en-US" sz="1200" kern="0" dirty="0">
-              <a:solidFill>
-                <a:srgbClr val="000000"/>
-              </a:solidFill>
-            </a:endParaRPr>
-          </a:p>
-          <a:p>
-            <a:pPr marL="342900" lvl="0" indent="-342900" algn="just" fontAlgn="base">
-              <a:lnSpc>
-                <a:spcPct val="160000"/>
-              </a:lnSpc>
-              <a:buFont typeface="+mj-lt"/>
-              <a:buAutoNum type="arabicPeriod"/>
-            </a:pPr>
-            <a:r>
-              <a:rPr lang="ko-KR" altLang="en-US" sz="1200" kern="0" dirty="0">
-                <a:solidFill>
-                  <a:srgbClr val="000000"/>
-                </a:solidFill>
-                <a:ea typeface="함초롬바탕" panose="02030504000101010101" pitchFamily="18" charset="-127"/>
-              </a:rPr>
-              <a:t>상의 중에서도 </a:t>
-            </a:r>
-            <a:r>
-              <a:rPr lang="ko-KR" altLang="en-US" sz="1200" kern="0" dirty="0" err="1">
-                <a:solidFill>
-                  <a:srgbClr val="000000"/>
-                </a:solidFill>
-                <a:ea typeface="함초롬바탕" panose="02030504000101010101" pitchFamily="18" charset="-127"/>
-              </a:rPr>
-              <a:t>아우터</a:t>
-            </a:r>
-            <a:r>
-              <a:rPr lang="ko-KR" altLang="en-US" sz="1200" kern="0" dirty="0">
-                <a:solidFill>
-                  <a:srgbClr val="000000"/>
-                </a:solidFill>
-                <a:ea typeface="함초롬바탕" panose="02030504000101010101" pitchFamily="18" charset="-127"/>
-              </a:rPr>
-              <a:t> 이너 이런 것으로 분류되는 것이 아닌 상의 옷이면 그대로 상의 옷으로 분류되어 </a:t>
-            </a:r>
-            <a:r>
-              <a:rPr lang="ko-KR" altLang="en-US" sz="1200" kern="0" dirty="0" err="1">
-                <a:solidFill>
-                  <a:srgbClr val="000000"/>
-                </a:solidFill>
-                <a:ea typeface="함초롬바탕" panose="02030504000101010101" pitchFamily="18" charset="-127"/>
-              </a:rPr>
-              <a:t>레이어드</a:t>
-            </a:r>
-            <a:r>
-              <a:rPr lang="ko-KR" altLang="en-US" sz="1200" kern="0" dirty="0">
-                <a:solidFill>
-                  <a:srgbClr val="000000"/>
-                </a:solidFill>
-                <a:ea typeface="함초롬바탕" panose="02030504000101010101" pitchFamily="18" charset="-127"/>
-              </a:rPr>
-              <a:t> 등 코디 </a:t>
-            </a:r>
-            <a:r>
-              <a:rPr lang="ko-KR" altLang="en-US" sz="1200" kern="0" dirty="0" smtClean="0">
-                <a:solidFill>
-                  <a:srgbClr val="000000"/>
-                </a:solidFill>
-                <a:ea typeface="함초롬바탕" panose="02030504000101010101" pitchFamily="18" charset="-127"/>
-              </a:rPr>
-              <a:t>불가</a:t>
-            </a:r>
-            <a:endParaRPr lang="ko-KR" altLang="en-US" sz="1200" kern="0" dirty="0">
-              <a:solidFill>
-                <a:srgbClr val="000000"/>
-              </a:solidFill>
-            </a:endParaRPr>
-          </a:p>
-          <a:p>
-            <a:pPr marL="342900" lvl="0" indent="-342900" algn="just" fontAlgn="base">
-              <a:lnSpc>
-                <a:spcPct val="160000"/>
-              </a:lnSpc>
-              <a:buFont typeface="+mj-lt"/>
-              <a:buAutoNum type="arabicPeriod"/>
-            </a:pPr>
-            <a:r>
-              <a:rPr lang="ko-KR" altLang="en-US" sz="1200" kern="0" dirty="0">
-                <a:solidFill>
-                  <a:srgbClr val="000000"/>
-                </a:solidFill>
-                <a:ea typeface="함초롬바탕" panose="02030504000101010101" pitchFamily="18" charset="-127"/>
-              </a:rPr>
-              <a:t>앱 자체에서의 오류로 인한 </a:t>
-            </a:r>
-            <a:r>
-              <a:rPr lang="en-US" altLang="ko-KR" sz="1200" kern="0" dirty="0">
-                <a:solidFill>
-                  <a:srgbClr val="000000"/>
-                </a:solidFill>
-                <a:latin typeface="함초롬바탕" panose="02030504000101010101" pitchFamily="18" charset="-127"/>
-              </a:rPr>
-              <a:t>user </a:t>
-            </a:r>
-            <a:r>
-              <a:rPr lang="ko-KR" altLang="en-US" sz="1200" kern="0" dirty="0">
-                <a:solidFill>
-                  <a:srgbClr val="000000"/>
-                </a:solidFill>
-                <a:ea typeface="함초롬바탕" panose="02030504000101010101" pitchFamily="18" charset="-127"/>
-              </a:rPr>
-              <a:t>등의 불편 증가</a:t>
-            </a:r>
-            <a:endParaRPr lang="ko-KR" altLang="en-US" sz="1200" kern="0" dirty="0">
-              <a:solidFill>
-                <a:srgbClr val="000000"/>
-              </a:solidFill>
-            </a:endParaRPr>
-          </a:p>
-        </p:txBody>
-      </p:sp>
       <p:sp>
         <p:nvSpPr>
           <p:cNvPr id="16" name="Rectangle 19"/>
@@ -8579,7 +9660,7 @@
           <p:nvPr/>
         </p:nvPicPr>
         <p:blipFill>
-          <a:blip r:embed="rId4" cstate="print">
+          <a:blip r:embed="rId3" cstate="print">
             <a:extLst>
               <a:ext uri="{28A0092B-C50C-407E-A947-70E740481C1C}">
                 <a14:useLocalDpi xmlns:a14="http://schemas.microsoft.com/office/drawing/2010/main" val="0"/>
@@ -8593,7 +9674,7 @@
         </p:blipFill>
         <p:spPr bwMode="auto">
           <a:xfrm>
-            <a:off x="820860" y="3837457"/>
+            <a:off x="935160" y="1883032"/>
             <a:ext cx="1188995" cy="1097062"/>
           </a:xfrm>
           <a:prstGeom prst="rect">
@@ -8620,7 +9701,7 @@
         <p:spPr>
           <a:xfrm>
             <a:off x="2043953" y="3947144"/>
-            <a:ext cx="8964706" cy="2160591"/>
+            <a:ext cx="8964706" cy="2456057"/>
           </a:xfrm>
           <a:prstGeom prst="rect">
             <a:avLst/>
@@ -8638,55 +9719,189 @@
               </a:lnSpc>
             </a:pPr>
             <a:r>
-              <a:rPr lang="ko-KR" altLang="en-US" sz="1200" kern="0" dirty="0" err="1" smtClean="0">
+              <a:rPr lang="ko-KR" altLang="en-US" sz="1200" kern="0" dirty="0" smtClean="0">
                 <a:solidFill>
                   <a:srgbClr val="000000"/>
                 </a:solidFill>
                 <a:ea typeface="함초롬바탕" panose="02030504000101010101" pitchFamily="18" charset="-127"/>
               </a:rPr>
-              <a:t>어플명</a:t>
-            </a:r>
-            <a:r>
-              <a:rPr lang="en-US" altLang="ko-KR" sz="1200" kern="0" dirty="0" smtClean="0">
+              <a:t>장점</a:t>
+            </a:r>
+            <a:endParaRPr lang="ko-KR" altLang="en-US" sz="1200" kern="0" dirty="0">
+              <a:solidFill>
+                <a:srgbClr val="000000"/>
+              </a:solidFill>
+            </a:endParaRPr>
+          </a:p>
+          <a:p>
+            <a:pPr marL="342900" lvl="0" indent="-342900" algn="just" fontAlgn="base">
+              <a:lnSpc>
+                <a:spcPct val="160000"/>
+              </a:lnSpc>
+              <a:buFont typeface="+mj-lt"/>
+              <a:buAutoNum type="arabicPeriod"/>
+            </a:pPr>
+            <a:r>
+              <a:rPr lang="ko-KR" altLang="en-US" sz="1200" kern="0" dirty="0">
                 <a:solidFill>
                   <a:srgbClr val="000000"/>
                 </a:solidFill>
                 <a:ea typeface="함초롬바탕" panose="02030504000101010101" pitchFamily="18" charset="-127"/>
               </a:rPr>
-              <a:t>: </a:t>
-            </a:r>
-            <a:r>
-              <a:rPr lang="ko-KR" altLang="en-US" sz="1200" kern="0" dirty="0" err="1" smtClean="0">
+              <a:t>유사 앱 중에서 가장 많은 의류 브랜드가 있다</a:t>
+            </a:r>
+            <a:r>
+              <a:rPr lang="en-US" altLang="ko-KR" sz="1200" kern="0" dirty="0">
+                <a:solidFill>
+                  <a:srgbClr val="000000"/>
+                </a:solidFill>
+                <a:latin typeface="함초롬바탕" panose="02030504000101010101" pitchFamily="18" charset="-127"/>
+              </a:rPr>
+              <a:t>.</a:t>
+            </a:r>
+            <a:endParaRPr lang="ko-KR" altLang="en-US" sz="1200" kern="0" dirty="0">
+              <a:solidFill>
+                <a:srgbClr val="000000"/>
+              </a:solidFill>
+            </a:endParaRPr>
+          </a:p>
+          <a:p>
+            <a:pPr marL="342900" lvl="0" indent="-342900" algn="just" fontAlgn="base">
+              <a:lnSpc>
+                <a:spcPct val="160000"/>
+              </a:lnSpc>
+              <a:buFont typeface="+mj-lt"/>
+              <a:buAutoNum type="arabicPeriod"/>
+            </a:pPr>
+            <a:r>
+              <a:rPr lang="ko-KR" altLang="en-US" sz="1200" kern="0" dirty="0">
                 <a:solidFill>
                   <a:srgbClr val="000000"/>
                 </a:solidFill>
                 <a:ea typeface="함초롬바탕" panose="02030504000101010101" pitchFamily="18" charset="-127"/>
               </a:rPr>
-              <a:t>스타일닷컴</a:t>
+              <a:t>검색 수 기준으로 가장 브랜드 순위</a:t>
+            </a:r>
+            <a:r>
+              <a:rPr lang="en-US" altLang="ko-KR" sz="1200" kern="0" dirty="0">
+                <a:solidFill>
+                  <a:srgbClr val="000000"/>
+                </a:solidFill>
+                <a:latin typeface="함초롬바탕" panose="02030504000101010101" pitchFamily="18" charset="-127"/>
+              </a:rPr>
+              <a:t>, </a:t>
+            </a:r>
+            <a:r>
+              <a:rPr lang="ko-KR" altLang="en-US" sz="1200" kern="0" dirty="0">
+                <a:solidFill>
+                  <a:srgbClr val="000000"/>
+                </a:solidFill>
+                <a:ea typeface="함초롬바탕" panose="02030504000101010101" pitchFamily="18" charset="-127"/>
+              </a:rPr>
+              <a:t>남자 쇼핑몰 인기 순위</a:t>
+            </a:r>
+            <a:r>
+              <a:rPr lang="en-US" altLang="ko-KR" sz="1200" kern="0" dirty="0">
+                <a:solidFill>
+                  <a:srgbClr val="000000"/>
+                </a:solidFill>
+                <a:latin typeface="함초롬바탕" panose="02030504000101010101" pitchFamily="18" charset="-127"/>
+              </a:rPr>
+              <a:t>, </a:t>
+            </a:r>
+            <a:r>
+              <a:rPr lang="ko-KR" altLang="en-US" sz="1200" kern="0" dirty="0">
+                <a:solidFill>
+                  <a:srgbClr val="000000"/>
+                </a:solidFill>
+                <a:ea typeface="함초롬바탕" panose="02030504000101010101" pitchFamily="18" charset="-127"/>
+              </a:rPr>
+              <a:t>여자 쇼핑몰 인기 순위 등을 제공함으로써 </a:t>
+            </a:r>
+            <a:r>
+              <a:rPr lang="en-US" altLang="ko-KR" sz="1200" kern="0" dirty="0">
+                <a:solidFill>
+                  <a:srgbClr val="000000"/>
+                </a:solidFill>
+                <a:latin typeface="함초롬바탕" panose="02030504000101010101" pitchFamily="18" charset="-127"/>
+              </a:rPr>
+              <a:t>user</a:t>
+            </a:r>
+            <a:r>
+              <a:rPr lang="ko-KR" altLang="en-US" sz="1200" kern="0" dirty="0">
+                <a:solidFill>
+                  <a:srgbClr val="000000"/>
+                </a:solidFill>
+                <a:ea typeface="함초롬바탕" panose="02030504000101010101" pitchFamily="18" charset="-127"/>
+              </a:rPr>
+              <a:t>가 가장 대중들이 선호하는 의류 분석 가능</a:t>
+            </a:r>
+            <a:endParaRPr lang="ko-KR" altLang="en-US" sz="1200" kern="0" dirty="0">
+              <a:solidFill>
+                <a:srgbClr val="000000"/>
+              </a:solidFill>
+            </a:endParaRPr>
+          </a:p>
+          <a:p>
+            <a:pPr algn="just" fontAlgn="base">
+              <a:lnSpc>
+                <a:spcPct val="160000"/>
+              </a:lnSpc>
+            </a:pPr>
+            <a:r>
+              <a:rPr lang="ko-KR" altLang="en-US" sz="1200" kern="0" dirty="0">
+                <a:solidFill>
+                  <a:srgbClr val="000000"/>
+                </a:solidFill>
+                <a:ea typeface="함초롬바탕" panose="02030504000101010101" pitchFamily="18" charset="-127"/>
+              </a:rPr>
+              <a:t>단점</a:t>
+            </a:r>
+            <a:endParaRPr lang="ko-KR" altLang="en-US" sz="1200" kern="0" dirty="0">
+              <a:solidFill>
+                <a:srgbClr val="000000"/>
+              </a:solidFill>
+            </a:endParaRPr>
+          </a:p>
+          <a:p>
+            <a:pPr marL="342900" lvl="0" indent="-342900" algn="just" fontAlgn="base">
+              <a:lnSpc>
+                <a:spcPct val="160000"/>
+              </a:lnSpc>
+              <a:buFont typeface="+mj-lt"/>
+              <a:buAutoNum type="arabicPeriod"/>
+            </a:pPr>
+            <a:r>
+              <a:rPr lang="ko-KR" altLang="en-US" sz="1200" kern="0" dirty="0">
+                <a:solidFill>
+                  <a:srgbClr val="000000"/>
+                </a:solidFill>
+                <a:ea typeface="함초롬바탕" panose="02030504000101010101" pitchFamily="18" charset="-127"/>
+              </a:rPr>
+              <a:t>자신이 선호하는 의류들을 의류의 모양 등이 아닌 색상 위주로 </a:t>
             </a:r>
             <a:r>
               <a:rPr lang="ko-KR" altLang="en-US" sz="1200" kern="0" dirty="0" smtClean="0">
                 <a:solidFill>
                   <a:srgbClr val="000000"/>
                 </a:solidFill>
+                <a:ea typeface="함초롬바탕" panose="02030504000101010101" pitchFamily="18" charset="-127"/>
               </a:rPr>
-              <a:t> </a:t>
-            </a:r>
-            <a:r>
-              <a:rPr lang="en-US" altLang="ko-KR" sz="1200" u="sng" kern="0" dirty="0" smtClean="0">
-                <a:solidFill>
-                  <a:srgbClr val="0000FF"/>
-                </a:solidFill>
-                <a:uFill>
-                  <a:solidFill>
-                    <a:srgbClr val="0000FF"/>
-                  </a:solidFill>
-                </a:uFill>
-                <a:latin typeface="함초롬바탕" panose="02030504000101010101" pitchFamily="18" charset="-127"/>
-                <a:hlinkClick r:id="rId5"/>
-              </a:rPr>
-              <a:t>https</a:t>
-            </a:r>
+              <a:t>추천</a:t>
+            </a:r>
+            <a:endParaRPr lang="en-US" altLang="ko-KR" sz="1200" kern="0" dirty="0" smtClean="0">
+              <a:solidFill>
+                <a:srgbClr val="000000"/>
+              </a:solidFill>
+              <a:ea typeface="함초롬바탕" panose="02030504000101010101" pitchFamily="18" charset="-127"/>
+            </a:endParaRPr>
+          </a:p>
+          <a:p>
+            <a:pPr algn="just" fontAlgn="base">
+              <a:lnSpc>
+                <a:spcPct val="160000"/>
+              </a:lnSpc>
+            </a:pPr>
             <a:r>
               <a:rPr lang="en-US" altLang="ko-KR" sz="1200" u="sng" kern="0" dirty="0">
                 <a:solidFill>
@@ -8698,9 +9913,9 @@
                   </a:solidFill>
                 </a:uFill>
                 <a:latin typeface="함초롬바탕" panose="02030504000101010101" pitchFamily="18" charset="-127"/>
-                <a:hlinkClick r:id="rId5"/>
+                <a:hlinkClick r:id="rId4"/>
               </a:rPr>
-              <a:t>://www.sta1.com/home</a:t>
+              <a:t>https://www.sta1.com/home</a:t>
             </a:r>
             <a:endParaRPr lang="ko-KR" altLang="en-US" sz="1200" kern="0" dirty="0">
               <a:solidFill>
@@ -8709,173 +9924,11 @@
             </a:endParaRPr>
           </a:p>
           <a:p>
-            <a:pPr algn="just" fontAlgn="base">
+            <a:pPr lvl="0" algn="just" fontAlgn="base">
               <a:lnSpc>
                 <a:spcPct val="160000"/>
               </a:lnSpc>
             </a:pPr>
-            <a:r>
-              <a:rPr lang="ko-KR" altLang="en-US" sz="1200" kern="0" dirty="0">
-                <a:solidFill>
-                  <a:srgbClr val="000000"/>
-                </a:solidFill>
-                <a:ea typeface="함초롬바탕" panose="02030504000101010101" pitchFamily="18" charset="-127"/>
-              </a:rPr>
-              <a:t>장점</a:t>
-            </a:r>
-            <a:endParaRPr lang="ko-KR" altLang="en-US" sz="1200" kern="0" dirty="0">
-              <a:solidFill>
-                <a:srgbClr val="000000"/>
-              </a:solidFill>
-            </a:endParaRPr>
-          </a:p>
-          <a:p>
-            <a:pPr marL="342900" lvl="0" indent="-342900" algn="just" fontAlgn="base">
-              <a:lnSpc>
-                <a:spcPct val="160000"/>
-              </a:lnSpc>
-              <a:buFont typeface="+mj-lt"/>
-              <a:buAutoNum type="arabicPeriod"/>
-            </a:pPr>
-            <a:r>
-              <a:rPr lang="ko-KR" altLang="en-US" sz="1200" kern="0" dirty="0">
-                <a:solidFill>
-                  <a:srgbClr val="000000"/>
-                </a:solidFill>
-                <a:ea typeface="함초롬바탕" panose="02030504000101010101" pitchFamily="18" charset="-127"/>
-              </a:rPr>
-              <a:t>유사 앱 중에서 가장 많은 의류 브랜드가 있다</a:t>
-            </a:r>
-            <a:r>
-              <a:rPr lang="en-US" altLang="ko-KR" sz="1200" kern="0" dirty="0">
-                <a:solidFill>
-                  <a:srgbClr val="000000"/>
-                </a:solidFill>
-                <a:latin typeface="함초롬바탕" panose="02030504000101010101" pitchFamily="18" charset="-127"/>
-              </a:rPr>
-              <a:t>.</a:t>
-            </a:r>
-            <a:endParaRPr lang="ko-KR" altLang="en-US" sz="1200" kern="0" dirty="0">
-              <a:solidFill>
-                <a:srgbClr val="000000"/>
-              </a:solidFill>
-            </a:endParaRPr>
-          </a:p>
-          <a:p>
-            <a:pPr marL="342900" lvl="0" indent="-342900" algn="just" fontAlgn="base">
-              <a:lnSpc>
-                <a:spcPct val="160000"/>
-              </a:lnSpc>
-              <a:buFont typeface="+mj-lt"/>
-              <a:buAutoNum type="arabicPeriod"/>
-            </a:pPr>
-            <a:r>
-              <a:rPr lang="ko-KR" altLang="en-US" sz="1200" kern="0" dirty="0">
-                <a:solidFill>
-                  <a:srgbClr val="000000"/>
-                </a:solidFill>
-                <a:ea typeface="함초롬바탕" panose="02030504000101010101" pitchFamily="18" charset="-127"/>
-              </a:rPr>
-              <a:t>검색 수 기준으로 가장 브랜드 순위</a:t>
-            </a:r>
-            <a:r>
-              <a:rPr lang="en-US" altLang="ko-KR" sz="1200" kern="0" dirty="0">
-                <a:solidFill>
-                  <a:srgbClr val="000000"/>
-                </a:solidFill>
-                <a:latin typeface="함초롬바탕" panose="02030504000101010101" pitchFamily="18" charset="-127"/>
-              </a:rPr>
-              <a:t>, </a:t>
-            </a:r>
-            <a:r>
-              <a:rPr lang="ko-KR" altLang="en-US" sz="1200" kern="0" dirty="0">
-                <a:solidFill>
-                  <a:srgbClr val="000000"/>
-                </a:solidFill>
-                <a:ea typeface="함초롬바탕" panose="02030504000101010101" pitchFamily="18" charset="-127"/>
-              </a:rPr>
-              <a:t>남자 쇼핑몰 인기 순위</a:t>
-            </a:r>
-            <a:r>
-              <a:rPr lang="en-US" altLang="ko-KR" sz="1200" kern="0" dirty="0">
-                <a:solidFill>
-                  <a:srgbClr val="000000"/>
-                </a:solidFill>
-                <a:latin typeface="함초롬바탕" panose="02030504000101010101" pitchFamily="18" charset="-127"/>
-              </a:rPr>
-              <a:t>, </a:t>
-            </a:r>
-            <a:r>
-              <a:rPr lang="ko-KR" altLang="en-US" sz="1200" kern="0" dirty="0">
-                <a:solidFill>
-                  <a:srgbClr val="000000"/>
-                </a:solidFill>
-                <a:ea typeface="함초롬바탕" panose="02030504000101010101" pitchFamily="18" charset="-127"/>
-              </a:rPr>
-              <a:t>여자 쇼핑몰 인기 순위 등을 제공함으로써 </a:t>
-            </a:r>
-            <a:r>
-              <a:rPr lang="en-US" altLang="ko-KR" sz="1200" kern="0" dirty="0">
-                <a:solidFill>
-                  <a:srgbClr val="000000"/>
-                </a:solidFill>
-                <a:latin typeface="함초롬바탕" panose="02030504000101010101" pitchFamily="18" charset="-127"/>
-              </a:rPr>
-              <a:t>user</a:t>
-            </a:r>
-            <a:r>
-              <a:rPr lang="ko-KR" altLang="en-US" sz="1200" kern="0" dirty="0">
-                <a:solidFill>
-                  <a:srgbClr val="000000"/>
-                </a:solidFill>
-                <a:ea typeface="함초롬바탕" panose="02030504000101010101" pitchFamily="18" charset="-127"/>
-              </a:rPr>
-              <a:t>가 가장 대중들이 선호하는 의류 분석 가능</a:t>
-            </a:r>
-            <a:endParaRPr lang="ko-KR" altLang="en-US" sz="1200" kern="0" dirty="0">
-              <a:solidFill>
-                <a:srgbClr val="000000"/>
-              </a:solidFill>
-            </a:endParaRPr>
-          </a:p>
-          <a:p>
-            <a:pPr algn="just" fontAlgn="base">
-              <a:lnSpc>
-                <a:spcPct val="160000"/>
-              </a:lnSpc>
-            </a:pPr>
-            <a:r>
-              <a:rPr lang="ko-KR" altLang="en-US" sz="1200" kern="0" dirty="0">
-                <a:solidFill>
-                  <a:srgbClr val="000000"/>
-                </a:solidFill>
-                <a:ea typeface="함초롬바탕" panose="02030504000101010101" pitchFamily="18" charset="-127"/>
-              </a:rPr>
-              <a:t>단점</a:t>
-            </a:r>
-            <a:endParaRPr lang="ko-KR" altLang="en-US" sz="1200" kern="0" dirty="0">
-              <a:solidFill>
-                <a:srgbClr val="000000"/>
-              </a:solidFill>
-            </a:endParaRPr>
-          </a:p>
-          <a:p>
-            <a:pPr marL="342900" lvl="0" indent="-342900" algn="just" fontAlgn="base">
-              <a:lnSpc>
-                <a:spcPct val="160000"/>
-              </a:lnSpc>
-              <a:buFont typeface="+mj-lt"/>
-              <a:buAutoNum type="arabicPeriod"/>
-            </a:pPr>
-            <a:r>
-              <a:rPr lang="ko-KR" altLang="en-US" sz="1200" kern="0" dirty="0">
-                <a:solidFill>
-                  <a:srgbClr val="000000"/>
-                </a:solidFill>
-                <a:ea typeface="함초롬바탕" panose="02030504000101010101" pitchFamily="18" charset="-127"/>
-              </a:rPr>
-              <a:t>자신이 선호하는 의류들을 의류의 모양 등이 아닌 색상 위주로 추천</a:t>
-            </a:r>
             <a:endParaRPr lang="ko-KR" altLang="en-US" sz="1200" kern="0" dirty="0">
               <a:solidFill>
                 <a:srgbClr val="000000"/>
@@ -8938,307 +9991,95 @@
           </a:p>
         </p:txBody>
       </p:sp>
+      <p:sp>
+        <p:nvSpPr>
+          <p:cNvPr id="7" name="TextBox 6"/>
+          <p:cNvSpPr txBox="1"/>
+          <p:nvPr/>
+        </p:nvSpPr>
+        <p:spPr>
+          <a:xfrm>
+            <a:off x="935160" y="3021421"/>
+            <a:ext cx="1529861" cy="677108"/>
+          </a:xfrm>
+          <a:prstGeom prst="rect">
+            <a:avLst/>
+          </a:prstGeom>
+          <a:noFill/>
+        </p:spPr>
+        <p:txBody>
+          <a:bodyPr wrap="square" rtlCol="0">
+            <a:spAutoFit/>
+          </a:bodyPr>
+          <a:lstStyle/>
+          <a:p>
+            <a:r>
+              <a:rPr lang="ko-KR" altLang="en-US" sz="1400" kern="0" dirty="0" err="1">
+                <a:solidFill>
+                  <a:srgbClr val="000000"/>
+                </a:solidFill>
+                <a:ea typeface="함초롬바탕" panose="02030504000101010101" pitchFamily="18" charset="-127"/>
+              </a:rPr>
+              <a:t>어플명</a:t>
+            </a:r>
+            <a:r>
+              <a:rPr lang="en-US" altLang="ko-KR" kern="0" dirty="0">
+                <a:solidFill>
+                  <a:srgbClr val="000000"/>
+                </a:solidFill>
+                <a:ea typeface="함초롬바탕" panose="02030504000101010101" pitchFamily="18" charset="-127"/>
+              </a:rPr>
+              <a:t>: </a:t>
+            </a:r>
+            <a:endParaRPr lang="en-US" altLang="ko-KR" kern="0" dirty="0" smtClean="0">
+              <a:solidFill>
+                <a:srgbClr val="000000"/>
+              </a:solidFill>
+              <a:ea typeface="함초롬바탕" panose="02030504000101010101" pitchFamily="18" charset="-127"/>
+            </a:endParaRPr>
+          </a:p>
+          <a:p>
+            <a:r>
+              <a:rPr lang="ko-KR" altLang="en-US" sz="2000" kern="0" dirty="0" err="1" smtClean="0">
+                <a:solidFill>
+                  <a:srgbClr val="000000"/>
+                </a:solidFill>
+                <a:ea typeface="함초롬바탕" panose="02030504000101010101" pitchFamily="18" charset="-127"/>
+              </a:rPr>
+              <a:t>스타일닷컴</a:t>
+            </a:r>
+            <a:endParaRPr lang="ko-KR" altLang="en-US" sz="2000" dirty="0"/>
+          </a:p>
+        </p:txBody>
+      </p:sp>
+      <p:pic>
+        <p:nvPicPr>
+          <p:cNvPr id="8" name="그림 7"/>
+          <p:cNvPicPr>
+            <a:picLocks noChangeAspect="1"/>
+          </p:cNvPicPr>
+          <p:nvPr/>
+        </p:nvPicPr>
+        <p:blipFill>
+          <a:blip r:embed="rId5"/>
+          <a:stretch>
+            <a:fillRect/>
+          </a:stretch>
+        </p:blipFill>
+        <p:spPr>
+          <a:xfrm>
+            <a:off x="6526306" y="1800418"/>
+            <a:ext cx="3822240" cy="2150010"/>
+          </a:xfrm>
+          <a:prstGeom prst="rect">
+            <a:avLst/>
+          </a:prstGeom>
+        </p:spPr>
+      </p:pic>
     </p:spTree>
     <p:extLst>
       <p:ext uri="{BB962C8B-B14F-4D97-AF65-F5344CB8AC3E}">
-        <p14:creationId xmlns:p14="http://schemas.microsoft.com/office/powerpoint/2010/main" val="2832660102"/>
-      </p:ext>
-    </p:extLst>
-  </p:cSld>
-  <p:clrMapOvr>
-    <a:masterClrMapping/>
-  </p:clrMapOvr>
-  <p:timing>
-    <p:tnLst>
-      <p:par>
-        <p:cTn id="1" dur="indefinite" restart="never" nodeType="tmRoot"/>
-      </p:par>
-    </p:tnLst>
-  </p:timing>
-</p:sld>
-</file>
-
-<file path=ppt/slides/slide5.xml><?xml version="1.0" encoding="utf-8"?>
-<p:sld xmlns:a="http://schemas.openxmlformats.org/drawingml/2006/main" xmlns:r="http://schemas.openxmlformats.org/officeDocument/2006/relationships" xmlns:p="http://schemas.openxmlformats.org/presentationml/2006/main">
-  <p:cSld>
-    <p:spTree>
-      <p:nvGrpSpPr>
-        <p:cNvPr id="1" name=""/>
-        <p:cNvGrpSpPr/>
-        <p:nvPr/>
-      </p:nvGrpSpPr>
-      <p:grpSpPr>
-        <a:xfrm>
-          <a:off x="0" y="0"/>
-          <a:ext cx="0" cy="0"/>
-          <a:chOff x="0" y="0"/>
-          <a:chExt cx="0" cy="0"/>
-        </a:xfrm>
-      </p:grpSpPr>
-      <p:sp>
-        <p:nvSpPr>
-          <p:cNvPr id="2" name="제목 1"/>
-          <p:cNvSpPr>
-            <a:spLocks noGrp="1"/>
-          </p:cNvSpPr>
-          <p:nvPr>
-            <p:ph type="title"/>
-          </p:nvPr>
-        </p:nvSpPr>
-        <p:spPr/>
-        <p:txBody>
-          <a:bodyPr>
-            <a:normAutofit/>
-          </a:bodyPr>
-          <a:lstStyle/>
-          <a:p>
-            <a:r>
-              <a:rPr lang="ko-KR" altLang="en-US" sz="4000" dirty="0" err="1" smtClean="0"/>
-              <a:t>추천시스템</a:t>
-            </a:r>
-            <a:r>
-              <a:rPr lang="en-US" altLang="ko-KR" sz="4000" b="1" dirty="0" smtClean="0"/>
-              <a:t>(Recommendation System)</a:t>
-            </a:r>
-            <a:r>
-              <a:rPr lang="ko-KR" altLang="en-US" sz="4000" dirty="0" smtClean="0"/>
-              <a:t>이란</a:t>
-            </a:r>
-            <a:r>
-              <a:rPr lang="en-US" altLang="ko-KR" sz="4000" dirty="0" smtClean="0"/>
-              <a:t>?</a:t>
-            </a:r>
-            <a:endParaRPr lang="ko-KR" altLang="en-US" sz="4000" dirty="0"/>
-          </a:p>
-        </p:txBody>
-      </p:sp>
-      <p:sp>
-        <p:nvSpPr>
-          <p:cNvPr id="3" name="내용 개체 틀 2"/>
-          <p:cNvSpPr>
-            <a:spLocks noGrp="1"/>
-          </p:cNvSpPr>
-          <p:nvPr>
-            <p:ph idx="1"/>
-          </p:nvPr>
-        </p:nvSpPr>
-        <p:spPr/>
-        <p:txBody>
-          <a:bodyPr>
-            <a:normAutofit/>
-          </a:bodyPr>
-          <a:lstStyle/>
-          <a:p>
-            <a:r>
-              <a:rPr lang="en-US" altLang="ko-KR" sz="2000" dirty="0" smtClean="0"/>
-              <a:t>Selection, Search</a:t>
-            </a:r>
-            <a:r>
-              <a:rPr lang="ko-KR" altLang="en-US" sz="2000" dirty="0" smtClean="0"/>
-              <a:t>로 부터의 한단계 진화</a:t>
-            </a:r>
-            <a:endParaRPr lang="en-US" altLang="ko-KR" sz="2000" dirty="0" smtClean="0"/>
-          </a:p>
-          <a:p>
-            <a:endParaRPr lang="ko-KR" altLang="en-US" sz="2000" dirty="0" smtClean="0"/>
-          </a:p>
-          <a:p>
-            <a:r>
-              <a:rPr lang="en-US" altLang="ko-KR" sz="2000" dirty="0" smtClean="0"/>
-              <a:t>item </a:t>
-            </a:r>
-            <a:r>
-              <a:rPr lang="ko-KR" altLang="en-US" sz="2000" dirty="0" smtClean="0"/>
-              <a:t>개수가 </a:t>
-            </a:r>
-            <a:r>
-              <a:rPr lang="ko-KR" altLang="en-US" sz="2000" dirty="0" err="1" smtClean="0"/>
-              <a:t>한명의</a:t>
-            </a:r>
-            <a:r>
-              <a:rPr lang="ko-KR" altLang="en-US" sz="2000" dirty="0" smtClean="0"/>
-              <a:t> 사용자가 한번에 열람 가능한 경우</a:t>
-            </a:r>
-            <a:r>
-              <a:rPr lang="en-US" altLang="ko-KR" sz="2000" dirty="0" smtClean="0"/>
-              <a:t>,</a:t>
-            </a:r>
-          </a:p>
-          <a:p>
-            <a:pPr marL="0" indent="0">
-              <a:buNone/>
-            </a:pPr>
-            <a:r>
-              <a:rPr lang="en-US" altLang="ko-KR" sz="2000" dirty="0"/>
-              <a:t> </a:t>
-            </a:r>
-            <a:r>
-              <a:rPr lang="en-US" altLang="ko-KR" sz="2000" dirty="0" smtClean="0"/>
-              <a:t> </a:t>
-            </a:r>
-            <a:r>
-              <a:rPr lang="ko-KR" altLang="en-US" sz="2000" dirty="0" smtClean="0"/>
-              <a:t>보통 사용자는 본인 기준에 의해 </a:t>
-            </a:r>
-            <a:r>
-              <a:rPr lang="en-US" altLang="ko-KR" sz="2000" dirty="0" smtClean="0"/>
-              <a:t>selection </a:t>
-            </a:r>
-            <a:r>
-              <a:rPr lang="ko-KR" altLang="en-US" sz="2000" dirty="0" smtClean="0"/>
-              <a:t>함</a:t>
-            </a:r>
-            <a:endParaRPr lang="en-US" altLang="ko-KR" sz="2000" dirty="0" smtClean="0"/>
-          </a:p>
-          <a:p>
-            <a:endParaRPr lang="ko-KR" altLang="en-US" sz="2000" dirty="0" smtClean="0"/>
-          </a:p>
-          <a:p>
-            <a:r>
-              <a:rPr lang="en-US" altLang="ko-KR" sz="2000" dirty="0" smtClean="0"/>
-              <a:t>item </a:t>
-            </a:r>
-            <a:r>
-              <a:rPr lang="ko-KR" altLang="en-US" sz="2000" dirty="0" smtClean="0"/>
-              <a:t>개수가 많아지면</a:t>
-            </a:r>
-            <a:r>
-              <a:rPr lang="en-US" altLang="ko-KR" sz="2000" dirty="0" smtClean="0"/>
-              <a:t>, </a:t>
-            </a:r>
-            <a:r>
-              <a:rPr lang="ko-KR" altLang="en-US" sz="2000" dirty="0" smtClean="0"/>
-              <a:t>사용자는 원하는 </a:t>
-            </a:r>
-            <a:r>
-              <a:rPr lang="en-US" altLang="ko-KR" sz="2000" dirty="0" smtClean="0"/>
-              <a:t>query(</a:t>
-            </a:r>
-            <a:r>
-              <a:rPr lang="ko-KR" altLang="en-US" sz="2000" dirty="0" err="1" smtClean="0"/>
-              <a:t>질의어</a:t>
-            </a:r>
-            <a:r>
-              <a:rPr lang="en-US" altLang="ko-KR" sz="2000" dirty="0" smtClean="0"/>
-              <a:t>)</a:t>
-            </a:r>
-            <a:r>
-              <a:rPr lang="ko-KR" altLang="en-US" sz="2000" dirty="0" smtClean="0"/>
-              <a:t>로 </a:t>
-            </a:r>
-            <a:r>
-              <a:rPr lang="en-US" altLang="ko-KR" sz="2000" dirty="0" smtClean="0"/>
-              <a:t>search</a:t>
-            </a:r>
-            <a:r>
-              <a:rPr lang="ko-KR" altLang="en-US" sz="2000" dirty="0" smtClean="0"/>
-              <a:t>를 시도</a:t>
-            </a:r>
-            <a:endParaRPr lang="en-US" altLang="ko-KR" sz="2000" dirty="0" smtClean="0"/>
-          </a:p>
-          <a:p>
-            <a:endParaRPr lang="ko-KR" altLang="en-US" sz="2000" dirty="0" smtClean="0"/>
-          </a:p>
-          <a:p>
-            <a:r>
-              <a:rPr lang="en-US" altLang="ko-KR" sz="2000" dirty="0" smtClean="0"/>
-              <a:t>item </a:t>
-            </a:r>
-            <a:r>
-              <a:rPr lang="ko-KR" altLang="en-US" sz="2000" dirty="0" smtClean="0"/>
-              <a:t>개수도 많고</a:t>
-            </a:r>
-            <a:r>
-              <a:rPr lang="en-US" altLang="ko-KR" sz="2000" dirty="0" smtClean="0"/>
-              <a:t>, </a:t>
-            </a:r>
-            <a:r>
-              <a:rPr lang="ko-KR" altLang="en-US" sz="2000" dirty="0" smtClean="0"/>
-              <a:t>원하는 질의</a:t>
-            </a:r>
-            <a:r>
-              <a:rPr lang="en-US" altLang="ko-KR" sz="2000" dirty="0" smtClean="0"/>
-              <a:t>(query)</a:t>
-            </a:r>
-            <a:r>
-              <a:rPr lang="ko-KR" altLang="en-US" sz="2000" dirty="0" smtClean="0"/>
-              <a:t>가 무엇인지조차 모를 때</a:t>
-            </a:r>
-            <a:r>
-              <a:rPr lang="en-US" altLang="ko-KR" sz="2000" dirty="0" smtClean="0"/>
-              <a:t>, </a:t>
-            </a:r>
-            <a:r>
-              <a:rPr lang="ko-KR" altLang="en-US" sz="2000" dirty="0" smtClean="0"/>
-              <a:t>추천시스템이 매우 유용</a:t>
-            </a:r>
-          </a:p>
-          <a:p>
-            <a:pPr marL="0" indent="0">
-              <a:buNone/>
-            </a:pPr>
-            <a:endParaRPr lang="ko-KR" altLang="en-US" dirty="0"/>
-          </a:p>
-        </p:txBody>
-      </p:sp>
-      <p:sp>
-        <p:nvSpPr>
-          <p:cNvPr id="4" name="날짜 개체 틀 3"/>
-          <p:cNvSpPr>
-            <a:spLocks noGrp="1"/>
-          </p:cNvSpPr>
-          <p:nvPr>
-            <p:ph type="dt" sz="half" idx="10"/>
-          </p:nvPr>
-        </p:nvSpPr>
-        <p:spPr/>
-        <p:txBody>
-          <a:bodyPr/>
-          <a:lstStyle/>
-          <a:p>
-            <a:fld id="{5F21CB7E-D995-402D-885E-9A2AEA99DFE3}" type="datetime1">
-              <a:rPr lang="ko-KR" altLang="en-US" smtClean="0"/>
-              <a:t>2019-05-07</a:t>
-            </a:fld>
-            <a:endParaRPr lang="ko-KR" altLang="en-US"/>
-          </a:p>
-        </p:txBody>
-      </p:sp>
-      <p:sp>
-        <p:nvSpPr>
-          <p:cNvPr id="5" name="바닥글 개체 틀 4"/>
-          <p:cNvSpPr>
-            <a:spLocks noGrp="1"/>
-          </p:cNvSpPr>
-          <p:nvPr>
-            <p:ph type="ftr" sz="quarter" idx="11"/>
-          </p:nvPr>
-        </p:nvSpPr>
-        <p:spPr/>
-        <p:txBody>
-          <a:bodyPr/>
-          <a:lstStyle/>
-          <a:p>
-            <a:r>
-              <a:rPr lang="en-US" altLang="ko-KR" smtClean="0"/>
-              <a:t>2019-1</a:t>
-            </a:r>
-            <a:r>
-              <a:rPr lang="ko-KR" altLang="en-US" smtClean="0"/>
-              <a:t>학기 산학</a:t>
-            </a:r>
-            <a:r>
-              <a:rPr lang="en-US" altLang="ko-KR" smtClean="0"/>
-              <a:t>Capston Design </a:t>
-            </a:r>
-            <a:endParaRPr lang="ko-KR" altLang="en-US"/>
-          </a:p>
-        </p:txBody>
-      </p:sp>
-    </p:spTree>
-    <p:extLst>
-      <p:ext uri="{BB962C8B-B14F-4D97-AF65-F5344CB8AC3E}">
-        <p14:creationId xmlns:p14="http://schemas.microsoft.com/office/powerpoint/2010/main" val="1221479008"/>
+        <p14:creationId xmlns:p14="http://schemas.microsoft.com/office/powerpoint/2010/main" val="1443194853"/>
       </p:ext>
     </p:extLst>
   </p:cSld>
@@ -9284,45 +10125,203 @@
         </p:nvSpPr>
         <p:spPr/>
         <p:txBody>
-          <a:bodyPr/>
+          <a:bodyPr>
+            <a:normAutofit/>
+          </a:bodyPr>
           <a:lstStyle/>
           <a:p>
             <a:r>
-              <a:rPr lang="ko-KR" altLang="en-US" dirty="0" smtClean="0"/>
-              <a:t>추천 기본 알고리즘 단계</a:t>
-            </a:r>
-            <a:endParaRPr lang="ko-KR" altLang="en-US" dirty="0"/>
-          </a:p>
-        </p:txBody>
-      </p:sp>
-      <p:graphicFrame>
-        <p:nvGraphicFramePr>
-          <p:cNvPr id="6" name="내용 개체 틀 5"/>
-          <p:cNvGraphicFramePr>
-            <a:graphicFrameLocks noGrp="1"/>
-          </p:cNvGraphicFramePr>
+              <a:rPr lang="ko-KR" altLang="en-US" sz="4000" dirty="0" err="1" smtClean="0"/>
+              <a:t>추천시스템</a:t>
+            </a:r>
+            <a:r>
+              <a:rPr lang="en-US" altLang="ko-KR" sz="4000" b="1" dirty="0" smtClean="0"/>
+              <a:t>(Recommendation System)</a:t>
+            </a:r>
+            <a:r>
+              <a:rPr lang="ko-KR" altLang="en-US" sz="4000" dirty="0" smtClean="0"/>
+              <a:t>이란</a:t>
+            </a:r>
+            <a:r>
+              <a:rPr lang="en-US" altLang="ko-KR" sz="4000" dirty="0" smtClean="0"/>
+              <a:t>?</a:t>
+            </a:r>
+            <a:endParaRPr lang="ko-KR" altLang="en-US" sz="4000" dirty="0"/>
+          </a:p>
+        </p:txBody>
+      </p:sp>
+      <p:sp>
+        <p:nvSpPr>
+          <p:cNvPr id="3" name="내용 개체 틀 2"/>
+          <p:cNvSpPr>
+            <a:spLocks noGrp="1"/>
+          </p:cNvSpPr>
           <p:nvPr>
             <p:ph idx="1"/>
-            <p:extLst>
-              <p:ext uri="{D42A27DB-BD31-4B8C-83A1-F6EECF244321}">
-                <p14:modId xmlns:p14="http://schemas.microsoft.com/office/powerpoint/2010/main" val="965540937"/>
-              </p:ext>
-            </p:extLst>
           </p:nvPr>
-        </p:nvGraphicFramePr>
-        <p:xfrm>
-          <a:off x="838200" y="1825625"/>
-          <a:ext cx="10515600" cy="4351338"/>
-        </p:xfrm>
-        <a:graphic>
-          <a:graphicData uri="http://schemas.openxmlformats.org/drawingml/2006/diagram">
-            <dgm:relIds xmlns:dgm="http://schemas.openxmlformats.org/drawingml/2006/diagram" xmlns:r="http://schemas.openxmlformats.org/officeDocument/2006/relationships" r:dm="rId2" r:lo="rId3" r:qs="rId4" r:cs="rId5"/>
-          </a:graphicData>
-        </a:graphic>
-      </p:graphicFrame>
-      <p:sp>
-        <p:nvSpPr>
-          <p:cNvPr id="3" name="날짜 개체 틀 2"/>
+        </p:nvSpPr>
+        <p:spPr/>
+        <p:txBody>
+          <a:bodyPr>
+            <a:normAutofit/>
+          </a:bodyPr>
+          <a:lstStyle/>
+          <a:p>
+            <a:r>
+              <a:rPr lang="en-US" altLang="ko-KR" sz="2000" dirty="0" smtClean="0"/>
+              <a:t>Selection, Search</a:t>
+            </a:r>
+            <a:r>
+              <a:rPr lang="ko-KR" altLang="en-US" sz="2000" dirty="0" smtClean="0"/>
+              <a:t>로 부터의 한단계 진화</a:t>
+            </a:r>
+            <a:endParaRPr lang="en-US" altLang="ko-KR" sz="2000" dirty="0" smtClean="0"/>
+          </a:p>
+          <a:p>
+            <a:endParaRPr lang="ko-KR" altLang="en-US" sz="2000" dirty="0" smtClean="0"/>
+          </a:p>
+          <a:p>
+            <a:r>
+              <a:rPr lang="en-US" altLang="ko-KR" sz="2000" dirty="0" smtClean="0"/>
+              <a:t>item </a:t>
+            </a:r>
+            <a:r>
+              <a:rPr lang="ko-KR" altLang="en-US" sz="2000" dirty="0" smtClean="0"/>
+              <a:t>개수가 </a:t>
+            </a:r>
+            <a:r>
+              <a:rPr lang="ko-KR" altLang="en-US" sz="2000" dirty="0" err="1" smtClean="0"/>
+              <a:t>한명의</a:t>
+            </a:r>
+            <a:r>
+              <a:rPr lang="ko-KR" altLang="en-US" sz="2000" dirty="0" smtClean="0"/>
+              <a:t> 사용자가 한번에 열람 가능한 경우</a:t>
+            </a:r>
+            <a:r>
+              <a:rPr lang="en-US" altLang="ko-KR" sz="2000" dirty="0" smtClean="0"/>
+              <a:t>,</a:t>
+            </a:r>
+          </a:p>
+          <a:p>
+            <a:pPr marL="0" indent="0">
+              <a:buNone/>
+            </a:pPr>
+            <a:r>
+              <a:rPr lang="en-US" altLang="ko-KR" sz="2000" dirty="0"/>
+              <a:t> </a:t>
+            </a:r>
+            <a:r>
+              <a:rPr lang="en-US" altLang="ko-KR" sz="2000" dirty="0" smtClean="0"/>
+              <a:t> </a:t>
+            </a:r>
+            <a:r>
+              <a:rPr lang="ko-KR" altLang="en-US" sz="2000" dirty="0" smtClean="0"/>
+              <a:t>보통 사용자는 본인 기준에 의해 </a:t>
+            </a:r>
+            <a:r>
+              <a:rPr lang="en-US" altLang="ko-KR" sz="2000" dirty="0" smtClean="0"/>
+              <a:t>selection </a:t>
+            </a:r>
+            <a:r>
+              <a:rPr lang="ko-KR" altLang="en-US" sz="2000" dirty="0" smtClean="0"/>
+              <a:t>함</a:t>
+            </a:r>
+            <a:endParaRPr lang="en-US" altLang="ko-KR" sz="2000" dirty="0" smtClean="0"/>
+          </a:p>
+          <a:p>
+            <a:endParaRPr lang="ko-KR" altLang="en-US" sz="2000" dirty="0" smtClean="0"/>
+          </a:p>
+          <a:p>
+            <a:r>
+              <a:rPr lang="en-US" altLang="ko-KR" sz="2000" dirty="0" smtClean="0"/>
+              <a:t>item </a:t>
+            </a:r>
+            <a:r>
+              <a:rPr lang="ko-KR" altLang="en-US" sz="2000" dirty="0" smtClean="0"/>
+              <a:t>개수가 많아지면</a:t>
+            </a:r>
+            <a:r>
+              <a:rPr lang="en-US" altLang="ko-KR" sz="2000" dirty="0" smtClean="0"/>
+              <a:t>, </a:t>
+            </a:r>
+            <a:r>
+              <a:rPr lang="ko-KR" altLang="en-US" sz="2000" dirty="0" smtClean="0"/>
+              <a:t>사용자는 원하는 </a:t>
+            </a:r>
+            <a:r>
+              <a:rPr lang="en-US" altLang="ko-KR" sz="2000" dirty="0" smtClean="0"/>
+              <a:t>query(</a:t>
+            </a:r>
+            <a:r>
+              <a:rPr lang="ko-KR" altLang="en-US" sz="2000" dirty="0" err="1" smtClean="0"/>
+              <a:t>질의어</a:t>
+            </a:r>
+            <a:r>
+              <a:rPr lang="en-US" altLang="ko-KR" sz="2000" dirty="0" smtClean="0"/>
+              <a:t>)</a:t>
+            </a:r>
+            <a:r>
+              <a:rPr lang="ko-KR" altLang="en-US" sz="2000" dirty="0" smtClean="0"/>
+              <a:t>로 </a:t>
+            </a:r>
+            <a:r>
+              <a:rPr lang="en-US" altLang="ko-KR" sz="2000" dirty="0" smtClean="0"/>
+              <a:t>search</a:t>
+            </a:r>
+            <a:r>
+              <a:rPr lang="ko-KR" altLang="en-US" sz="2000" dirty="0" smtClean="0"/>
+              <a:t>를 시도</a:t>
+            </a:r>
+            <a:endParaRPr lang="en-US" altLang="ko-KR" sz="2000" dirty="0" smtClean="0"/>
+          </a:p>
+          <a:p>
+            <a:endParaRPr lang="ko-KR" altLang="en-US" sz="2000" dirty="0" smtClean="0"/>
+          </a:p>
+          <a:p>
+            <a:r>
+              <a:rPr lang="en-US" altLang="ko-KR" sz="2000" dirty="0" smtClean="0"/>
+              <a:t>item </a:t>
+            </a:r>
+            <a:r>
+              <a:rPr lang="ko-KR" altLang="en-US" sz="2000" dirty="0" smtClean="0"/>
+              <a:t>개수도 많고</a:t>
+            </a:r>
+            <a:r>
+              <a:rPr lang="en-US" altLang="ko-KR" sz="2000" dirty="0" smtClean="0"/>
+              <a:t>, </a:t>
+            </a:r>
+            <a:r>
+              <a:rPr lang="ko-KR" altLang="en-US" sz="2000" dirty="0" smtClean="0"/>
+              <a:t>원하는 질의</a:t>
+            </a:r>
+            <a:r>
+              <a:rPr lang="en-US" altLang="ko-KR" sz="2000" dirty="0" smtClean="0"/>
+              <a:t>(query)</a:t>
+            </a:r>
+            <a:r>
+              <a:rPr lang="ko-KR" altLang="en-US" sz="2000" dirty="0" smtClean="0"/>
+              <a:t>가 무엇인지조차 모를 때</a:t>
+            </a:r>
+            <a:r>
+              <a:rPr lang="en-US" altLang="ko-KR" sz="2000" dirty="0" smtClean="0"/>
+              <a:t>, </a:t>
+            </a:r>
+            <a:r>
+              <a:rPr lang="ko-KR" altLang="en-US" sz="2000" dirty="0" smtClean="0"/>
+              <a:t>추천시스템이 매우 유용</a:t>
+            </a:r>
+          </a:p>
+          <a:p>
+            <a:pPr marL="0" indent="0">
+              <a:buNone/>
+            </a:pPr>
+            <a:endParaRPr lang="ko-KR" altLang="en-US" dirty="0"/>
+          </a:p>
+        </p:txBody>
+      </p:sp>
+      <p:sp>
+        <p:nvSpPr>
+          <p:cNvPr id="4" name="날짜 개체 틀 3"/>
           <p:cNvSpPr>
             <a:spLocks noGrp="1"/>
           </p:cNvSpPr>
@@ -9335,7 +10334,7 @@
           <a:bodyPr/>
           <a:lstStyle/>
           <a:p>
-            <a:fld id="{64E9CA78-7277-4C2E-94BC-DFEE05DCFE1B}" type="datetime1">
+            <a:fld id="{5F21CB7E-D995-402D-885E-9A2AEA99DFE3}" type="datetime1">
               <a:rPr lang="ko-KR" altLang="en-US" smtClean="0"/>
               <a:t>2019-05-07</a:t>
             </a:fld>
@@ -9345,7 +10344,7 @@
       </p:sp>
       <p:sp>
         <p:nvSpPr>
-          <p:cNvPr id="4" name="바닥글 개체 틀 3"/>
+          <p:cNvPr id="5" name="바닥글 개체 틀 4"/>
           <p:cNvSpPr>
             <a:spLocks noGrp="1"/>
           </p:cNvSpPr>
@@ -9377,7 +10376,7 @@
     </p:spTree>
     <p:extLst>
       <p:ext uri="{BB962C8B-B14F-4D97-AF65-F5344CB8AC3E}">
-        <p14:creationId xmlns:p14="http://schemas.microsoft.com/office/powerpoint/2010/main" val="854264164"/>
+        <p14:creationId xmlns:p14="http://schemas.microsoft.com/office/powerpoint/2010/main" val="1221479008"/>
       </p:ext>
     </p:extLst>
   </p:cSld>
@@ -9427,6 +10426,145 @@
           <a:lstStyle/>
           <a:p>
             <a:r>
+              <a:rPr lang="ko-KR" altLang="en-US" dirty="0" smtClean="0"/>
+              <a:t>추천 기본 알고리즘 단계</a:t>
+            </a:r>
+            <a:endParaRPr lang="ko-KR" altLang="en-US" dirty="0"/>
+          </a:p>
+        </p:txBody>
+      </p:sp>
+      <p:graphicFrame>
+        <p:nvGraphicFramePr>
+          <p:cNvPr id="6" name="내용 개체 틀 5"/>
+          <p:cNvGraphicFramePr>
+            <a:graphicFrameLocks noGrp="1"/>
+          </p:cNvGraphicFramePr>
+          <p:nvPr>
+            <p:ph idx="1"/>
+            <p:extLst>
+              <p:ext uri="{D42A27DB-BD31-4B8C-83A1-F6EECF244321}">
+                <p14:modId xmlns:p14="http://schemas.microsoft.com/office/powerpoint/2010/main" val="965540937"/>
+              </p:ext>
+            </p:extLst>
+          </p:nvPr>
+        </p:nvGraphicFramePr>
+        <p:xfrm>
+          <a:off x="838200" y="1825625"/>
+          <a:ext cx="10515600" cy="4351338"/>
+        </p:xfrm>
+        <a:graphic>
+          <a:graphicData uri="http://schemas.openxmlformats.org/drawingml/2006/diagram">
+            <dgm:relIds xmlns:dgm="http://schemas.openxmlformats.org/drawingml/2006/diagram" xmlns:r="http://schemas.openxmlformats.org/officeDocument/2006/relationships" r:dm="rId2" r:lo="rId3" r:qs="rId4" r:cs="rId5"/>
+          </a:graphicData>
+        </a:graphic>
+      </p:graphicFrame>
+      <p:sp>
+        <p:nvSpPr>
+          <p:cNvPr id="3" name="날짜 개체 틀 2"/>
+          <p:cNvSpPr>
+            <a:spLocks noGrp="1"/>
+          </p:cNvSpPr>
+          <p:nvPr>
+            <p:ph type="dt" sz="half" idx="10"/>
+          </p:nvPr>
+        </p:nvSpPr>
+        <p:spPr/>
+        <p:txBody>
+          <a:bodyPr/>
+          <a:lstStyle/>
+          <a:p>
+            <a:fld id="{64E9CA78-7277-4C2E-94BC-DFEE05DCFE1B}" type="datetime1">
+              <a:rPr lang="ko-KR" altLang="en-US" smtClean="0"/>
+              <a:t>2019-05-07</a:t>
+            </a:fld>
+            <a:endParaRPr lang="ko-KR" altLang="en-US"/>
+          </a:p>
+        </p:txBody>
+      </p:sp>
+      <p:sp>
+        <p:nvSpPr>
+          <p:cNvPr id="4" name="바닥글 개체 틀 3"/>
+          <p:cNvSpPr>
+            <a:spLocks noGrp="1"/>
+          </p:cNvSpPr>
+          <p:nvPr>
+            <p:ph type="ftr" sz="quarter" idx="11"/>
+          </p:nvPr>
+        </p:nvSpPr>
+        <p:spPr/>
+        <p:txBody>
+          <a:bodyPr/>
+          <a:lstStyle/>
+          <a:p>
+            <a:r>
+              <a:rPr lang="en-US" altLang="ko-KR" smtClean="0"/>
+              <a:t>2019-1</a:t>
+            </a:r>
+            <a:r>
+              <a:rPr lang="ko-KR" altLang="en-US" smtClean="0"/>
+              <a:t>학기 산학</a:t>
+            </a:r>
+            <a:r>
+              <a:rPr lang="en-US" altLang="ko-KR" smtClean="0"/>
+              <a:t>Capston Design </a:t>
+            </a:r>
+            <a:endParaRPr lang="ko-KR" altLang="en-US"/>
+          </a:p>
+        </p:txBody>
+      </p:sp>
+    </p:spTree>
+    <p:extLst>
+      <p:ext uri="{BB962C8B-B14F-4D97-AF65-F5344CB8AC3E}">
+        <p14:creationId xmlns:p14="http://schemas.microsoft.com/office/powerpoint/2010/main" val="854264164"/>
+      </p:ext>
+    </p:extLst>
+  </p:cSld>
+  <p:clrMapOvr>
+    <a:masterClrMapping/>
+  </p:clrMapOvr>
+  <p:timing>
+    <p:tnLst>
+      <p:par>
+        <p:cTn id="1" dur="indefinite" restart="never" nodeType="tmRoot"/>
+      </p:par>
+    </p:tnLst>
+  </p:timing>
+</p:sld>
+</file>
+
+<file path=ppt/slides/slide8.xml><?xml version="1.0" encoding="utf-8"?>
+<p:sld xmlns:a="http://schemas.openxmlformats.org/drawingml/2006/main" xmlns:r="http://schemas.openxmlformats.org/officeDocument/2006/relationships" xmlns:p="http://schemas.openxmlformats.org/presentationml/2006/main">
+  <p:cSld>
+    <p:spTree>
+      <p:nvGrpSpPr>
+        <p:cNvPr id="1" name=""/>
+        <p:cNvGrpSpPr/>
+        <p:nvPr/>
+      </p:nvGrpSpPr>
+      <p:grpSpPr>
+        <a:xfrm>
+          <a:off x="0" y="0"/>
+          <a:ext cx="0" cy="0"/>
+          <a:chOff x="0" y="0"/>
+          <a:chExt cx="0" cy="0"/>
+        </a:xfrm>
+      </p:grpSpPr>
+      <p:sp>
+        <p:nvSpPr>
+          <p:cNvPr id="2" name="제목 1"/>
+          <p:cNvSpPr>
+            <a:spLocks noGrp="1"/>
+          </p:cNvSpPr>
+          <p:nvPr>
+            <p:ph type="title"/>
+          </p:nvPr>
+        </p:nvSpPr>
+        <p:spPr/>
+        <p:txBody>
+          <a:bodyPr/>
+          <a:lstStyle/>
+          <a:p>
+            <a:r>
               <a:rPr lang="en-US" altLang="ko-KR" dirty="0" smtClean="0"/>
               <a:t>FCMW</a:t>
             </a:r>
@@ -9636,7 +10774,7 @@
 </p:sld>
 </file>
 
-<file path=ppt/slides/slide8.xml><?xml version="1.0" encoding="utf-8"?>
+<file path=ppt/slides/slide9.xml><?xml version="1.0" encoding="utf-8"?>
 <p:sld xmlns:a="http://schemas.openxmlformats.org/drawingml/2006/main" xmlns:r="http://schemas.openxmlformats.org/officeDocument/2006/relationships" xmlns:p="http://schemas.openxmlformats.org/presentationml/2006/main">
   <p:cSld>
     <p:spTree>
@@ -10993,266 +12131,6 @@
 </p:sld>
 </file>
 
-<file path=ppt/slides/slide9.xml><?xml version="1.0" encoding="utf-8"?>
-<p:sld xmlns:a="http://schemas.openxmlformats.org/drawingml/2006/main" xmlns:r="http://schemas.openxmlformats.org/officeDocument/2006/relationships" xmlns:p="http://schemas.openxmlformats.org/presentationml/2006/main">
-  <p:cSld>
-    <p:spTree>
-      <p:nvGrpSpPr>
-        <p:cNvPr id="1" name=""/>
-        <p:cNvGrpSpPr/>
-        <p:nvPr/>
-      </p:nvGrpSpPr>
-      <p:grpSpPr>
-        <a:xfrm>
-          <a:off x="0" y="0"/>
-          <a:ext cx="0" cy="0"/>
-          <a:chOff x="0" y="0"/>
-          <a:chExt cx="0" cy="0"/>
-        </a:xfrm>
-      </p:grpSpPr>
-      <p:sp>
-        <p:nvSpPr>
-          <p:cNvPr id="2" name="제목 1"/>
-          <p:cNvSpPr>
-            <a:spLocks noGrp="1"/>
-          </p:cNvSpPr>
-          <p:nvPr>
-            <p:ph type="title"/>
-          </p:nvPr>
-        </p:nvSpPr>
-        <p:spPr/>
-        <p:txBody>
-          <a:bodyPr/>
-          <a:lstStyle/>
-          <a:p>
-            <a:r>
-              <a:rPr lang="ko-KR" altLang="en-US" sz="4000" dirty="0"/>
-              <a:t>향후 개발 목표 </a:t>
-            </a:r>
-            <a:r>
-              <a:rPr lang="ko-KR" altLang="en-US" sz="4000" dirty="0" smtClean="0"/>
-              <a:t>및 소감</a:t>
-            </a:r>
-            <a:r>
-              <a:rPr lang="ko-KR" altLang="en-US" b="1" dirty="0">
-                <a:latin typeface="Microsoft GothicNeo" panose="020B0500000101010101" pitchFamily="34" charset="-127"/>
-              </a:rPr>
-              <a:t/>
-            </a:r>
-            <a:br>
-              <a:rPr lang="ko-KR" altLang="en-US" b="1" dirty="0">
-                <a:latin typeface="Microsoft GothicNeo" panose="020B0500000101010101" pitchFamily="34" charset="-127"/>
-              </a:rPr>
-            </a:br>
-            <a:endParaRPr lang="ko-KR" altLang="en-US" dirty="0"/>
-          </a:p>
-        </p:txBody>
-      </p:sp>
-      <p:sp>
-        <p:nvSpPr>
-          <p:cNvPr id="3" name="내용 개체 틀 2"/>
-          <p:cNvSpPr>
-            <a:spLocks noGrp="1"/>
-          </p:cNvSpPr>
-          <p:nvPr>
-            <p:ph idx="1"/>
-          </p:nvPr>
-        </p:nvSpPr>
-        <p:spPr>
-          <a:xfrm>
-            <a:off x="776653" y="1690688"/>
-            <a:ext cx="10697309" cy="4351338"/>
-          </a:xfrm>
-        </p:spPr>
-        <p:txBody>
-          <a:bodyPr/>
-          <a:lstStyle/>
-          <a:p>
-            <a:r>
-              <a:rPr lang="en-US" altLang="ko-KR" dirty="0"/>
-              <a:t>SURPRISE </a:t>
-            </a:r>
-            <a:r>
-              <a:rPr lang="ko-KR" altLang="en-US" dirty="0"/>
-              <a:t>패키지의 </a:t>
-            </a:r>
-            <a:r>
-              <a:rPr lang="en-US" altLang="ko-KR" dirty="0"/>
-              <a:t>SVD </a:t>
-            </a:r>
-            <a:r>
-              <a:rPr lang="ko-KR" altLang="en-US" dirty="0"/>
-              <a:t>알고리즘 </a:t>
-            </a:r>
-            <a:r>
-              <a:rPr lang="ko-KR" altLang="en-US" dirty="0" smtClean="0"/>
-              <a:t>사용</a:t>
-            </a:r>
-            <a:r>
-              <a:rPr lang="en-US" altLang="ko-KR" dirty="0"/>
-              <a:t> </a:t>
-            </a:r>
-            <a:endParaRPr lang="ko-KR" altLang="en-US" dirty="0"/>
-          </a:p>
-          <a:p>
-            <a:r>
-              <a:rPr lang="ko-KR" altLang="en-US" dirty="0"/>
-              <a:t>문제점 해결을 위한 코드 </a:t>
-            </a:r>
-            <a:r>
-              <a:rPr lang="ko-KR" altLang="en-US" dirty="0" smtClean="0"/>
-              <a:t>추가</a:t>
-            </a:r>
-            <a:endParaRPr lang="en-US" altLang="ko-KR" dirty="0" smtClean="0"/>
-          </a:p>
-          <a:p>
-            <a:pPr marL="0" indent="0">
-              <a:buNone/>
-            </a:pPr>
-            <a:endParaRPr lang="en-US" altLang="ko-KR" dirty="0"/>
-          </a:p>
-          <a:p>
-            <a:r>
-              <a:rPr lang="en-US" altLang="ko-KR" dirty="0" smtClean="0"/>
-              <a:t>9</a:t>
-            </a:r>
-            <a:r>
-              <a:rPr lang="ko-KR" altLang="en-US" dirty="0" smtClean="0"/>
-              <a:t>주차 소감</a:t>
-            </a:r>
-            <a:endParaRPr lang="en-US" altLang="ko-KR" dirty="0" smtClean="0"/>
-          </a:p>
-          <a:p>
-            <a:pPr marL="0" indent="0">
-              <a:buNone/>
-            </a:pPr>
-            <a:r>
-              <a:rPr lang="en-US" altLang="ko-KR" dirty="0" smtClean="0"/>
-              <a:t>:</a:t>
-            </a:r>
-            <a:r>
-              <a:rPr lang="ko-KR" altLang="en-US" sz="2400" dirty="0" smtClean="0"/>
-              <a:t>지금까지 가장 단순한 </a:t>
-            </a:r>
-            <a:r>
-              <a:rPr lang="en-US" altLang="ko-KR" sz="2400" dirty="0" smtClean="0"/>
-              <a:t>item </a:t>
-            </a:r>
-            <a:r>
-              <a:rPr lang="ko-KR" altLang="en-US" sz="2400" dirty="0" smtClean="0"/>
-              <a:t>추천 구현을 해왔고 </a:t>
-            </a:r>
-            <a:r>
-              <a:rPr lang="en-US" altLang="ko-KR" sz="2400" dirty="0" smtClean="0"/>
-              <a:t>9</a:t>
-            </a:r>
-            <a:r>
-              <a:rPr lang="ko-KR" altLang="en-US" sz="2400" dirty="0" smtClean="0"/>
-              <a:t>주차 이후로는 사용자에게 맞춰주는 구현을 할 계획이고</a:t>
-            </a:r>
-            <a:r>
-              <a:rPr lang="en-US" altLang="ko-KR" sz="2400" dirty="0" smtClean="0"/>
-              <a:t>, </a:t>
-            </a:r>
-            <a:r>
-              <a:rPr lang="ko-KR" altLang="en-US" sz="2400" dirty="0" smtClean="0"/>
-              <a:t>생각보다 사용자에게 맞춤 추천이 어렵고 에러도 많이 떠서 적합한 알고리즘을 구현하려는 것으로 목표로 할 것입니다</a:t>
-            </a:r>
-            <a:r>
-              <a:rPr lang="en-US" altLang="ko-KR" sz="2400" dirty="0" smtClean="0"/>
-              <a:t>.</a:t>
-            </a:r>
-            <a:r>
-              <a:rPr lang="ko-KR" altLang="en-US" sz="2400" dirty="0" smtClean="0"/>
-              <a:t> </a:t>
-            </a:r>
-            <a:endParaRPr lang="en-US" altLang="ko-KR" sz="2400" dirty="0" smtClean="0"/>
-          </a:p>
-          <a:p>
-            <a:pPr marL="0" indent="0">
-              <a:buNone/>
-            </a:pPr>
-            <a:endParaRPr lang="en-US" altLang="ko-KR" sz="2400" dirty="0" smtClean="0"/>
-          </a:p>
-          <a:p>
-            <a:endParaRPr lang="en-US" altLang="ko-KR" sz="2400" dirty="0"/>
-          </a:p>
-        </p:txBody>
-      </p:sp>
-      <p:sp>
-        <p:nvSpPr>
-          <p:cNvPr id="4" name="날짜 개체 틀 3"/>
-          <p:cNvSpPr>
-            <a:spLocks noGrp="1"/>
-          </p:cNvSpPr>
-          <p:nvPr>
-            <p:ph type="dt" sz="half" idx="10"/>
-          </p:nvPr>
-        </p:nvSpPr>
-        <p:spPr/>
-        <p:txBody>
-          <a:bodyPr/>
-          <a:lstStyle/>
-          <a:p>
-            <a:fld id="{1BB7B2F3-4266-41AB-AD7B-A6E69253B81B}" type="datetime1">
-              <a:rPr lang="ko-KR" altLang="en-US" smtClean="0"/>
-              <a:t>2019-05-07</a:t>
-            </a:fld>
-            <a:endParaRPr lang="ko-KR" altLang="en-US"/>
-          </a:p>
-        </p:txBody>
-      </p:sp>
-      <p:sp>
-        <p:nvSpPr>
-          <p:cNvPr id="5" name="바닥글 개체 틀 4"/>
-          <p:cNvSpPr>
-            <a:spLocks noGrp="1"/>
-          </p:cNvSpPr>
-          <p:nvPr>
-            <p:ph type="ftr" sz="quarter" idx="11"/>
-          </p:nvPr>
-        </p:nvSpPr>
-        <p:spPr/>
-        <p:txBody>
-          <a:bodyPr/>
-          <a:lstStyle/>
-          <a:p>
-            <a:r>
-              <a:rPr lang="en-US" altLang="ko-KR" smtClean="0"/>
-              <a:t>2019-1</a:t>
-            </a:r>
-            <a:r>
-              <a:rPr lang="ko-KR" altLang="en-US" smtClean="0"/>
-              <a:t>학기 산학</a:t>
-            </a:r>
-            <a:r>
-              <a:rPr lang="en-US" altLang="ko-KR" smtClean="0"/>
-              <a:t>Capston Design </a:t>
-            </a:r>
-            <a:endParaRPr lang="ko-KR" altLang="en-US"/>
-          </a:p>
-        </p:txBody>
-      </p:sp>
-    </p:spTree>
-    <p:extLst>
-      <p:ext uri="{BB962C8B-B14F-4D97-AF65-F5344CB8AC3E}">
-        <p14:creationId xmlns:p14="http://schemas.microsoft.com/office/powerpoint/2010/main" val="3976008818"/>
-      </p:ext>
-    </p:extLst>
-  </p:cSld>
-  <p:clrMapOvr>
-    <a:masterClrMapping/>
-  </p:clrMapOvr>
-  <p:timing>
-    <p:tnLst>
-      <p:par>
-        <p:cTn id="1" dur="indefinite" restart="never" nodeType="tmRoot"/>
-      </p:par>
-    </p:tnLst>
-  </p:timing>
-</p:sld>
-</file>
-
 <file path=ppt/theme/theme1.xml><?xml version="1.0" encoding="utf-8"?>
 <a:theme xmlns:a="http://schemas.openxmlformats.org/drawingml/2006/main" name="Office 테마">
   <a:themeElements>

--- a/doc/9주차 ppt.pptx
+++ b/doc/9주차 ppt.pptx
@@ -13,9 +13,9 @@
     <p:sldId id="259" r:id="rId4"/>
     <p:sldId id="262" r:id="rId5"/>
     <p:sldId id="270" r:id="rId6"/>
-    <p:sldId id="264" r:id="rId7"/>
-    <p:sldId id="268" r:id="rId8"/>
-    <p:sldId id="260" r:id="rId9"/>
+    <p:sldId id="260" r:id="rId7"/>
+    <p:sldId id="264" r:id="rId8"/>
+    <p:sldId id="268" r:id="rId9"/>
     <p:sldId id="261" r:id="rId10"/>
     <p:sldId id="271" r:id="rId11"/>
     <p:sldId id="267" r:id="rId12"/>
@@ -3674,7 +3674,7 @@
           <a:p>
             <a:fld id="{43CF7BED-1FF9-42E7-AB9C-81B9B11A247B}" type="datetimeFigureOut">
               <a:rPr lang="ko-KR" altLang="en-US" smtClean="0"/>
-              <a:t>2019-05-07</a:t>
+              <a:t>2019-05-08</a:t>
             </a:fld>
             <a:endParaRPr lang="ko-KR" altLang="en-US"/>
           </a:p>
@@ -4073,7 +4073,7 @@
           <a:p>
             <a:fld id="{9A9FE9F6-FE1F-40FC-8AC6-0C9851F7C575}" type="datetime1">
               <a:rPr lang="ko-KR" altLang="en-US" smtClean="0"/>
-              <a:t>2019-05-07</a:t>
+              <a:t>2019-05-08</a:t>
             </a:fld>
             <a:endParaRPr lang="ko-KR" altLang="en-US"/>
           </a:p>
@@ -4255,7 +4255,7 @@
           <a:p>
             <a:fld id="{C45E69BA-1893-438B-8FDE-BCFF98D85F8C}" type="datetime1">
               <a:rPr lang="ko-KR" altLang="en-US" smtClean="0"/>
-              <a:t>2019-05-07</a:t>
+              <a:t>2019-05-08</a:t>
             </a:fld>
             <a:endParaRPr lang="ko-KR" altLang="en-US"/>
           </a:p>
@@ -4447,7 +4447,7 @@
           <a:p>
             <a:fld id="{D32A3E8C-1E6F-4198-A576-5656EDF3F80F}" type="datetime1">
               <a:rPr lang="ko-KR" altLang="en-US" smtClean="0"/>
-              <a:t>2019-05-07</a:t>
+              <a:t>2019-05-08</a:t>
             </a:fld>
             <a:endParaRPr lang="ko-KR" altLang="en-US"/>
           </a:p>
@@ -4629,7 +4629,7 @@
           <a:p>
             <a:fld id="{9EDBADFC-B48E-4511-B411-AEEB933E80CE}" type="datetime1">
               <a:rPr lang="ko-KR" altLang="en-US" smtClean="0"/>
-              <a:t>2019-05-07</a:t>
+              <a:t>2019-05-08</a:t>
             </a:fld>
             <a:endParaRPr lang="ko-KR" altLang="en-US"/>
           </a:p>
@@ -4887,7 +4887,7 @@
           <a:p>
             <a:fld id="{5E88F0D8-3EAA-4B46-BB04-081368F35407}" type="datetime1">
               <a:rPr lang="ko-KR" altLang="en-US" smtClean="0"/>
-              <a:t>2019-05-07</a:t>
+              <a:t>2019-05-08</a:t>
             </a:fld>
             <a:endParaRPr lang="ko-KR" altLang="en-US"/>
           </a:p>
@@ -5131,7 +5131,7 @@
           <a:p>
             <a:fld id="{C1F8A7F4-019C-45BD-9351-5D77EB9A0A34}" type="datetime1">
               <a:rPr lang="ko-KR" altLang="en-US" smtClean="0"/>
-              <a:t>2019-05-07</a:t>
+              <a:t>2019-05-08</a:t>
             </a:fld>
             <a:endParaRPr lang="ko-KR" altLang="en-US"/>
           </a:p>
@@ -5510,7 +5510,7 @@
           <a:p>
             <a:fld id="{BCFAA33E-41D6-41DA-8515-A2C3ED4DE1F8}" type="datetime1">
               <a:rPr lang="ko-KR" altLang="en-US" smtClean="0"/>
-              <a:t>2019-05-07</a:t>
+              <a:t>2019-05-08</a:t>
             </a:fld>
             <a:endParaRPr lang="ko-KR" altLang="en-US"/>
           </a:p>
@@ -5640,7 +5640,7 @@
           <a:p>
             <a:fld id="{7882512F-9C9F-48D7-A69A-700EA022B80E}" type="datetime1">
               <a:rPr lang="ko-KR" altLang="en-US" smtClean="0"/>
-              <a:t>2019-05-07</a:t>
+              <a:t>2019-05-08</a:t>
             </a:fld>
             <a:endParaRPr lang="ko-KR" altLang="en-US"/>
           </a:p>
@@ -5747,7 +5747,7 @@
           <a:p>
             <a:fld id="{E5085BFE-2F72-4E3B-9FCE-7B7129B2F115}" type="datetime1">
               <a:rPr lang="ko-KR" altLang="en-US" smtClean="0"/>
-              <a:t>2019-05-07</a:t>
+              <a:t>2019-05-08</a:t>
             </a:fld>
             <a:endParaRPr lang="ko-KR" altLang="en-US"/>
           </a:p>
@@ -6036,7 +6036,7 @@
           <a:p>
             <a:fld id="{DA115453-A257-49F6-8F4F-D54245E79F6B}" type="datetime1">
               <a:rPr lang="ko-KR" altLang="en-US" smtClean="0"/>
-              <a:t>2019-05-07</a:t>
+              <a:t>2019-05-08</a:t>
             </a:fld>
             <a:endParaRPr lang="ko-KR" altLang="en-US"/>
           </a:p>
@@ -6301,7 +6301,7 @@
           <a:p>
             <a:fld id="{86ACEA0A-41FB-478D-B8E6-5C5E07598EFB}" type="datetime1">
               <a:rPr lang="ko-KR" altLang="en-US" smtClean="0"/>
-              <a:t>2019-05-07</a:t>
+              <a:t>2019-05-08</a:t>
             </a:fld>
             <a:endParaRPr lang="ko-KR" altLang="en-US"/>
           </a:p>
@@ -6526,7 +6526,7 @@
           <a:p>
             <a:fld id="{43A00190-DB82-4BC2-B4EF-5ECD13868214}" type="datetime1">
               <a:rPr lang="ko-KR" altLang="en-US" smtClean="0"/>
-              <a:t>2019-05-07</a:t>
+              <a:t>2019-05-08</a:t>
             </a:fld>
             <a:endParaRPr lang="ko-KR" altLang="en-US"/>
           </a:p>
@@ -7081,7 +7081,7 @@
           <a:p>
             <a:fld id="{15FE3A75-6610-494F-911B-E9C2D085BFB9}" type="datetime1">
               <a:rPr lang="ko-KR" altLang="en-US" smtClean="0"/>
-              <a:t>2019-05-07</a:t>
+              <a:t>2019-05-08</a:t>
             </a:fld>
             <a:endParaRPr lang="ko-KR" altLang="en-US"/>
           </a:p>
@@ -7477,7 +7477,7 @@
           <a:p>
             <a:fld id="{9EDBADFC-B48E-4511-B411-AEEB933E80CE}" type="datetime1">
               <a:rPr lang="ko-KR" altLang="en-US" smtClean="0"/>
-              <a:t>2019-05-07</a:t>
+              <a:t>2019-05-08</a:t>
             </a:fld>
             <a:endParaRPr lang="ko-KR" altLang="en-US"/>
           </a:p>
@@ -7929,7 +7929,7 @@
           <a:p>
             <a:fld id="{1BB7B2F3-4266-41AB-AD7B-A6E69253B81B}" type="datetime1">
               <a:rPr lang="ko-KR" altLang="en-US" smtClean="0"/>
-              <a:t>2019-05-07</a:t>
+              <a:t>2019-05-08</a:t>
             </a:fld>
             <a:endParaRPr lang="ko-KR" altLang="en-US"/>
           </a:p>
@@ -8071,7 +8071,7 @@
           <a:p>
             <a:fld id="{9EDBADFC-B48E-4511-B411-AEEB933E80CE}" type="datetime1">
               <a:rPr lang="ko-KR" altLang="en-US" smtClean="0"/>
-              <a:t>2019-05-07</a:t>
+              <a:t>2019-05-08</a:t>
             </a:fld>
             <a:endParaRPr lang="ko-KR" altLang="en-US"/>
           </a:p>
@@ -8238,7 +8238,7 @@
                   </a:schemeClr>
                 </a:solidFill>
               </a:rPr>
-              <a:t>2019-05-07</a:t>
+              <a:t>2019-05-08</a:t>
             </a:fld>
             <a:endParaRPr lang="ko-KR" altLang="en-US">
               <a:solidFill>
@@ -8563,11 +8563,33 @@
             </a:r>
             <a:r>
               <a:rPr lang="en-US" altLang="ko-KR" sz="2400" dirty="0" smtClean="0"/>
-              <a:t>DB</a:t>
+              <a:t>DB </a:t>
             </a:r>
             <a:r>
               <a:rPr lang="ko-KR" altLang="en-US" sz="2400" dirty="0" smtClean="0"/>
-              <a:t> 따로 설정할 필요 없어 편리함</a:t>
+              <a:t>라서</a:t>
+            </a:r>
+            <a:endParaRPr lang="en-US" altLang="ko-KR" sz="2400" dirty="0" smtClean="0"/>
+          </a:p>
+          <a:p>
+            <a:pPr marL="0" indent="0">
+              <a:buNone/>
+            </a:pPr>
+            <a:r>
+              <a:rPr lang="en-US" altLang="ko-KR" sz="2400" dirty="0"/>
+              <a:t> </a:t>
+            </a:r>
+            <a:r>
+              <a:rPr lang="en-US" altLang="ko-KR" sz="2400" dirty="0" smtClean="0"/>
+              <a:t>            </a:t>
+            </a:r>
+            <a:r>
+              <a:rPr lang="ko-KR" altLang="en-US" sz="2400" dirty="0" smtClean="0"/>
+              <a:t> </a:t>
+            </a:r>
+            <a:r>
+              <a:rPr lang="ko-KR" altLang="en-US" sz="2400" dirty="0" smtClean="0"/>
+              <a:t>따로 설정할 필요 없어 편리함</a:t>
             </a:r>
             <a:endParaRPr lang="en-US" altLang="ko-KR" sz="2400" dirty="0"/>
           </a:p>
@@ -8607,10 +8629,10 @@
               <a:t>sqlite</a:t>
             </a:r>
             <a:r>
-              <a:rPr lang="ko-KR" altLang="en-US" sz="2400" smtClean="0"/>
+              <a:rPr lang="ko-KR" altLang="en-US" sz="2400" dirty="0" smtClean="0"/>
               <a:t> 선택</a:t>
             </a:r>
-            <a:endParaRPr lang="en-US" altLang="ko-KR" sz="2400" smtClean="0"/>
+            <a:endParaRPr lang="en-US" altLang="ko-KR" sz="2400" dirty="0" smtClean="0"/>
           </a:p>
         </p:txBody>
       </p:sp>
@@ -8631,7 +8653,7 @@
           <a:p>
             <a:fld id="{D33D2766-EA3B-42CB-B556-853AD1C138AB}" type="datetime1">
               <a:rPr lang="ko-KR" altLang="en-US" smtClean="0"/>
-              <a:t>2019-05-07</a:t>
+              <a:t>2019-05-08</a:t>
             </a:fld>
             <a:endParaRPr lang="ko-KR" altLang="en-US"/>
           </a:p>
@@ -8982,7 +9004,7 @@
           <a:p>
             <a:fld id="{308B675C-ABEF-43CB-824B-10C05A81B4CA}" type="datetime1">
               <a:rPr lang="ko-KR" altLang="en-US" smtClean="0"/>
-              <a:t>2019-05-07</a:t>
+              <a:t>2019-05-08</a:t>
             </a:fld>
             <a:endParaRPr lang="ko-KR" altLang="en-US" dirty="0"/>
           </a:p>
@@ -9954,7 +9976,7 @@
           <a:p>
             <a:fld id="{308B675C-ABEF-43CB-824B-10C05A81B4CA}" type="datetime1">
               <a:rPr lang="ko-KR" altLang="en-US" smtClean="0"/>
-              <a:t>2019-05-07</a:t>
+              <a:t>2019-05-08</a:t>
             </a:fld>
             <a:endParaRPr lang="ko-KR" altLang="en-US"/>
           </a:p>
@@ -10125,28 +10147,18 @@
         </p:nvSpPr>
         <p:spPr/>
         <p:txBody>
-          <a:bodyPr>
-            <a:normAutofit/>
-          </a:bodyPr>
+          <a:bodyPr/>
           <a:lstStyle/>
           <a:p>
             <a:r>
-              <a:rPr lang="ko-KR" altLang="en-US" sz="4000" dirty="0" err="1" smtClean="0"/>
-              <a:t>추천시스템</a:t>
-            </a:r>
-            <a:r>
-              <a:rPr lang="en-US" altLang="ko-KR" sz="4000" b="1" dirty="0" smtClean="0"/>
-              <a:t>(Recommendation System)</a:t>
-            </a:r>
-            <a:r>
-              <a:rPr lang="ko-KR" altLang="en-US" sz="4000" dirty="0" smtClean="0"/>
-              <a:t>이란</a:t>
-            </a:r>
-            <a:r>
-              <a:rPr lang="en-US" altLang="ko-KR" sz="4000" dirty="0" smtClean="0"/>
-              <a:t>?</a:t>
-            </a:r>
-            <a:endParaRPr lang="ko-KR" altLang="en-US" sz="4000" dirty="0"/>
+              <a:rPr lang="en-US" altLang="ko-KR" dirty="0" smtClean="0"/>
+              <a:t>FCMW</a:t>
+            </a:r>
+            <a:r>
+              <a:rPr lang="ko-KR" altLang="en-US" dirty="0" smtClean="0"/>
+              <a:t>웹사이트의 문제점과 해결방안</a:t>
+            </a:r>
+            <a:endParaRPr lang="ko-KR" altLang="en-US" dirty="0"/>
           </a:p>
         </p:txBody>
       </p:sp>
@@ -10162,159 +10174,114 @@
         </p:nvSpPr>
         <p:spPr/>
         <p:txBody>
-          <a:bodyPr>
-            <a:normAutofit/>
-          </a:bodyPr>
+          <a:bodyPr/>
           <a:lstStyle/>
           <a:p>
             <a:r>
-              <a:rPr lang="en-US" altLang="ko-KR" sz="2000" dirty="0" smtClean="0"/>
-              <a:t>Selection, Search</a:t>
-            </a:r>
-            <a:r>
-              <a:rPr lang="ko-KR" altLang="en-US" sz="2000" dirty="0" smtClean="0"/>
-              <a:t>로 부터의 한단계 진화</a:t>
-            </a:r>
-            <a:endParaRPr lang="en-US" altLang="ko-KR" sz="2000" dirty="0" smtClean="0"/>
-          </a:p>
-          <a:p>
-            <a:endParaRPr lang="ko-KR" altLang="en-US" sz="2000" dirty="0" smtClean="0"/>
-          </a:p>
-          <a:p>
-            <a:r>
-              <a:rPr lang="en-US" altLang="ko-KR" sz="2000" dirty="0" smtClean="0"/>
-              <a:t>item </a:t>
-            </a:r>
-            <a:r>
-              <a:rPr lang="ko-KR" altLang="en-US" sz="2000" dirty="0" smtClean="0"/>
-              <a:t>개수가 </a:t>
-            </a:r>
-            <a:r>
-              <a:rPr lang="ko-KR" altLang="en-US" sz="2000" dirty="0" err="1" smtClean="0"/>
-              <a:t>한명의</a:t>
-            </a:r>
-            <a:r>
-              <a:rPr lang="ko-KR" altLang="en-US" sz="2000" dirty="0" smtClean="0"/>
-              <a:t> 사용자가 한번에 열람 가능한 경우</a:t>
-            </a:r>
-            <a:r>
-              <a:rPr lang="en-US" altLang="ko-KR" sz="2000" dirty="0" smtClean="0"/>
-              <a:t>,</a:t>
-            </a:r>
-          </a:p>
-          <a:p>
-            <a:pPr marL="0" indent="0">
+              <a:rPr lang="ko-KR" altLang="en-US" dirty="0" smtClean="0"/>
+              <a:t>문제점과 해결방안</a:t>
+            </a:r>
+          </a:p>
+          <a:p>
+            <a:pPr lvl="1"/>
+            <a:r>
+              <a:rPr lang="en-US" altLang="ko-KR" dirty="0" smtClean="0"/>
+              <a:t>Cold Start Problem</a:t>
+            </a:r>
+          </a:p>
+          <a:p>
+            <a:pPr lvl="2"/>
+            <a:r>
+              <a:rPr lang="ko-KR" altLang="en-US" dirty="0" smtClean="0"/>
+              <a:t>첫 방문한 사용자는 유사한 사용자가 없기 때문에 추천이 되질 않음</a:t>
+            </a:r>
+          </a:p>
+          <a:p>
+            <a:pPr marL="914400" lvl="2" indent="0">
               <a:buNone/>
             </a:pPr>
             <a:r>
-              <a:rPr lang="en-US" altLang="ko-KR" sz="2000" dirty="0"/>
-              <a:t> </a:t>
-            </a:r>
-            <a:r>
-              <a:rPr lang="en-US" altLang="ko-KR" sz="2000" dirty="0" smtClean="0"/>
-              <a:t> </a:t>
-            </a:r>
-            <a:r>
-              <a:rPr lang="ko-KR" altLang="en-US" sz="2000" dirty="0" smtClean="0"/>
-              <a:t>보통 사용자는 본인 기준에 의해 </a:t>
-            </a:r>
-            <a:r>
-              <a:rPr lang="en-US" altLang="ko-KR" sz="2000" dirty="0" smtClean="0"/>
-              <a:t>selection </a:t>
-            </a:r>
-            <a:r>
-              <a:rPr lang="ko-KR" altLang="en-US" sz="2000" dirty="0" smtClean="0"/>
-              <a:t>함</a:t>
-            </a:r>
-            <a:endParaRPr lang="en-US" altLang="ko-KR" sz="2000" dirty="0" smtClean="0"/>
-          </a:p>
-          <a:p>
-            <a:endParaRPr lang="ko-KR" altLang="en-US" sz="2000" dirty="0" smtClean="0"/>
-          </a:p>
-          <a:p>
-            <a:r>
-              <a:rPr lang="en-US" altLang="ko-KR" sz="2000" dirty="0" smtClean="0"/>
-              <a:t>item </a:t>
-            </a:r>
-            <a:r>
-              <a:rPr lang="ko-KR" altLang="en-US" sz="2000" dirty="0" smtClean="0"/>
-              <a:t>개수가 많아지면</a:t>
-            </a:r>
-            <a:r>
-              <a:rPr lang="en-US" altLang="ko-KR" sz="2000" dirty="0" smtClean="0"/>
+              <a:rPr lang="en-US" altLang="ko-KR" dirty="0" smtClean="0"/>
+              <a:t>-&gt;</a:t>
+            </a:r>
+            <a:r>
+              <a:rPr lang="ko-KR" altLang="en-US" dirty="0" smtClean="0"/>
+              <a:t>따라서</a:t>
+            </a:r>
+            <a:r>
+              <a:rPr lang="en-US" altLang="ko-KR" dirty="0" smtClean="0"/>
               <a:t>, </a:t>
             </a:r>
             <a:r>
-              <a:rPr lang="ko-KR" altLang="en-US" sz="2000" dirty="0" smtClean="0"/>
-              <a:t>사용자는 원하는 </a:t>
-            </a:r>
-            <a:r>
-              <a:rPr lang="en-US" altLang="ko-KR" sz="2000" dirty="0" smtClean="0"/>
-              <a:t>query(</a:t>
-            </a:r>
-            <a:r>
-              <a:rPr lang="ko-KR" altLang="en-US" sz="2000" dirty="0" err="1" smtClean="0"/>
-              <a:t>질의어</a:t>
-            </a:r>
-            <a:r>
-              <a:rPr lang="en-US" altLang="ko-KR" sz="2000" dirty="0" smtClean="0"/>
-              <a:t>)</a:t>
-            </a:r>
-            <a:r>
-              <a:rPr lang="ko-KR" altLang="en-US" sz="2000" dirty="0" smtClean="0"/>
-              <a:t>로 </a:t>
-            </a:r>
-            <a:r>
-              <a:rPr lang="en-US" altLang="ko-KR" sz="2000" dirty="0" smtClean="0"/>
-              <a:t>search</a:t>
-            </a:r>
-            <a:r>
-              <a:rPr lang="ko-KR" altLang="en-US" sz="2000" dirty="0" smtClean="0"/>
-              <a:t>를 시도</a:t>
-            </a:r>
-            <a:endParaRPr lang="en-US" altLang="ko-KR" sz="2000" dirty="0" smtClean="0"/>
-          </a:p>
-          <a:p>
-            <a:endParaRPr lang="ko-KR" altLang="en-US" sz="2000" dirty="0" smtClean="0"/>
-          </a:p>
-          <a:p>
-            <a:r>
-              <a:rPr lang="en-US" altLang="ko-KR" sz="2000" dirty="0" smtClean="0"/>
-              <a:t>item </a:t>
-            </a:r>
-            <a:r>
-              <a:rPr lang="ko-KR" altLang="en-US" sz="2000" dirty="0" smtClean="0"/>
-              <a:t>개수도 많고</a:t>
-            </a:r>
-            <a:r>
-              <a:rPr lang="en-US" altLang="ko-KR" sz="2000" dirty="0" smtClean="0"/>
+              <a:rPr lang="ko-KR" altLang="en-US" dirty="0" err="1" smtClean="0"/>
+              <a:t>웹페이지</a:t>
+            </a:r>
+            <a:r>
+              <a:rPr lang="ko-KR" altLang="en-US" dirty="0" smtClean="0"/>
+              <a:t> 첫 방문 시</a:t>
+            </a:r>
+            <a:r>
+              <a:rPr lang="en-US" altLang="ko-KR" dirty="0" smtClean="0"/>
               <a:t>, </a:t>
             </a:r>
             <a:r>
-              <a:rPr lang="ko-KR" altLang="en-US" sz="2000" dirty="0" smtClean="0"/>
-              <a:t>원하는 질의</a:t>
-            </a:r>
-            <a:r>
-              <a:rPr lang="en-US" altLang="ko-KR" sz="2000" dirty="0" smtClean="0"/>
-              <a:t>(query)</a:t>
-            </a:r>
-            <a:r>
-              <a:rPr lang="ko-KR" altLang="en-US" sz="2000" dirty="0" smtClean="0"/>
-              <a:t>가 무엇인지조차 모를 때</a:t>
-            </a:r>
-            <a:r>
-              <a:rPr lang="en-US" altLang="ko-KR" sz="2000" dirty="0" smtClean="0"/>
-              <a:t>, </a:t>
-            </a:r>
-            <a:r>
-              <a:rPr lang="ko-KR" altLang="en-US" sz="2000" dirty="0" smtClean="0"/>
-              <a:t>추천시스템이 매우 유용</a:t>
-            </a:r>
-          </a:p>
-          <a:p>
-            <a:pPr marL="0" indent="0">
+              <a:rPr lang="ko-KR" altLang="en-US" dirty="0" smtClean="0"/>
+              <a:t>일정 개수 이상의 코디에 평점을 남기는 것을 유도</a:t>
+            </a:r>
+            <a:endParaRPr lang="en-US" altLang="ko-KR" dirty="0" smtClean="0"/>
+          </a:p>
+          <a:p>
+            <a:pPr marL="914400" lvl="2" indent="0">
               <a:buNone/>
             </a:pPr>
+            <a:endParaRPr lang="ko-KR" altLang="en-US" dirty="0" smtClean="0"/>
+          </a:p>
+          <a:p>
+            <a:pPr lvl="1"/>
+            <a:r>
+              <a:rPr lang="en-US" altLang="ko-KR" dirty="0" smtClean="0"/>
+              <a:t>User-Rating sparsity Problem</a:t>
+            </a:r>
+          </a:p>
+          <a:p>
+            <a:pPr lvl="2"/>
+            <a:r>
+              <a:rPr lang="ko-KR" altLang="en-US" dirty="0" smtClean="0"/>
+              <a:t>대부분의 사용자는 평점을 잘 남기지 않는 경향이 있음</a:t>
+            </a:r>
+            <a:endParaRPr lang="en-US" altLang="ko-KR" dirty="0" smtClean="0"/>
+          </a:p>
+          <a:p>
+            <a:pPr marL="914400" lvl="2" indent="0">
+              <a:buNone/>
+            </a:pPr>
+            <a:r>
+              <a:rPr lang="en-US" altLang="ko-KR" dirty="0" smtClean="0"/>
+              <a:t>-&gt;</a:t>
+            </a:r>
+            <a:r>
+              <a:rPr lang="ko-KR" altLang="en-US" dirty="0" smtClean="0"/>
+              <a:t>이들에게는 개인화가 어려움</a:t>
+            </a:r>
+            <a:r>
+              <a:rPr lang="en-US" altLang="ko-KR" dirty="0" smtClean="0"/>
+              <a:t>, Popularity based </a:t>
+            </a:r>
+            <a:r>
+              <a:rPr lang="ko-KR" altLang="en-US" dirty="0" smtClean="0"/>
+              <a:t>추천</a:t>
+            </a:r>
+          </a:p>
+          <a:p>
+            <a:pPr marL="914400" lvl="2" indent="0">
+              <a:buNone/>
+            </a:pPr>
+            <a:endParaRPr lang="ko-KR" altLang="en-US" dirty="0" smtClean="0"/>
+          </a:p>
+          <a:p>
+            <a:endParaRPr lang="ko-KR" altLang="en-US" dirty="0" smtClean="0"/>
+          </a:p>
+          <a:p>
             <a:endParaRPr lang="ko-KR" altLang="en-US" dirty="0"/>
           </a:p>
         </p:txBody>
@@ -10334,9 +10301,9 @@
           <a:bodyPr/>
           <a:lstStyle/>
           <a:p>
-            <a:fld id="{5F21CB7E-D995-402D-885E-9A2AEA99DFE3}" type="datetime1">
+            <a:fld id="{1F298401-C910-4A28-9CD8-5088B7FD7884}" type="datetime1">
               <a:rPr lang="ko-KR" altLang="en-US" smtClean="0"/>
-              <a:t>2019-05-07</a:t>
+              <a:t>2019-05-08</a:t>
             </a:fld>
             <a:endParaRPr lang="ko-KR" altLang="en-US"/>
           </a:p>
@@ -10376,7 +10343,7 @@
     </p:spTree>
     <p:extLst>
       <p:ext uri="{BB962C8B-B14F-4D97-AF65-F5344CB8AC3E}">
-        <p14:creationId xmlns:p14="http://schemas.microsoft.com/office/powerpoint/2010/main" val="1221479008"/>
+        <p14:creationId xmlns:p14="http://schemas.microsoft.com/office/powerpoint/2010/main" val="649469230"/>
       </p:ext>
     </p:extLst>
   </p:cSld>
@@ -10422,45 +10389,203 @@
         </p:nvSpPr>
         <p:spPr/>
         <p:txBody>
-          <a:bodyPr/>
+          <a:bodyPr>
+            <a:normAutofit/>
+          </a:bodyPr>
           <a:lstStyle/>
           <a:p>
             <a:r>
-              <a:rPr lang="ko-KR" altLang="en-US" dirty="0" smtClean="0"/>
-              <a:t>추천 기본 알고리즘 단계</a:t>
-            </a:r>
-            <a:endParaRPr lang="ko-KR" altLang="en-US" dirty="0"/>
-          </a:p>
-        </p:txBody>
-      </p:sp>
-      <p:graphicFrame>
-        <p:nvGraphicFramePr>
-          <p:cNvPr id="6" name="내용 개체 틀 5"/>
-          <p:cNvGraphicFramePr>
-            <a:graphicFrameLocks noGrp="1"/>
-          </p:cNvGraphicFramePr>
+              <a:rPr lang="ko-KR" altLang="en-US" sz="4000" dirty="0" err="1" smtClean="0"/>
+              <a:t>추천시스템</a:t>
+            </a:r>
+            <a:r>
+              <a:rPr lang="en-US" altLang="ko-KR" sz="4000" b="1" dirty="0" smtClean="0"/>
+              <a:t>(Recommendation System)</a:t>
+            </a:r>
+            <a:r>
+              <a:rPr lang="ko-KR" altLang="en-US" sz="4000" dirty="0" smtClean="0"/>
+              <a:t>이란</a:t>
+            </a:r>
+            <a:r>
+              <a:rPr lang="en-US" altLang="ko-KR" sz="4000" dirty="0" smtClean="0"/>
+              <a:t>?</a:t>
+            </a:r>
+            <a:endParaRPr lang="ko-KR" altLang="en-US" sz="4000" dirty="0"/>
+          </a:p>
+        </p:txBody>
+      </p:sp>
+      <p:sp>
+        <p:nvSpPr>
+          <p:cNvPr id="3" name="내용 개체 틀 2"/>
+          <p:cNvSpPr>
+            <a:spLocks noGrp="1"/>
+          </p:cNvSpPr>
           <p:nvPr>
             <p:ph idx="1"/>
-            <p:extLst>
-              <p:ext uri="{D42A27DB-BD31-4B8C-83A1-F6EECF244321}">
-                <p14:modId xmlns:p14="http://schemas.microsoft.com/office/powerpoint/2010/main" val="965540937"/>
-              </p:ext>
-            </p:extLst>
           </p:nvPr>
-        </p:nvGraphicFramePr>
-        <p:xfrm>
-          <a:off x="838200" y="1825625"/>
-          <a:ext cx="10515600" cy="4351338"/>
-        </p:xfrm>
-        <a:graphic>
-          <a:graphicData uri="http://schemas.openxmlformats.org/drawingml/2006/diagram">
-            <dgm:relIds xmlns:dgm="http://schemas.openxmlformats.org/drawingml/2006/diagram" xmlns:r="http://schemas.openxmlformats.org/officeDocument/2006/relationships" r:dm="rId2" r:lo="rId3" r:qs="rId4" r:cs="rId5"/>
-          </a:graphicData>
-        </a:graphic>
-      </p:graphicFrame>
-      <p:sp>
-        <p:nvSpPr>
-          <p:cNvPr id="3" name="날짜 개체 틀 2"/>
+        </p:nvSpPr>
+        <p:spPr/>
+        <p:txBody>
+          <a:bodyPr>
+            <a:normAutofit/>
+          </a:bodyPr>
+          <a:lstStyle/>
+          <a:p>
+            <a:r>
+              <a:rPr lang="en-US" altLang="ko-KR" sz="2000" dirty="0" smtClean="0"/>
+              <a:t>Selection, Search</a:t>
+            </a:r>
+            <a:r>
+              <a:rPr lang="ko-KR" altLang="en-US" sz="2000" dirty="0" smtClean="0"/>
+              <a:t>로 부터의 한단계 진화</a:t>
+            </a:r>
+            <a:endParaRPr lang="en-US" altLang="ko-KR" sz="2000" dirty="0" smtClean="0"/>
+          </a:p>
+          <a:p>
+            <a:endParaRPr lang="ko-KR" altLang="en-US" sz="2000" dirty="0" smtClean="0"/>
+          </a:p>
+          <a:p>
+            <a:r>
+              <a:rPr lang="en-US" altLang="ko-KR" sz="2000" dirty="0" smtClean="0"/>
+              <a:t>item </a:t>
+            </a:r>
+            <a:r>
+              <a:rPr lang="ko-KR" altLang="en-US" sz="2000" dirty="0" smtClean="0"/>
+              <a:t>개수가 </a:t>
+            </a:r>
+            <a:r>
+              <a:rPr lang="ko-KR" altLang="en-US" sz="2000" dirty="0" err="1" smtClean="0"/>
+              <a:t>한명의</a:t>
+            </a:r>
+            <a:r>
+              <a:rPr lang="ko-KR" altLang="en-US" sz="2000" dirty="0" smtClean="0"/>
+              <a:t> 사용자가 한번에 열람 가능한 경우</a:t>
+            </a:r>
+            <a:r>
+              <a:rPr lang="en-US" altLang="ko-KR" sz="2000" dirty="0" smtClean="0"/>
+              <a:t>,</a:t>
+            </a:r>
+          </a:p>
+          <a:p>
+            <a:pPr marL="0" indent="0">
+              <a:buNone/>
+            </a:pPr>
+            <a:r>
+              <a:rPr lang="en-US" altLang="ko-KR" sz="2000" dirty="0"/>
+              <a:t> </a:t>
+            </a:r>
+            <a:r>
+              <a:rPr lang="en-US" altLang="ko-KR" sz="2000" dirty="0" smtClean="0"/>
+              <a:t> </a:t>
+            </a:r>
+            <a:r>
+              <a:rPr lang="ko-KR" altLang="en-US" sz="2000" dirty="0" smtClean="0"/>
+              <a:t>보통 사용자는 본인 기준에 의해 </a:t>
+            </a:r>
+            <a:r>
+              <a:rPr lang="en-US" altLang="ko-KR" sz="2000" dirty="0" smtClean="0"/>
+              <a:t>selection </a:t>
+            </a:r>
+            <a:r>
+              <a:rPr lang="ko-KR" altLang="en-US" sz="2000" dirty="0" smtClean="0"/>
+              <a:t>함</a:t>
+            </a:r>
+            <a:endParaRPr lang="en-US" altLang="ko-KR" sz="2000" dirty="0" smtClean="0"/>
+          </a:p>
+          <a:p>
+            <a:endParaRPr lang="ko-KR" altLang="en-US" sz="2000" dirty="0" smtClean="0"/>
+          </a:p>
+          <a:p>
+            <a:r>
+              <a:rPr lang="en-US" altLang="ko-KR" sz="2000" dirty="0" smtClean="0"/>
+              <a:t>item </a:t>
+            </a:r>
+            <a:r>
+              <a:rPr lang="ko-KR" altLang="en-US" sz="2000" dirty="0" smtClean="0"/>
+              <a:t>개수가 많아지면</a:t>
+            </a:r>
+            <a:r>
+              <a:rPr lang="en-US" altLang="ko-KR" sz="2000" dirty="0" smtClean="0"/>
+              <a:t>, </a:t>
+            </a:r>
+            <a:r>
+              <a:rPr lang="ko-KR" altLang="en-US" sz="2000" dirty="0" smtClean="0"/>
+              <a:t>사용자는 원하는 </a:t>
+            </a:r>
+            <a:r>
+              <a:rPr lang="en-US" altLang="ko-KR" sz="2000" dirty="0" smtClean="0"/>
+              <a:t>query(</a:t>
+            </a:r>
+            <a:r>
+              <a:rPr lang="ko-KR" altLang="en-US" sz="2000" dirty="0" err="1" smtClean="0"/>
+              <a:t>질의어</a:t>
+            </a:r>
+            <a:r>
+              <a:rPr lang="en-US" altLang="ko-KR" sz="2000" dirty="0" smtClean="0"/>
+              <a:t>)</a:t>
+            </a:r>
+            <a:r>
+              <a:rPr lang="ko-KR" altLang="en-US" sz="2000" dirty="0" smtClean="0"/>
+              <a:t>로 </a:t>
+            </a:r>
+            <a:r>
+              <a:rPr lang="en-US" altLang="ko-KR" sz="2000" dirty="0" smtClean="0"/>
+              <a:t>search</a:t>
+            </a:r>
+            <a:r>
+              <a:rPr lang="ko-KR" altLang="en-US" sz="2000" dirty="0" smtClean="0"/>
+              <a:t>를 시도</a:t>
+            </a:r>
+            <a:endParaRPr lang="en-US" altLang="ko-KR" sz="2000" dirty="0" smtClean="0"/>
+          </a:p>
+          <a:p>
+            <a:endParaRPr lang="ko-KR" altLang="en-US" sz="2000" dirty="0" smtClean="0"/>
+          </a:p>
+          <a:p>
+            <a:r>
+              <a:rPr lang="en-US" altLang="ko-KR" sz="2000" dirty="0" smtClean="0"/>
+              <a:t>item </a:t>
+            </a:r>
+            <a:r>
+              <a:rPr lang="ko-KR" altLang="en-US" sz="2000" dirty="0" smtClean="0"/>
+              <a:t>개수도 많고</a:t>
+            </a:r>
+            <a:r>
+              <a:rPr lang="en-US" altLang="ko-KR" sz="2000" dirty="0" smtClean="0"/>
+              <a:t>, </a:t>
+            </a:r>
+            <a:r>
+              <a:rPr lang="ko-KR" altLang="en-US" sz="2000" dirty="0" smtClean="0"/>
+              <a:t>원하는 질의</a:t>
+            </a:r>
+            <a:r>
+              <a:rPr lang="en-US" altLang="ko-KR" sz="2000" dirty="0" smtClean="0"/>
+              <a:t>(query)</a:t>
+            </a:r>
+            <a:r>
+              <a:rPr lang="ko-KR" altLang="en-US" sz="2000" dirty="0" smtClean="0"/>
+              <a:t>가 무엇인지조차 모를 때</a:t>
+            </a:r>
+            <a:r>
+              <a:rPr lang="en-US" altLang="ko-KR" sz="2000" dirty="0" smtClean="0"/>
+              <a:t>, </a:t>
+            </a:r>
+            <a:r>
+              <a:rPr lang="ko-KR" altLang="en-US" sz="2000" dirty="0" smtClean="0"/>
+              <a:t>추천시스템이 매우 유용</a:t>
+            </a:r>
+          </a:p>
+          <a:p>
+            <a:pPr marL="0" indent="0">
+              <a:buNone/>
+            </a:pPr>
+            <a:endParaRPr lang="ko-KR" altLang="en-US" dirty="0"/>
+          </a:p>
+        </p:txBody>
+      </p:sp>
+      <p:sp>
+        <p:nvSpPr>
+          <p:cNvPr id="4" name="날짜 개체 틀 3"/>
           <p:cNvSpPr>
             <a:spLocks noGrp="1"/>
           </p:cNvSpPr>
@@ -10473,9 +10598,9 @@
           <a:bodyPr/>
           <a:lstStyle/>
           <a:p>
-            <a:fld id="{64E9CA78-7277-4C2E-94BC-DFEE05DCFE1B}" type="datetime1">
+            <a:fld id="{5F21CB7E-D995-402D-885E-9A2AEA99DFE3}" type="datetime1">
               <a:rPr lang="ko-KR" altLang="en-US" smtClean="0"/>
-              <a:t>2019-05-07</a:t>
+              <a:t>2019-05-08</a:t>
             </a:fld>
             <a:endParaRPr lang="ko-KR" altLang="en-US"/>
           </a:p>
@@ -10483,7 +10608,7 @@
       </p:sp>
       <p:sp>
         <p:nvSpPr>
-          <p:cNvPr id="4" name="바닥글 개체 틀 3"/>
+          <p:cNvPr id="5" name="바닥글 개체 틀 4"/>
           <p:cNvSpPr>
             <a:spLocks noGrp="1"/>
           </p:cNvSpPr>
@@ -10515,7 +10640,7 @@
     </p:spTree>
     <p:extLst>
       <p:ext uri="{BB962C8B-B14F-4D97-AF65-F5344CB8AC3E}">
-        <p14:creationId xmlns:p14="http://schemas.microsoft.com/office/powerpoint/2010/main" val="854264164"/>
+        <p14:creationId xmlns:p14="http://schemas.microsoft.com/office/powerpoint/2010/main" val="1221479008"/>
       </p:ext>
     </p:extLst>
   </p:cSld>
@@ -10565,144 +10690,41 @@
           <a:lstStyle/>
           <a:p>
             <a:r>
-              <a:rPr lang="en-US" altLang="ko-KR" dirty="0" smtClean="0"/>
-              <a:t>FCMW</a:t>
-            </a:r>
-            <a:r>
               <a:rPr lang="ko-KR" altLang="en-US" dirty="0" smtClean="0"/>
-              <a:t>웹사이트의 문제점과 해결방안</a:t>
+              <a:t>추천 기본 알고리즘 단계</a:t>
             </a:r>
             <a:endParaRPr lang="ko-KR" altLang="en-US" dirty="0"/>
           </a:p>
         </p:txBody>
       </p:sp>
-      <p:sp>
-        <p:nvSpPr>
-          <p:cNvPr id="3" name="내용 개체 틀 2"/>
-          <p:cNvSpPr>
-            <a:spLocks noGrp="1"/>
-          </p:cNvSpPr>
+      <p:graphicFrame>
+        <p:nvGraphicFramePr>
+          <p:cNvPr id="6" name="내용 개체 틀 5"/>
+          <p:cNvGraphicFramePr>
+            <a:graphicFrameLocks noGrp="1"/>
+          </p:cNvGraphicFramePr>
           <p:nvPr>
             <p:ph idx="1"/>
+            <p:extLst>
+              <p:ext uri="{D42A27DB-BD31-4B8C-83A1-F6EECF244321}">
+                <p14:modId xmlns:p14="http://schemas.microsoft.com/office/powerpoint/2010/main" val="965540937"/>
+              </p:ext>
+            </p:extLst>
           </p:nvPr>
-        </p:nvSpPr>
-        <p:spPr/>
-        <p:txBody>
-          <a:bodyPr/>
-          <a:lstStyle/>
-          <a:p>
-            <a:r>
-              <a:rPr lang="ko-KR" altLang="en-US" dirty="0" smtClean="0"/>
-              <a:t>문제점과 해결방안</a:t>
-            </a:r>
-          </a:p>
-          <a:p>
-            <a:pPr lvl="1"/>
-            <a:r>
-              <a:rPr lang="en-US" altLang="ko-KR" dirty="0" smtClean="0"/>
-              <a:t>Cold Start Problem</a:t>
-            </a:r>
-          </a:p>
-          <a:p>
-            <a:pPr lvl="2"/>
-            <a:r>
-              <a:rPr lang="ko-KR" altLang="en-US" dirty="0" smtClean="0"/>
-              <a:t>첫 방문한 사용자는 유사한 사용자가 없기 때문에 추천이 되질 않음</a:t>
-            </a:r>
-          </a:p>
-          <a:p>
-            <a:pPr marL="914400" lvl="2" indent="0">
-              <a:buNone/>
-            </a:pPr>
-            <a:r>
-              <a:rPr lang="en-US" altLang="ko-KR" dirty="0" smtClean="0"/>
-              <a:t>-&gt;</a:t>
-            </a:r>
-            <a:r>
-              <a:rPr lang="ko-KR" altLang="en-US" dirty="0" smtClean="0"/>
-              <a:t>따라서</a:t>
-            </a:r>
-            <a:r>
-              <a:rPr lang="en-US" altLang="ko-KR" dirty="0" smtClean="0"/>
-              <a:t>, </a:t>
-            </a:r>
-            <a:r>
-              <a:rPr lang="ko-KR" altLang="en-US" dirty="0" err="1" smtClean="0"/>
-              <a:t>웹페이지</a:t>
-            </a:r>
-            <a:r>
-              <a:rPr lang="ko-KR" altLang="en-US" dirty="0" smtClean="0"/>
-              <a:t> 첫 방문 시</a:t>
-            </a:r>
-            <a:r>
-              <a:rPr lang="en-US" altLang="ko-KR" dirty="0" smtClean="0"/>
-              <a:t>, </a:t>
-            </a:r>
-            <a:r>
-              <a:rPr lang="ko-KR" altLang="en-US" dirty="0" smtClean="0"/>
-              <a:t>일정 개수 이상의 코디에 평점을 남기는 것을 유도</a:t>
-            </a:r>
-            <a:endParaRPr lang="en-US" altLang="ko-KR" dirty="0" smtClean="0"/>
-          </a:p>
-          <a:p>
-            <a:pPr marL="914400" lvl="2" indent="0">
-              <a:buNone/>
-            </a:pPr>
-            <a:endParaRPr lang="ko-KR" altLang="en-US" dirty="0" smtClean="0"/>
-          </a:p>
-          <a:p>
-            <a:pPr lvl="1"/>
-            <a:r>
-              <a:rPr lang="en-US" altLang="ko-KR" dirty="0" smtClean="0"/>
-              <a:t>User-Rating sparsity Problem</a:t>
-            </a:r>
-          </a:p>
-          <a:p>
-            <a:pPr lvl="2"/>
-            <a:r>
-              <a:rPr lang="ko-KR" altLang="en-US" dirty="0" smtClean="0"/>
-              <a:t>대부분의 사용자는 평점을 잘 남기지 않는 경향이 있음</a:t>
-            </a:r>
-            <a:endParaRPr lang="en-US" altLang="ko-KR" dirty="0" smtClean="0"/>
-          </a:p>
-          <a:p>
-            <a:pPr marL="914400" lvl="2" indent="0">
-              <a:buNone/>
-            </a:pPr>
-            <a:r>
-              <a:rPr lang="en-US" altLang="ko-KR" dirty="0" smtClean="0"/>
-              <a:t>-&gt;</a:t>
-            </a:r>
-            <a:r>
-              <a:rPr lang="ko-KR" altLang="en-US" dirty="0" smtClean="0"/>
-              <a:t>이들에게는 개인화가 어려움</a:t>
-            </a:r>
-            <a:r>
-              <a:rPr lang="en-US" altLang="ko-KR" dirty="0" smtClean="0"/>
-              <a:t>, Popularity based </a:t>
-            </a:r>
-            <a:r>
-              <a:rPr lang="ko-KR" altLang="en-US" dirty="0" smtClean="0"/>
-              <a:t>추천</a:t>
-            </a:r>
-          </a:p>
-          <a:p>
-            <a:pPr marL="914400" lvl="2" indent="0">
-              <a:buNone/>
-            </a:pPr>
-            <a:endParaRPr lang="ko-KR" altLang="en-US" dirty="0" smtClean="0"/>
-          </a:p>
-          <a:p>
-            <a:endParaRPr lang="ko-KR" altLang="en-US" dirty="0" smtClean="0"/>
-          </a:p>
-          <a:p>
-            <a:endParaRPr lang="ko-KR" altLang="en-US" dirty="0"/>
-          </a:p>
-        </p:txBody>
-      </p:sp>
-      <p:sp>
-        <p:nvSpPr>
-          <p:cNvPr id="4" name="날짜 개체 틀 3"/>
+        </p:nvGraphicFramePr>
+        <p:xfrm>
+          <a:off x="838200" y="1825625"/>
+          <a:ext cx="10515600" cy="4351338"/>
+        </p:xfrm>
+        <a:graphic>
+          <a:graphicData uri="http://schemas.openxmlformats.org/drawingml/2006/diagram">
+            <dgm:relIds xmlns:dgm="http://schemas.openxmlformats.org/drawingml/2006/diagram" xmlns:r="http://schemas.openxmlformats.org/officeDocument/2006/relationships" r:dm="rId2" r:lo="rId3" r:qs="rId4" r:cs="rId5"/>
+          </a:graphicData>
+        </a:graphic>
+      </p:graphicFrame>
+      <p:sp>
+        <p:nvSpPr>
+          <p:cNvPr id="3" name="날짜 개체 틀 2"/>
           <p:cNvSpPr>
             <a:spLocks noGrp="1"/>
           </p:cNvSpPr>
@@ -10715,9 +10737,9 @@
           <a:bodyPr/>
           <a:lstStyle/>
           <a:p>
-            <a:fld id="{1F298401-C910-4A28-9CD8-5088B7FD7884}" type="datetime1">
+            <a:fld id="{64E9CA78-7277-4C2E-94BC-DFEE05DCFE1B}" type="datetime1">
               <a:rPr lang="ko-KR" altLang="en-US" smtClean="0"/>
-              <a:t>2019-05-07</a:t>
+              <a:t>2019-05-08</a:t>
             </a:fld>
             <a:endParaRPr lang="ko-KR" altLang="en-US"/>
           </a:p>
@@ -10725,7 +10747,7 @@
       </p:sp>
       <p:sp>
         <p:nvSpPr>
-          <p:cNvPr id="5" name="바닥글 개체 틀 4"/>
+          <p:cNvPr id="4" name="바닥글 개체 틀 3"/>
           <p:cNvSpPr>
             <a:spLocks noGrp="1"/>
           </p:cNvSpPr>
@@ -10757,7 +10779,7 @@
     </p:spTree>
     <p:extLst>
       <p:ext uri="{BB962C8B-B14F-4D97-AF65-F5344CB8AC3E}">
-        <p14:creationId xmlns:p14="http://schemas.microsoft.com/office/powerpoint/2010/main" val="649469230"/>
+        <p14:creationId xmlns:p14="http://schemas.microsoft.com/office/powerpoint/2010/main" val="854264164"/>
       </p:ext>
     </p:extLst>
   </p:cSld>
@@ -12074,7 +12096,7 @@
           <a:p>
             <a:fld id="{BE9B16EF-2059-438C-A53F-3FD76E8FBBFD}" type="datetime1">
               <a:rPr lang="ko-KR" altLang="en-US" smtClean="0"/>
-              <a:t>2019-05-07</a:t>
+              <a:t>2019-05-08</a:t>
             </a:fld>
             <a:endParaRPr lang="ko-KR" altLang="en-US"/>
           </a:p>
